--- a/Transformers_LLM_Theory.pptx
+++ b/Transformers_LLM_Theory.pptx
@@ -12,14 +12,26 @@
     <p:sldId id="261" r:id="rId6"/>
     <p:sldId id="262" r:id="rId7"/>
     <p:sldId id="272" r:id="rId8"/>
-    <p:sldId id="263" r:id="rId9"/>
-    <p:sldId id="264" r:id="rId10"/>
-    <p:sldId id="265" r:id="rId11"/>
-    <p:sldId id="267" r:id="rId12"/>
-    <p:sldId id="268" r:id="rId13"/>
-    <p:sldId id="269" r:id="rId14"/>
-    <p:sldId id="270" r:id="rId15"/>
-    <p:sldId id="271" r:id="rId16"/>
+    <p:sldId id="280" r:id="rId9"/>
+    <p:sldId id="273" r:id="rId10"/>
+    <p:sldId id="274" r:id="rId11"/>
+    <p:sldId id="275" r:id="rId12"/>
+    <p:sldId id="276" r:id="rId13"/>
+    <p:sldId id="278" r:id="rId14"/>
+    <p:sldId id="279" r:id="rId15"/>
+    <p:sldId id="263" r:id="rId16"/>
+    <p:sldId id="264" r:id="rId17"/>
+    <p:sldId id="265" r:id="rId18"/>
+    <p:sldId id="267" r:id="rId19"/>
+    <p:sldId id="281" r:id="rId20"/>
+    <p:sldId id="283" r:id="rId21"/>
+    <p:sldId id="266" r:id="rId22"/>
+    <p:sldId id="284" r:id="rId23"/>
+    <p:sldId id="285" r:id="rId24"/>
+    <p:sldId id="268" r:id="rId25"/>
+    <p:sldId id="269" r:id="rId26"/>
+    <p:sldId id="270" r:id="rId27"/>
+    <p:sldId id="271" r:id="rId28"/>
   </p:sldIdLst>
   <p:sldSz cx="12192000" cy="6858000"/>
   <p:notesSz cx="6858000" cy="9144000"/>
@@ -118,6 +130,11 @@
       </a:defRPr>
     </a:lvl9pPr>
   </p:defaultTextStyle>
+  <p:extLst>
+    <p:ext uri="{EFAFB233-063F-42B5-8137-9DF3F51BA10A}">
+      <p15:sldGuideLst xmlns:p15="http://schemas.microsoft.com/office/powerpoint/2012/main"/>
+    </p:ext>
+  </p:extLst>
 </p:presentation>
 </file>
 
@@ -270,7 +287,7 @@
           <a:p>
             <a:fld id="{57870EB6-92D5-4BF1-9585-8D396CA896E0}" type="datetimeFigureOut">
               <a:rPr lang="en-IN" smtClean="0"/>
-              <a:t>11-01-2026</a:t>
+              <a:t>16-01-2026</a:t>
             </a:fld>
             <a:endParaRPr lang="en-IN"/>
           </a:p>
@@ -470,7 +487,7 @@
           <a:p>
             <a:fld id="{57870EB6-92D5-4BF1-9585-8D396CA896E0}" type="datetimeFigureOut">
               <a:rPr lang="en-IN" smtClean="0"/>
-              <a:t>11-01-2026</a:t>
+              <a:t>16-01-2026</a:t>
             </a:fld>
             <a:endParaRPr lang="en-IN"/>
           </a:p>
@@ -680,7 +697,7 @@
           <a:p>
             <a:fld id="{57870EB6-92D5-4BF1-9585-8D396CA896E0}" type="datetimeFigureOut">
               <a:rPr lang="en-IN" smtClean="0"/>
-              <a:t>11-01-2026</a:t>
+              <a:t>16-01-2026</a:t>
             </a:fld>
             <a:endParaRPr lang="en-IN"/>
           </a:p>
@@ -880,7 +897,7 @@
           <a:p>
             <a:fld id="{57870EB6-92D5-4BF1-9585-8D396CA896E0}" type="datetimeFigureOut">
               <a:rPr lang="en-IN" smtClean="0"/>
-              <a:t>11-01-2026</a:t>
+              <a:t>16-01-2026</a:t>
             </a:fld>
             <a:endParaRPr lang="en-IN"/>
           </a:p>
@@ -1156,7 +1173,7 @@
           <a:p>
             <a:fld id="{57870EB6-92D5-4BF1-9585-8D396CA896E0}" type="datetimeFigureOut">
               <a:rPr lang="en-IN" smtClean="0"/>
-              <a:t>11-01-2026</a:t>
+              <a:t>16-01-2026</a:t>
             </a:fld>
             <a:endParaRPr lang="en-IN"/>
           </a:p>
@@ -1424,7 +1441,7 @@
           <a:p>
             <a:fld id="{57870EB6-92D5-4BF1-9585-8D396CA896E0}" type="datetimeFigureOut">
               <a:rPr lang="en-IN" smtClean="0"/>
-              <a:t>11-01-2026</a:t>
+              <a:t>16-01-2026</a:t>
             </a:fld>
             <a:endParaRPr lang="en-IN"/>
           </a:p>
@@ -1839,7 +1856,7 @@
           <a:p>
             <a:fld id="{57870EB6-92D5-4BF1-9585-8D396CA896E0}" type="datetimeFigureOut">
               <a:rPr lang="en-IN" smtClean="0"/>
-              <a:t>11-01-2026</a:t>
+              <a:t>16-01-2026</a:t>
             </a:fld>
             <a:endParaRPr lang="en-IN"/>
           </a:p>
@@ -1981,7 +1998,7 @@
           <a:p>
             <a:fld id="{57870EB6-92D5-4BF1-9585-8D396CA896E0}" type="datetimeFigureOut">
               <a:rPr lang="en-IN" smtClean="0"/>
-              <a:t>11-01-2026</a:t>
+              <a:t>16-01-2026</a:t>
             </a:fld>
             <a:endParaRPr lang="en-IN"/>
           </a:p>
@@ -2094,7 +2111,7 @@
           <a:p>
             <a:fld id="{57870EB6-92D5-4BF1-9585-8D396CA896E0}" type="datetimeFigureOut">
               <a:rPr lang="en-IN" smtClean="0"/>
-              <a:t>11-01-2026</a:t>
+              <a:t>16-01-2026</a:t>
             </a:fld>
             <a:endParaRPr lang="en-IN"/>
           </a:p>
@@ -2407,7 +2424,7 @@
           <a:p>
             <a:fld id="{57870EB6-92D5-4BF1-9585-8D396CA896E0}" type="datetimeFigureOut">
               <a:rPr lang="en-IN" smtClean="0"/>
-              <a:t>11-01-2026</a:t>
+              <a:t>16-01-2026</a:t>
             </a:fld>
             <a:endParaRPr lang="en-IN"/>
           </a:p>
@@ -2696,7 +2713,7 @@
           <a:p>
             <a:fld id="{57870EB6-92D5-4BF1-9585-8D396CA896E0}" type="datetimeFigureOut">
               <a:rPr lang="en-IN" smtClean="0"/>
-              <a:t>11-01-2026</a:t>
+              <a:t>16-01-2026</a:t>
             </a:fld>
             <a:endParaRPr lang="en-IN"/>
           </a:p>
@@ -2939,7 +2956,7 @@
           <a:p>
             <a:fld id="{57870EB6-92D5-4BF1-9585-8D396CA896E0}" type="datetimeFigureOut">
               <a:rPr lang="en-IN" smtClean="0"/>
-              <a:t>11-01-2026</a:t>
+              <a:t>16-01-2026</a:t>
             </a:fld>
             <a:endParaRPr lang="en-IN"/>
           </a:p>
@@ -3455,6 +3472,3010 @@
         <p:cNvPr id="1" name="">
           <a:extLst>
             <a:ext uri="{FF2B5EF4-FFF2-40B4-BE49-F238E27FC236}">
+              <a16:creationId xmlns:a16="http://schemas.microsoft.com/office/drawing/2014/main" id="{DF30FD20-E29E-9281-385A-64E17FF140B5}"/>
+            </a:ext>
+          </a:extLst>
+        </p:cNvPr>
+        <p:cNvGrpSpPr/>
+        <p:nvPr/>
+      </p:nvGrpSpPr>
+      <p:grpSpPr>
+        <a:xfrm>
+          <a:off x="0" y="0"/>
+          <a:ext cx="0" cy="0"/>
+          <a:chOff x="0" y="0"/>
+          <a:chExt cx="0" cy="0"/>
+        </a:xfrm>
+      </p:grpSpPr>
+      <p:sp>
+        <p:nvSpPr>
+          <p:cNvPr id="2" name="TextBox 1">
+            <a:extLst>
+              <a:ext uri="{FF2B5EF4-FFF2-40B4-BE49-F238E27FC236}">
+                <a16:creationId xmlns:a16="http://schemas.microsoft.com/office/drawing/2014/main" id="{886684A7-90D5-D5B2-EE1A-2BA79C058331}"/>
+              </a:ext>
+            </a:extLst>
+          </p:cNvPr>
+          <p:cNvSpPr txBox="1"/>
+          <p:nvPr/>
+        </p:nvSpPr>
+        <p:spPr>
+          <a:xfrm>
+            <a:off x="3833117" y="360213"/>
+            <a:ext cx="5375318" cy="461665"/>
+          </a:xfrm>
+          <a:prstGeom prst="rect">
+            <a:avLst/>
+          </a:prstGeom>
+          <a:noFill/>
+        </p:spPr>
+        <p:txBody>
+          <a:bodyPr wrap="square" rtlCol="0">
+            <a:spAutoFit/>
+          </a:bodyPr>
+          <a:lstStyle/>
+          <a:p>
+            <a:r>
+              <a:rPr lang="en-IN" sz="2400" dirty="0"/>
+              <a:t>Positional Encoding</a:t>
+            </a:r>
+          </a:p>
+        </p:txBody>
+      </p:sp>
+      <p:sp>
+        <p:nvSpPr>
+          <p:cNvPr id="3" name="TextBox 2">
+            <a:extLst>
+              <a:ext uri="{FF2B5EF4-FFF2-40B4-BE49-F238E27FC236}">
+                <a16:creationId xmlns:a16="http://schemas.microsoft.com/office/drawing/2014/main" id="{962D90D5-EC23-18FB-B082-1851A2399A8D}"/>
+              </a:ext>
+            </a:extLst>
+          </p:cNvPr>
+          <p:cNvSpPr txBox="1"/>
+          <p:nvPr/>
+        </p:nvSpPr>
+        <p:spPr>
+          <a:xfrm>
+            <a:off x="301349" y="1533831"/>
+            <a:ext cx="6355090" cy="3693319"/>
+          </a:xfrm>
+          <a:prstGeom prst="rect">
+            <a:avLst/>
+          </a:prstGeom>
+          <a:noFill/>
+        </p:spPr>
+        <p:txBody>
+          <a:bodyPr wrap="square" rtlCol="0">
+            <a:spAutoFit/>
+          </a:bodyPr>
+          <a:lstStyle/>
+          <a:p>
+            <a:pPr marL="285750" indent="-285750">
+              <a:buFont typeface="Arial" panose="020B0604020202020204" pitchFamily="34" charset="0"/>
+              <a:buChar char="•"/>
+            </a:pPr>
+            <a:r>
+              <a:rPr lang="en-US" dirty="0"/>
+              <a:t>Transformers process all tokens in parallel and do not have inherent word order.</a:t>
+            </a:r>
+          </a:p>
+          <a:p>
+            <a:pPr marL="285750" indent="-285750">
+              <a:buFont typeface="Arial" panose="020B0604020202020204" pitchFamily="34" charset="0"/>
+              <a:buChar char="•"/>
+            </a:pPr>
+            <a:endParaRPr lang="en-US" dirty="0"/>
+          </a:p>
+          <a:p>
+            <a:pPr marL="285750" indent="-285750">
+              <a:buFont typeface="Arial" panose="020B0604020202020204" pitchFamily="34" charset="0"/>
+              <a:buChar char="•"/>
+            </a:pPr>
+            <a:r>
+              <a:rPr lang="en-US" dirty="0"/>
+              <a:t>Positional encodings inject information about token position into embeddings.</a:t>
+            </a:r>
+          </a:p>
+          <a:p>
+            <a:pPr marL="285750" indent="-285750">
+              <a:buFont typeface="Arial" panose="020B0604020202020204" pitchFamily="34" charset="0"/>
+              <a:buChar char="•"/>
+            </a:pPr>
+            <a:endParaRPr lang="en-US" dirty="0"/>
+          </a:p>
+          <a:p>
+            <a:pPr marL="285750" indent="-285750">
+              <a:buFont typeface="Arial" panose="020B0604020202020204" pitchFamily="34" charset="0"/>
+              <a:buChar char="•"/>
+            </a:pPr>
+            <a:r>
+              <a:rPr lang="en-US" dirty="0"/>
+              <a:t>Typically implemented using sine and cosine functions of different frequencies.</a:t>
+            </a:r>
+          </a:p>
+          <a:p>
+            <a:pPr marL="285750" indent="-285750">
+              <a:buFont typeface="Arial" panose="020B0604020202020204" pitchFamily="34" charset="0"/>
+              <a:buChar char="•"/>
+            </a:pPr>
+            <a:endParaRPr lang="en-US" dirty="0"/>
+          </a:p>
+          <a:p>
+            <a:pPr marL="285750" indent="-285750">
+              <a:buFont typeface="Arial" panose="020B0604020202020204" pitchFamily="34" charset="0"/>
+              <a:buChar char="•"/>
+            </a:pPr>
+            <a:r>
+              <a:rPr lang="en-US" dirty="0"/>
+              <a:t>These encodings are added directly to word embeddings.</a:t>
+            </a:r>
+          </a:p>
+          <a:p>
+            <a:pPr marL="285750" indent="-285750">
+              <a:buFont typeface="Arial" panose="020B0604020202020204" pitchFamily="34" charset="0"/>
+              <a:buChar char="•"/>
+            </a:pPr>
+            <a:endParaRPr lang="en-US" dirty="0"/>
+          </a:p>
+          <a:p>
+            <a:pPr marL="285750" indent="-285750">
+              <a:buFont typeface="Arial" panose="020B0604020202020204" pitchFamily="34" charset="0"/>
+              <a:buChar char="•"/>
+            </a:pPr>
+            <a:r>
+              <a:rPr lang="en-US" dirty="0"/>
+              <a:t>This allows the model to distinguish between “dog bites man” and “man bites dog”.</a:t>
+            </a:r>
+            <a:endParaRPr lang="en-IN" dirty="0"/>
+          </a:p>
+        </p:txBody>
+      </p:sp>
+      <p:sp>
+        <p:nvSpPr>
+          <p:cNvPr id="4" name="TextBox 3">
+            <a:extLst>
+              <a:ext uri="{FF2B5EF4-FFF2-40B4-BE49-F238E27FC236}">
+                <a16:creationId xmlns:a16="http://schemas.microsoft.com/office/drawing/2014/main" id="{BF068617-D300-446D-C95C-9FEF3A028C0A}"/>
+              </a:ext>
+            </a:extLst>
+          </p:cNvPr>
+          <p:cNvSpPr txBox="1"/>
+          <p:nvPr/>
+        </p:nvSpPr>
+        <p:spPr>
+          <a:xfrm>
+            <a:off x="7649496" y="6061454"/>
+            <a:ext cx="3785419" cy="369332"/>
+          </a:xfrm>
+          <a:prstGeom prst="rect">
+            <a:avLst/>
+          </a:prstGeom>
+          <a:noFill/>
+        </p:spPr>
+        <p:txBody>
+          <a:bodyPr wrap="square" rtlCol="0">
+            <a:spAutoFit/>
+          </a:bodyPr>
+          <a:lstStyle/>
+          <a:p>
+            <a:r>
+              <a:rPr lang="en-IN" dirty="0" err="1">
+                <a:hlinkClick r:id="rId2"/>
+              </a:rPr>
+              <a:t>transformer_demo</a:t>
+            </a:r>
+            <a:endParaRPr lang="en-IN" dirty="0"/>
+          </a:p>
+        </p:txBody>
+      </p:sp>
+      <p:pic>
+        <p:nvPicPr>
+          <p:cNvPr id="6" name="Picture 5">
+            <a:extLst>
+              <a:ext uri="{FF2B5EF4-FFF2-40B4-BE49-F238E27FC236}">
+                <a16:creationId xmlns:a16="http://schemas.microsoft.com/office/drawing/2014/main" id="{BB1E2A8F-34D0-7C72-3595-A98AA9932AD6}"/>
+              </a:ext>
+            </a:extLst>
+          </p:cNvPr>
+          <p:cNvPicPr>
+            <a:picLocks noChangeAspect="1"/>
+          </p:cNvPicPr>
+          <p:nvPr/>
+        </p:nvPicPr>
+        <p:blipFill>
+          <a:blip r:embed="rId3"/>
+          <a:stretch>
+            <a:fillRect/>
+          </a:stretch>
+        </p:blipFill>
+        <p:spPr>
+          <a:xfrm>
+            <a:off x="6758209" y="1930230"/>
+            <a:ext cx="5132442" cy="2566221"/>
+          </a:xfrm>
+          <a:prstGeom prst="rect">
+            <a:avLst/>
+          </a:prstGeom>
+        </p:spPr>
+      </p:pic>
+    </p:spTree>
+    <p:extLst>
+      <p:ext uri="{BB962C8B-B14F-4D97-AF65-F5344CB8AC3E}">
+        <p14:creationId xmlns:p14="http://schemas.microsoft.com/office/powerpoint/2010/main" val="1650043644"/>
+      </p:ext>
+    </p:extLst>
+  </p:cSld>
+  <p:clrMapOvr>
+    <a:masterClrMapping/>
+  </p:clrMapOvr>
+</p:sld>
+</file>
+
+<file path=ppt/slides/slide11.xml><?xml version="1.0" encoding="utf-8"?>
+<p:sld xmlns:a="http://schemas.openxmlformats.org/drawingml/2006/main" xmlns:r="http://schemas.openxmlformats.org/officeDocument/2006/relationships" xmlns:p="http://schemas.openxmlformats.org/presentationml/2006/main">
+  <p:cSld>
+    <p:spTree>
+      <p:nvGrpSpPr>
+        <p:cNvPr id="1" name="">
+          <a:extLst>
+            <a:ext uri="{FF2B5EF4-FFF2-40B4-BE49-F238E27FC236}">
+              <a16:creationId xmlns:a16="http://schemas.microsoft.com/office/drawing/2014/main" id="{49C3DDD9-D019-F261-D9B5-4E466D586281}"/>
+            </a:ext>
+          </a:extLst>
+        </p:cNvPr>
+        <p:cNvGrpSpPr/>
+        <p:nvPr/>
+      </p:nvGrpSpPr>
+      <p:grpSpPr>
+        <a:xfrm>
+          <a:off x="0" y="0"/>
+          <a:ext cx="0" cy="0"/>
+          <a:chOff x="0" y="0"/>
+          <a:chExt cx="0" cy="0"/>
+        </a:xfrm>
+      </p:grpSpPr>
+      <p:sp>
+        <p:nvSpPr>
+          <p:cNvPr id="2" name="TextBox 1">
+            <a:extLst>
+              <a:ext uri="{FF2B5EF4-FFF2-40B4-BE49-F238E27FC236}">
+                <a16:creationId xmlns:a16="http://schemas.microsoft.com/office/drawing/2014/main" id="{11C8D836-5812-94C4-9847-BFDA4E83C8EC}"/>
+              </a:ext>
+            </a:extLst>
+          </p:cNvPr>
+          <p:cNvSpPr txBox="1"/>
+          <p:nvPr/>
+        </p:nvSpPr>
+        <p:spPr>
+          <a:xfrm>
+            <a:off x="4142325" y="347215"/>
+            <a:ext cx="4313417" cy="461665"/>
+          </a:xfrm>
+          <a:prstGeom prst="rect">
+            <a:avLst/>
+          </a:prstGeom>
+          <a:noFill/>
+        </p:spPr>
+        <p:txBody>
+          <a:bodyPr wrap="square" rtlCol="0">
+            <a:spAutoFit/>
+          </a:bodyPr>
+          <a:lstStyle/>
+          <a:p>
+            <a:r>
+              <a:rPr lang="en-IN" sz="2400" dirty="0"/>
+              <a:t>Contextual Embeddings</a:t>
+            </a:r>
+          </a:p>
+        </p:txBody>
+      </p:sp>
+      <p:sp>
+        <p:nvSpPr>
+          <p:cNvPr id="3" name="TextBox 2">
+            <a:extLst>
+              <a:ext uri="{FF2B5EF4-FFF2-40B4-BE49-F238E27FC236}">
+                <a16:creationId xmlns:a16="http://schemas.microsoft.com/office/drawing/2014/main" id="{2509709C-4EA5-FF45-5F72-650009A80A73}"/>
+              </a:ext>
+            </a:extLst>
+          </p:cNvPr>
+          <p:cNvSpPr txBox="1"/>
+          <p:nvPr/>
+        </p:nvSpPr>
+        <p:spPr>
+          <a:xfrm>
+            <a:off x="301349" y="1533831"/>
+            <a:ext cx="6355090" cy="3416320"/>
+          </a:xfrm>
+          <a:prstGeom prst="rect">
+            <a:avLst/>
+          </a:prstGeom>
+          <a:noFill/>
+        </p:spPr>
+        <p:txBody>
+          <a:bodyPr wrap="square" rtlCol="0">
+            <a:spAutoFit/>
+          </a:bodyPr>
+          <a:lstStyle/>
+          <a:p>
+            <a:pPr marL="285750" indent="-285750">
+              <a:buFont typeface="Arial" panose="020B0604020202020204" pitchFamily="34" charset="0"/>
+              <a:buChar char="•"/>
+            </a:pPr>
+            <a:r>
+              <a:rPr lang="en-US" dirty="0"/>
+              <a:t>Contextual embeddings generate different vectors for the same word based on context.</a:t>
+            </a:r>
+          </a:p>
+          <a:p>
+            <a:pPr marL="285750" indent="-285750">
+              <a:buFont typeface="Arial" panose="020B0604020202020204" pitchFamily="34" charset="0"/>
+              <a:buChar char="•"/>
+            </a:pPr>
+            <a:endParaRPr lang="en-US" dirty="0"/>
+          </a:p>
+          <a:p>
+            <a:pPr marL="285750" indent="-285750">
+              <a:buFont typeface="Arial" panose="020B0604020202020204" pitchFamily="34" charset="0"/>
+              <a:buChar char="•"/>
+            </a:pPr>
+            <a:r>
+              <a:rPr lang="en-US" dirty="0"/>
+              <a:t>Unlike Word2Vec or </a:t>
+            </a:r>
+            <a:r>
+              <a:rPr lang="en-US" dirty="0" err="1"/>
+              <a:t>GloVe</a:t>
+            </a:r>
+            <a:r>
+              <a:rPr lang="en-US" dirty="0"/>
+              <a:t>, meaning is not fixed per word.</a:t>
+            </a:r>
+          </a:p>
+          <a:p>
+            <a:pPr marL="285750" indent="-285750">
+              <a:buFont typeface="Arial" panose="020B0604020202020204" pitchFamily="34" charset="0"/>
+              <a:buChar char="•"/>
+            </a:pPr>
+            <a:endParaRPr lang="en-US" dirty="0"/>
+          </a:p>
+          <a:p>
+            <a:pPr marL="285750" indent="-285750">
+              <a:buFont typeface="Arial" panose="020B0604020202020204" pitchFamily="34" charset="0"/>
+              <a:buChar char="•"/>
+            </a:pPr>
+            <a:r>
+              <a:rPr lang="en-US" dirty="0"/>
+              <a:t>Example: bank in “river bank” vs “bank account” gets different embeddings.</a:t>
+            </a:r>
+          </a:p>
+          <a:p>
+            <a:pPr marL="285750" indent="-285750">
+              <a:buFont typeface="Arial" panose="020B0604020202020204" pitchFamily="34" charset="0"/>
+              <a:buChar char="•"/>
+            </a:pPr>
+            <a:endParaRPr lang="en-US" dirty="0"/>
+          </a:p>
+          <a:p>
+            <a:pPr marL="285750" indent="-285750">
+              <a:buFont typeface="Arial" panose="020B0604020202020204" pitchFamily="34" charset="0"/>
+              <a:buChar char="•"/>
+            </a:pPr>
+            <a:r>
+              <a:rPr lang="en-US" dirty="0"/>
+              <a:t>Generated using deep models like Transformers.</a:t>
+            </a:r>
+          </a:p>
+          <a:p>
+            <a:pPr marL="285750" indent="-285750">
+              <a:buFont typeface="Arial" panose="020B0604020202020204" pitchFamily="34" charset="0"/>
+              <a:buChar char="•"/>
+            </a:pPr>
+            <a:endParaRPr lang="en-US" dirty="0"/>
+          </a:p>
+          <a:p>
+            <a:pPr marL="285750" indent="-285750">
+              <a:buFont typeface="Arial" panose="020B0604020202020204" pitchFamily="34" charset="0"/>
+              <a:buChar char="•"/>
+            </a:pPr>
+            <a:r>
+              <a:rPr lang="en-US" dirty="0"/>
+              <a:t>This enables true semantic understanding in modern NLP systems.</a:t>
+            </a:r>
+            <a:endParaRPr lang="en-IN" dirty="0"/>
+          </a:p>
+        </p:txBody>
+      </p:sp>
+      <p:sp>
+        <p:nvSpPr>
+          <p:cNvPr id="4" name="TextBox 3">
+            <a:extLst>
+              <a:ext uri="{FF2B5EF4-FFF2-40B4-BE49-F238E27FC236}">
+                <a16:creationId xmlns:a16="http://schemas.microsoft.com/office/drawing/2014/main" id="{885E6B49-393B-4DD9-17A2-BF415013FEDE}"/>
+              </a:ext>
+            </a:extLst>
+          </p:cNvPr>
+          <p:cNvSpPr txBox="1"/>
+          <p:nvPr/>
+        </p:nvSpPr>
+        <p:spPr>
+          <a:xfrm>
+            <a:off x="7649496" y="6061454"/>
+            <a:ext cx="3785419" cy="369332"/>
+          </a:xfrm>
+          <a:prstGeom prst="rect">
+            <a:avLst/>
+          </a:prstGeom>
+          <a:noFill/>
+        </p:spPr>
+        <p:txBody>
+          <a:bodyPr wrap="square" rtlCol="0">
+            <a:spAutoFit/>
+          </a:bodyPr>
+          <a:lstStyle/>
+          <a:p>
+            <a:r>
+              <a:rPr lang="en-IN" dirty="0" err="1">
+                <a:hlinkClick r:id="rId2"/>
+              </a:rPr>
+              <a:t>transformer_demo</a:t>
+            </a:r>
+            <a:endParaRPr lang="en-IN" dirty="0"/>
+          </a:p>
+        </p:txBody>
+      </p:sp>
+      <p:pic>
+        <p:nvPicPr>
+          <p:cNvPr id="3074" name="Picture 2" descr="Article content">
+            <a:extLst>
+              <a:ext uri="{FF2B5EF4-FFF2-40B4-BE49-F238E27FC236}">
+                <a16:creationId xmlns:a16="http://schemas.microsoft.com/office/drawing/2014/main" id="{A2CDD29B-1C82-C770-DBDC-D95D0C533D07}"/>
+              </a:ext>
+            </a:extLst>
+          </p:cNvPr>
+          <p:cNvPicPr>
+            <a:picLocks noChangeAspect="1" noChangeArrowheads="1"/>
+          </p:cNvPicPr>
+          <p:nvPr/>
+        </p:nvPicPr>
+        <p:blipFill>
+          <a:blip r:embed="rId3">
+            <a:extLst>
+              <a:ext uri="{28A0092B-C50C-407E-A947-70E740481C1C}">
+                <a14:useLocalDpi xmlns:a14="http://schemas.microsoft.com/office/drawing/2010/main" val="0"/>
+              </a:ext>
+            </a:extLst>
+          </a:blip>
+          <a:srcRect/>
+          <a:stretch>
+            <a:fillRect/>
+          </a:stretch>
+        </p:blipFill>
+        <p:spPr bwMode="auto">
+          <a:xfrm>
+            <a:off x="6735097" y="1789780"/>
+            <a:ext cx="5268589" cy="3160371"/>
+          </a:xfrm>
+          <a:prstGeom prst="rect">
+            <a:avLst/>
+          </a:prstGeom>
+          <a:noFill/>
+          <a:extLst>
+            <a:ext uri="{909E8E84-426E-40DD-AFC4-6F175D3DCCD1}">
+              <a14:hiddenFill xmlns:a14="http://schemas.microsoft.com/office/drawing/2010/main">
+                <a:solidFill>
+                  <a:srgbClr val="FFFFFF"/>
+                </a:solidFill>
+              </a14:hiddenFill>
+            </a:ext>
+          </a:extLst>
+        </p:spPr>
+      </p:pic>
+    </p:spTree>
+    <p:extLst>
+      <p:ext uri="{BB962C8B-B14F-4D97-AF65-F5344CB8AC3E}">
+        <p14:creationId xmlns:p14="http://schemas.microsoft.com/office/powerpoint/2010/main" val="3263039582"/>
+      </p:ext>
+    </p:extLst>
+  </p:cSld>
+  <p:clrMapOvr>
+    <a:masterClrMapping/>
+  </p:clrMapOvr>
+</p:sld>
+</file>
+
+<file path=ppt/slides/slide12.xml><?xml version="1.0" encoding="utf-8"?>
+<p:sld xmlns:a="http://schemas.openxmlformats.org/drawingml/2006/main" xmlns:r="http://schemas.openxmlformats.org/officeDocument/2006/relationships" xmlns:p="http://schemas.openxmlformats.org/presentationml/2006/main">
+  <p:cSld>
+    <p:spTree>
+      <p:nvGrpSpPr>
+        <p:cNvPr id="1" name="">
+          <a:extLst>
+            <a:ext uri="{FF2B5EF4-FFF2-40B4-BE49-F238E27FC236}">
+              <a16:creationId xmlns:a16="http://schemas.microsoft.com/office/drawing/2014/main" id="{E0B9CBA6-81AB-EF44-327B-19CD8A2E6A6B}"/>
+            </a:ext>
+          </a:extLst>
+        </p:cNvPr>
+        <p:cNvGrpSpPr/>
+        <p:nvPr/>
+      </p:nvGrpSpPr>
+      <p:grpSpPr>
+        <a:xfrm>
+          <a:off x="0" y="0"/>
+          <a:ext cx="0" cy="0"/>
+          <a:chOff x="0" y="0"/>
+          <a:chExt cx="0" cy="0"/>
+        </a:xfrm>
+      </p:grpSpPr>
+      <p:sp>
+        <p:nvSpPr>
+          <p:cNvPr id="2" name="TextBox 1">
+            <a:extLst>
+              <a:ext uri="{FF2B5EF4-FFF2-40B4-BE49-F238E27FC236}">
+                <a16:creationId xmlns:a16="http://schemas.microsoft.com/office/drawing/2014/main" id="{70D55821-1D2F-7F62-55FD-9B1E2E76F161}"/>
+              </a:ext>
+            </a:extLst>
+          </p:cNvPr>
+          <p:cNvSpPr txBox="1"/>
+          <p:nvPr/>
+        </p:nvSpPr>
+        <p:spPr>
+          <a:xfrm>
+            <a:off x="4142325" y="347215"/>
+            <a:ext cx="4313417" cy="461665"/>
+          </a:xfrm>
+          <a:prstGeom prst="rect">
+            <a:avLst/>
+          </a:prstGeom>
+          <a:noFill/>
+        </p:spPr>
+        <p:txBody>
+          <a:bodyPr wrap="square" rtlCol="0">
+            <a:spAutoFit/>
+          </a:bodyPr>
+          <a:lstStyle/>
+          <a:p>
+            <a:r>
+              <a:rPr lang="en-IN" sz="2400" dirty="0"/>
+              <a:t>Encoder Architecture</a:t>
+            </a:r>
+          </a:p>
+        </p:txBody>
+      </p:sp>
+      <p:sp>
+        <p:nvSpPr>
+          <p:cNvPr id="3" name="TextBox 2">
+            <a:extLst>
+              <a:ext uri="{FF2B5EF4-FFF2-40B4-BE49-F238E27FC236}">
+                <a16:creationId xmlns:a16="http://schemas.microsoft.com/office/drawing/2014/main" id="{5CD1651A-6371-125D-C969-8C3123D21906}"/>
+              </a:ext>
+            </a:extLst>
+          </p:cNvPr>
+          <p:cNvSpPr txBox="1"/>
+          <p:nvPr/>
+        </p:nvSpPr>
+        <p:spPr>
+          <a:xfrm>
+            <a:off x="266690" y="1155473"/>
+            <a:ext cx="7751270" cy="5355312"/>
+          </a:xfrm>
+          <a:prstGeom prst="rect">
+            <a:avLst/>
+          </a:prstGeom>
+          <a:noFill/>
+        </p:spPr>
+        <p:txBody>
+          <a:bodyPr wrap="square" rtlCol="0">
+            <a:spAutoFit/>
+          </a:bodyPr>
+          <a:lstStyle/>
+          <a:p>
+            <a:pPr marL="285750" indent="-285750">
+              <a:buFont typeface="Arial" panose="020B0604020202020204" pitchFamily="34" charset="0"/>
+              <a:buChar char="•"/>
+            </a:pPr>
+            <a:r>
+              <a:rPr lang="en-US" dirty="0"/>
+              <a:t>The Encoder reads the entire input sequence at once.</a:t>
+            </a:r>
+          </a:p>
+          <a:p>
+            <a:pPr marL="285750" indent="-285750">
+              <a:buFont typeface="Arial" panose="020B0604020202020204" pitchFamily="34" charset="0"/>
+              <a:buChar char="•"/>
+            </a:pPr>
+            <a:endParaRPr lang="en-US" dirty="0"/>
+          </a:p>
+          <a:p>
+            <a:pPr marL="285750" indent="-285750">
+              <a:buFont typeface="Arial" panose="020B0604020202020204" pitchFamily="34" charset="0"/>
+              <a:buChar char="•"/>
+            </a:pPr>
+            <a:r>
+              <a:rPr lang="en-US" dirty="0"/>
+              <a:t>It converts tokens into context-aware representations.</a:t>
+            </a:r>
+          </a:p>
+          <a:p>
+            <a:pPr marL="285750" indent="-285750">
+              <a:buFont typeface="Arial" panose="020B0604020202020204" pitchFamily="34" charset="0"/>
+              <a:buChar char="•"/>
+            </a:pPr>
+            <a:endParaRPr lang="en-US" dirty="0"/>
+          </a:p>
+          <a:p>
+            <a:pPr marL="285750" indent="-285750">
+              <a:buFont typeface="Arial" panose="020B0604020202020204" pitchFamily="34" charset="0"/>
+              <a:buChar char="•"/>
+            </a:pPr>
+            <a:r>
+              <a:rPr lang="en-US" dirty="0"/>
+              <a:t>Uses self-attention to relate every word with every other word.</a:t>
+            </a:r>
+          </a:p>
+          <a:p>
+            <a:pPr marL="285750" indent="-285750">
+              <a:buFont typeface="Arial" panose="020B0604020202020204" pitchFamily="34" charset="0"/>
+              <a:buChar char="•"/>
+            </a:pPr>
+            <a:endParaRPr lang="en-US" dirty="0"/>
+          </a:p>
+          <a:p>
+            <a:pPr marL="285750" indent="-285750">
+              <a:buFont typeface="Arial" panose="020B0604020202020204" pitchFamily="34" charset="0"/>
+              <a:buChar char="•"/>
+            </a:pPr>
+            <a:r>
+              <a:rPr lang="en-US" dirty="0"/>
+              <a:t>Positional encodings inject word order information.</a:t>
+            </a:r>
+          </a:p>
+          <a:p>
+            <a:pPr marL="285750" indent="-285750">
+              <a:buFont typeface="Arial" panose="020B0604020202020204" pitchFamily="34" charset="0"/>
+              <a:buChar char="•"/>
+            </a:pPr>
+            <a:endParaRPr lang="en-US" dirty="0"/>
+          </a:p>
+          <a:p>
+            <a:pPr marL="285750" indent="-285750">
+              <a:buFont typeface="Arial" panose="020B0604020202020204" pitchFamily="34" charset="0"/>
+              <a:buChar char="•"/>
+            </a:pPr>
+            <a:r>
+              <a:rPr lang="en-US" dirty="0"/>
+              <a:t>Encoder outputs are rich embeddings used for understanding tasks.</a:t>
+            </a:r>
+          </a:p>
+          <a:p>
+            <a:pPr marL="285750" indent="-285750">
+              <a:buFont typeface="Arial" panose="020B0604020202020204" pitchFamily="34" charset="0"/>
+              <a:buChar char="•"/>
+            </a:pPr>
+            <a:endParaRPr lang="en-US" dirty="0"/>
+          </a:p>
+          <a:p>
+            <a:r>
+              <a:rPr lang="en-US" dirty="0"/>
+              <a:t>Typical use-cases</a:t>
+            </a:r>
+          </a:p>
+          <a:p>
+            <a:endParaRPr lang="en-US" dirty="0"/>
+          </a:p>
+          <a:p>
+            <a:r>
+              <a:rPr lang="en-US" dirty="0"/>
+              <a:t>Text classification</a:t>
+            </a:r>
+          </a:p>
+          <a:p>
+            <a:endParaRPr lang="en-US" dirty="0"/>
+          </a:p>
+          <a:p>
+            <a:r>
+              <a:rPr lang="en-US" dirty="0"/>
+              <a:t>Named Entity Recognition</a:t>
+            </a:r>
+          </a:p>
+          <a:p>
+            <a:endParaRPr lang="en-US" dirty="0"/>
+          </a:p>
+          <a:p>
+            <a:r>
+              <a:rPr lang="en-US" dirty="0"/>
+              <a:t>Semantic search</a:t>
+            </a:r>
+          </a:p>
+          <a:p>
+            <a:endParaRPr lang="en-US" dirty="0"/>
+          </a:p>
+          <a:p>
+            <a:r>
+              <a:rPr lang="en-US" dirty="0"/>
+              <a:t>Sentence embeddings.</a:t>
+            </a:r>
+            <a:endParaRPr lang="en-IN" dirty="0"/>
+          </a:p>
+        </p:txBody>
+      </p:sp>
+      <p:sp>
+        <p:nvSpPr>
+          <p:cNvPr id="4" name="TextBox 3">
+            <a:extLst>
+              <a:ext uri="{FF2B5EF4-FFF2-40B4-BE49-F238E27FC236}">
+                <a16:creationId xmlns:a16="http://schemas.microsoft.com/office/drawing/2014/main" id="{DB31A70B-E0D3-0A87-574D-909C7ED9ACD9}"/>
+              </a:ext>
+            </a:extLst>
+          </p:cNvPr>
+          <p:cNvSpPr txBox="1"/>
+          <p:nvPr/>
+        </p:nvSpPr>
+        <p:spPr>
+          <a:xfrm>
+            <a:off x="7649496" y="6061454"/>
+            <a:ext cx="3785419" cy="369332"/>
+          </a:xfrm>
+          <a:prstGeom prst="rect">
+            <a:avLst/>
+          </a:prstGeom>
+          <a:noFill/>
+        </p:spPr>
+        <p:txBody>
+          <a:bodyPr wrap="square" rtlCol="0">
+            <a:spAutoFit/>
+          </a:bodyPr>
+          <a:lstStyle/>
+          <a:p>
+            <a:r>
+              <a:rPr lang="en-IN" dirty="0" err="1">
+                <a:hlinkClick r:id="rId2"/>
+              </a:rPr>
+              <a:t>transformer_demo</a:t>
+            </a:r>
+            <a:endParaRPr lang="en-IN" dirty="0"/>
+          </a:p>
+        </p:txBody>
+      </p:sp>
+      <p:pic>
+        <p:nvPicPr>
+          <p:cNvPr id="6" name="Picture 5">
+            <a:extLst>
+              <a:ext uri="{FF2B5EF4-FFF2-40B4-BE49-F238E27FC236}">
+                <a16:creationId xmlns:a16="http://schemas.microsoft.com/office/drawing/2014/main" id="{11F06C25-A8FD-8955-C9E8-3FFCE0551D2E}"/>
+              </a:ext>
+            </a:extLst>
+          </p:cNvPr>
+          <p:cNvPicPr>
+            <a:picLocks noChangeAspect="1"/>
+          </p:cNvPicPr>
+          <p:nvPr/>
+        </p:nvPicPr>
+        <p:blipFill>
+          <a:blip r:embed="rId3"/>
+          <a:stretch>
+            <a:fillRect/>
+          </a:stretch>
+        </p:blipFill>
+        <p:spPr>
+          <a:xfrm>
+            <a:off x="7455543" y="808880"/>
+            <a:ext cx="3101609" cy="4968671"/>
+          </a:xfrm>
+          <a:prstGeom prst="rect">
+            <a:avLst/>
+          </a:prstGeom>
+        </p:spPr>
+      </p:pic>
+    </p:spTree>
+    <p:extLst>
+      <p:ext uri="{BB962C8B-B14F-4D97-AF65-F5344CB8AC3E}">
+        <p14:creationId xmlns:p14="http://schemas.microsoft.com/office/powerpoint/2010/main" val="2861260129"/>
+      </p:ext>
+    </p:extLst>
+  </p:cSld>
+  <p:clrMapOvr>
+    <a:masterClrMapping/>
+  </p:clrMapOvr>
+</p:sld>
+</file>
+
+<file path=ppt/slides/slide13.xml><?xml version="1.0" encoding="utf-8"?>
+<p:sld xmlns:a="http://schemas.openxmlformats.org/drawingml/2006/main" xmlns:r="http://schemas.openxmlformats.org/officeDocument/2006/relationships" xmlns:p="http://schemas.openxmlformats.org/presentationml/2006/main">
+  <p:cSld>
+    <p:spTree>
+      <p:nvGrpSpPr>
+        <p:cNvPr id="1" name="">
+          <a:extLst>
+            <a:ext uri="{FF2B5EF4-FFF2-40B4-BE49-F238E27FC236}">
+              <a16:creationId xmlns:a16="http://schemas.microsoft.com/office/drawing/2014/main" id="{9E14519B-EABF-2E61-CAC7-92FB7F17F27A}"/>
+            </a:ext>
+          </a:extLst>
+        </p:cNvPr>
+        <p:cNvGrpSpPr/>
+        <p:nvPr/>
+      </p:nvGrpSpPr>
+      <p:grpSpPr>
+        <a:xfrm>
+          <a:off x="0" y="0"/>
+          <a:ext cx="0" cy="0"/>
+          <a:chOff x="0" y="0"/>
+          <a:chExt cx="0" cy="0"/>
+        </a:xfrm>
+      </p:grpSpPr>
+      <p:sp>
+        <p:nvSpPr>
+          <p:cNvPr id="2" name="TextBox 1">
+            <a:extLst>
+              <a:ext uri="{FF2B5EF4-FFF2-40B4-BE49-F238E27FC236}">
+                <a16:creationId xmlns:a16="http://schemas.microsoft.com/office/drawing/2014/main" id="{1EB985BA-63D1-47B5-0C95-9F1EB7F002F2}"/>
+              </a:ext>
+            </a:extLst>
+          </p:cNvPr>
+          <p:cNvSpPr txBox="1"/>
+          <p:nvPr/>
+        </p:nvSpPr>
+        <p:spPr>
+          <a:xfrm>
+            <a:off x="4496286" y="205263"/>
+            <a:ext cx="4313417" cy="461665"/>
+          </a:xfrm>
+          <a:prstGeom prst="rect">
+            <a:avLst/>
+          </a:prstGeom>
+          <a:noFill/>
+        </p:spPr>
+        <p:txBody>
+          <a:bodyPr wrap="square" rtlCol="0">
+            <a:spAutoFit/>
+          </a:bodyPr>
+          <a:lstStyle/>
+          <a:p>
+            <a:r>
+              <a:rPr lang="en-IN" sz="2400" dirty="0"/>
+              <a:t>Decoder Architecture</a:t>
+            </a:r>
+          </a:p>
+        </p:txBody>
+      </p:sp>
+      <p:sp>
+        <p:nvSpPr>
+          <p:cNvPr id="3" name="TextBox 2">
+            <a:extLst>
+              <a:ext uri="{FF2B5EF4-FFF2-40B4-BE49-F238E27FC236}">
+                <a16:creationId xmlns:a16="http://schemas.microsoft.com/office/drawing/2014/main" id="{1F3A633F-7800-4EF9-0925-0E208277039F}"/>
+              </a:ext>
+            </a:extLst>
+          </p:cNvPr>
+          <p:cNvSpPr txBox="1"/>
+          <p:nvPr/>
+        </p:nvSpPr>
+        <p:spPr>
+          <a:xfrm>
+            <a:off x="266690" y="1155473"/>
+            <a:ext cx="7751270" cy="5355312"/>
+          </a:xfrm>
+          <a:prstGeom prst="rect">
+            <a:avLst/>
+          </a:prstGeom>
+          <a:noFill/>
+        </p:spPr>
+        <p:txBody>
+          <a:bodyPr wrap="square" rtlCol="0">
+            <a:spAutoFit/>
+          </a:bodyPr>
+          <a:lstStyle/>
+          <a:p>
+            <a:pPr marL="285750" indent="-285750">
+              <a:buFont typeface="Arial" panose="020B0604020202020204" pitchFamily="34" charset="0"/>
+              <a:buChar char="•"/>
+            </a:pPr>
+            <a:r>
+              <a:rPr lang="en-US" dirty="0"/>
+              <a:t>The Decoder generates text token by token.</a:t>
+            </a:r>
+          </a:p>
+          <a:p>
+            <a:pPr marL="285750" indent="-285750">
+              <a:buFont typeface="Arial" panose="020B0604020202020204" pitchFamily="34" charset="0"/>
+              <a:buChar char="•"/>
+            </a:pPr>
+            <a:endParaRPr lang="en-US" dirty="0"/>
+          </a:p>
+          <a:p>
+            <a:pPr marL="285750" indent="-285750">
+              <a:buFont typeface="Arial" panose="020B0604020202020204" pitchFamily="34" charset="0"/>
+              <a:buChar char="•"/>
+            </a:pPr>
+            <a:r>
+              <a:rPr lang="en-US" dirty="0"/>
+              <a:t>Uses masked self-attention to prevent seeing future tokens.</a:t>
+            </a:r>
+          </a:p>
+          <a:p>
+            <a:pPr marL="285750" indent="-285750">
+              <a:buFont typeface="Arial" panose="020B0604020202020204" pitchFamily="34" charset="0"/>
+              <a:buChar char="•"/>
+            </a:pPr>
+            <a:endParaRPr lang="en-US" dirty="0"/>
+          </a:p>
+          <a:p>
+            <a:pPr marL="285750" indent="-285750">
+              <a:buFont typeface="Arial" panose="020B0604020202020204" pitchFamily="34" charset="0"/>
+              <a:buChar char="•"/>
+            </a:pPr>
+            <a:r>
+              <a:rPr lang="en-US" dirty="0"/>
+              <a:t>Attends to encoder outputs using cross-attention.</a:t>
+            </a:r>
+          </a:p>
+          <a:p>
+            <a:pPr marL="285750" indent="-285750">
+              <a:buFont typeface="Arial" panose="020B0604020202020204" pitchFamily="34" charset="0"/>
+              <a:buChar char="•"/>
+            </a:pPr>
+            <a:endParaRPr lang="en-US" dirty="0"/>
+          </a:p>
+          <a:p>
+            <a:pPr marL="285750" indent="-285750">
+              <a:buFont typeface="Arial" panose="020B0604020202020204" pitchFamily="34" charset="0"/>
+              <a:buChar char="•"/>
+            </a:pPr>
+            <a:r>
+              <a:rPr lang="en-US" dirty="0"/>
+              <a:t>Learns how to generate coherent and fluent sequences.</a:t>
+            </a:r>
+          </a:p>
+          <a:p>
+            <a:pPr marL="285750" indent="-285750">
+              <a:buFont typeface="Arial" panose="020B0604020202020204" pitchFamily="34" charset="0"/>
+              <a:buChar char="•"/>
+            </a:pPr>
+            <a:endParaRPr lang="en-US" dirty="0"/>
+          </a:p>
+          <a:p>
+            <a:pPr marL="285750" indent="-285750">
+              <a:buFont typeface="Arial" panose="020B0604020202020204" pitchFamily="34" charset="0"/>
+              <a:buChar char="•"/>
+            </a:pPr>
+            <a:r>
+              <a:rPr lang="en-US" dirty="0"/>
+              <a:t>Each output depends on previously generated tokens.</a:t>
+            </a:r>
+          </a:p>
+          <a:p>
+            <a:pPr marL="285750" indent="-285750">
+              <a:buFont typeface="Arial" panose="020B0604020202020204" pitchFamily="34" charset="0"/>
+              <a:buChar char="•"/>
+            </a:pPr>
+            <a:endParaRPr lang="en-US" dirty="0"/>
+          </a:p>
+          <a:p>
+            <a:r>
+              <a:rPr lang="en-US" dirty="0"/>
+              <a:t>Typical use-cases</a:t>
+            </a:r>
+          </a:p>
+          <a:p>
+            <a:endParaRPr lang="en-US" dirty="0"/>
+          </a:p>
+          <a:p>
+            <a:r>
+              <a:rPr lang="en-US" dirty="0"/>
+              <a:t>Text generation</a:t>
+            </a:r>
+          </a:p>
+          <a:p>
+            <a:endParaRPr lang="en-US" dirty="0"/>
+          </a:p>
+          <a:p>
+            <a:r>
+              <a:rPr lang="en-US" dirty="0"/>
+              <a:t>Translation</a:t>
+            </a:r>
+          </a:p>
+          <a:p>
+            <a:endParaRPr lang="en-US" dirty="0"/>
+          </a:p>
+          <a:p>
+            <a:r>
+              <a:rPr lang="en-US" dirty="0"/>
+              <a:t>Summarization</a:t>
+            </a:r>
+          </a:p>
+          <a:p>
+            <a:endParaRPr lang="en-US" dirty="0"/>
+          </a:p>
+          <a:p>
+            <a:r>
+              <a:rPr lang="en-US" dirty="0"/>
+              <a:t>Chatbots</a:t>
+            </a:r>
+            <a:endParaRPr lang="en-IN" dirty="0"/>
+          </a:p>
+        </p:txBody>
+      </p:sp>
+      <p:sp>
+        <p:nvSpPr>
+          <p:cNvPr id="4" name="TextBox 3">
+            <a:extLst>
+              <a:ext uri="{FF2B5EF4-FFF2-40B4-BE49-F238E27FC236}">
+                <a16:creationId xmlns:a16="http://schemas.microsoft.com/office/drawing/2014/main" id="{6E1BE7F6-B1EE-BBCB-8B01-3976731A255D}"/>
+              </a:ext>
+            </a:extLst>
+          </p:cNvPr>
+          <p:cNvSpPr txBox="1"/>
+          <p:nvPr/>
+        </p:nvSpPr>
+        <p:spPr>
+          <a:xfrm>
+            <a:off x="7649496" y="6061454"/>
+            <a:ext cx="3785419" cy="369332"/>
+          </a:xfrm>
+          <a:prstGeom prst="rect">
+            <a:avLst/>
+          </a:prstGeom>
+          <a:noFill/>
+        </p:spPr>
+        <p:txBody>
+          <a:bodyPr wrap="square" rtlCol="0">
+            <a:spAutoFit/>
+          </a:bodyPr>
+          <a:lstStyle/>
+          <a:p>
+            <a:r>
+              <a:rPr lang="en-IN" dirty="0" err="1">
+                <a:hlinkClick r:id="rId2"/>
+              </a:rPr>
+              <a:t>transformer_demo</a:t>
+            </a:r>
+            <a:endParaRPr lang="en-IN" dirty="0"/>
+          </a:p>
+        </p:txBody>
+      </p:sp>
+      <p:pic>
+        <p:nvPicPr>
+          <p:cNvPr id="7" name="Picture 6">
+            <a:extLst>
+              <a:ext uri="{FF2B5EF4-FFF2-40B4-BE49-F238E27FC236}">
+                <a16:creationId xmlns:a16="http://schemas.microsoft.com/office/drawing/2014/main" id="{067EE51E-DB25-71FF-7A2C-D44262DBE4B8}"/>
+              </a:ext>
+            </a:extLst>
+          </p:cNvPr>
+          <p:cNvPicPr>
+            <a:picLocks noChangeAspect="1"/>
+          </p:cNvPicPr>
+          <p:nvPr/>
+        </p:nvPicPr>
+        <p:blipFill>
+          <a:blip r:embed="rId3"/>
+          <a:stretch>
+            <a:fillRect/>
+          </a:stretch>
+        </p:blipFill>
+        <p:spPr>
+          <a:xfrm>
+            <a:off x="7649495" y="1113021"/>
+            <a:ext cx="2900517" cy="4868434"/>
+          </a:xfrm>
+          <a:prstGeom prst="rect">
+            <a:avLst/>
+          </a:prstGeom>
+        </p:spPr>
+      </p:pic>
+    </p:spTree>
+    <p:extLst>
+      <p:ext uri="{BB962C8B-B14F-4D97-AF65-F5344CB8AC3E}">
+        <p14:creationId xmlns:p14="http://schemas.microsoft.com/office/powerpoint/2010/main" val="1498870808"/>
+      </p:ext>
+    </p:extLst>
+  </p:cSld>
+  <p:clrMapOvr>
+    <a:masterClrMapping/>
+  </p:clrMapOvr>
+</p:sld>
+</file>
+
+<file path=ppt/slides/slide14.xml><?xml version="1.0" encoding="utf-8"?>
+<p:sld xmlns:a="http://schemas.openxmlformats.org/drawingml/2006/main" xmlns:r="http://schemas.openxmlformats.org/officeDocument/2006/relationships" xmlns:p="http://schemas.openxmlformats.org/presentationml/2006/main">
+  <p:cSld>
+    <p:spTree>
+      <p:nvGrpSpPr>
+        <p:cNvPr id="1" name=""/>
+        <p:cNvGrpSpPr/>
+        <p:nvPr/>
+      </p:nvGrpSpPr>
+      <p:grpSpPr>
+        <a:xfrm>
+          <a:off x="0" y="0"/>
+          <a:ext cx="0" cy="0"/>
+          <a:chOff x="0" y="0"/>
+          <a:chExt cx="0" cy="0"/>
+        </a:xfrm>
+      </p:grpSpPr>
+      <p:graphicFrame>
+        <p:nvGraphicFramePr>
+          <p:cNvPr id="2" name="Table 1">
+            <a:extLst>
+              <a:ext uri="{FF2B5EF4-FFF2-40B4-BE49-F238E27FC236}">
+                <a16:creationId xmlns:a16="http://schemas.microsoft.com/office/drawing/2014/main" id="{D31D0B93-7247-FD37-651D-70EFED59EAFC}"/>
+              </a:ext>
+            </a:extLst>
+          </p:cNvPr>
+          <p:cNvGraphicFramePr>
+            <a:graphicFrameLocks noGrp="1"/>
+          </p:cNvGraphicFramePr>
+          <p:nvPr>
+            <p:extLst>
+              <p:ext uri="{D42A27DB-BD31-4B8C-83A1-F6EECF244321}">
+                <p14:modId xmlns:p14="http://schemas.microsoft.com/office/powerpoint/2010/main" val="734341148"/>
+              </p:ext>
+            </p:extLst>
+          </p:nvPr>
+        </p:nvGraphicFramePr>
+        <p:xfrm>
+          <a:off x="838200" y="1977815"/>
+          <a:ext cx="10515600" cy="3921536"/>
+        </p:xfrm>
+        <a:graphic>
+          <a:graphicData uri="http://schemas.openxmlformats.org/drawingml/2006/table">
+            <a:tbl>
+              <a:tblPr/>
+              <a:tblGrid>
+                <a:gridCol w="3505200">
+                  <a:extLst>
+                    <a:ext uri="{9D8B030D-6E8A-4147-A177-3AD203B41FA5}">
+                      <a16:colId xmlns:a16="http://schemas.microsoft.com/office/drawing/2014/main" val="2347610930"/>
+                    </a:ext>
+                  </a:extLst>
+                </a:gridCol>
+                <a:gridCol w="3505200">
+                  <a:extLst>
+                    <a:ext uri="{9D8B030D-6E8A-4147-A177-3AD203B41FA5}">
+                      <a16:colId xmlns:a16="http://schemas.microsoft.com/office/drawing/2014/main" val="510449799"/>
+                    </a:ext>
+                  </a:extLst>
+                </a:gridCol>
+                <a:gridCol w="3505200">
+                  <a:extLst>
+                    <a:ext uri="{9D8B030D-6E8A-4147-A177-3AD203B41FA5}">
+                      <a16:colId xmlns:a16="http://schemas.microsoft.com/office/drawing/2014/main" val="273151658"/>
+                    </a:ext>
+                  </a:extLst>
+                </a:gridCol>
+              </a:tblGrid>
+              <a:tr h="490192">
+                <a:tc>
+                  <a:txBody>
+                    <a:bodyPr/>
+                    <a:lstStyle/>
+                    <a:p>
+                      <a:pPr>
+                        <a:buNone/>
+                      </a:pPr>
+                      <a:r>
+                        <a:rPr lang="en-IN"/>
+                        <a:t>Aspect</a:t>
+                      </a:r>
+                    </a:p>
+                  </a:txBody>
+                  <a:tcPr anchor="ctr">
+                    <a:lnL w="12700" cap="flat" cmpd="sng" algn="ctr">
+                      <a:solidFill>
+                        <a:schemeClr val="tx1"/>
+                      </a:solidFill>
+                      <a:prstDash val="solid"/>
+                      <a:round/>
+                      <a:headEnd type="none" w="med" len="med"/>
+                      <a:tailEnd type="none" w="med" len="med"/>
+                    </a:lnL>
+                    <a:lnR w="12700" cap="flat" cmpd="sng" algn="ctr">
+                      <a:solidFill>
+                        <a:schemeClr val="tx1"/>
+                      </a:solidFill>
+                      <a:prstDash val="solid"/>
+                      <a:round/>
+                      <a:headEnd type="none" w="med" len="med"/>
+                      <a:tailEnd type="none" w="med" len="med"/>
+                    </a:lnR>
+                    <a:lnT w="12700" cap="flat" cmpd="sng" algn="ctr">
+                      <a:solidFill>
+                        <a:schemeClr val="tx1"/>
+                      </a:solidFill>
+                      <a:prstDash val="solid"/>
+                      <a:round/>
+                      <a:headEnd type="none" w="med" len="med"/>
+                      <a:tailEnd type="none" w="med" len="med"/>
+                    </a:lnT>
+                    <a:lnB w="12700" cap="flat" cmpd="sng" algn="ctr">
+                      <a:solidFill>
+                        <a:schemeClr val="tx1"/>
+                      </a:solidFill>
+                      <a:prstDash val="solid"/>
+                      <a:round/>
+                      <a:headEnd type="none" w="med" len="med"/>
+                      <a:tailEnd type="none" w="med" len="med"/>
+                    </a:lnB>
+                    <a:noFill/>
+                  </a:tcPr>
+                </a:tc>
+                <a:tc>
+                  <a:txBody>
+                    <a:bodyPr/>
+                    <a:lstStyle/>
+                    <a:p>
+                      <a:pPr>
+                        <a:buNone/>
+                      </a:pPr>
+                      <a:r>
+                        <a:rPr lang="en-IN" b="1" dirty="0"/>
+                        <a:t>BERT</a:t>
+                      </a:r>
+                      <a:endParaRPr lang="en-IN" dirty="0"/>
+                    </a:p>
+                  </a:txBody>
+                  <a:tcPr anchor="ctr">
+                    <a:lnL w="12700" cap="flat" cmpd="sng" algn="ctr">
+                      <a:solidFill>
+                        <a:schemeClr val="tx1"/>
+                      </a:solidFill>
+                      <a:prstDash val="solid"/>
+                      <a:round/>
+                      <a:headEnd type="none" w="med" len="med"/>
+                      <a:tailEnd type="none" w="med" len="med"/>
+                    </a:lnL>
+                    <a:lnR w="12700" cap="flat" cmpd="sng" algn="ctr">
+                      <a:solidFill>
+                        <a:schemeClr val="tx1"/>
+                      </a:solidFill>
+                      <a:prstDash val="solid"/>
+                      <a:round/>
+                      <a:headEnd type="none" w="med" len="med"/>
+                      <a:tailEnd type="none" w="med" len="med"/>
+                    </a:lnR>
+                    <a:lnT w="12700" cap="flat" cmpd="sng" algn="ctr">
+                      <a:solidFill>
+                        <a:schemeClr val="tx1"/>
+                      </a:solidFill>
+                      <a:prstDash val="solid"/>
+                      <a:round/>
+                      <a:headEnd type="none" w="med" len="med"/>
+                      <a:tailEnd type="none" w="med" len="med"/>
+                    </a:lnT>
+                    <a:lnB w="12700" cap="flat" cmpd="sng" algn="ctr">
+                      <a:solidFill>
+                        <a:schemeClr val="tx1"/>
+                      </a:solidFill>
+                      <a:prstDash val="solid"/>
+                      <a:round/>
+                      <a:headEnd type="none" w="med" len="med"/>
+                      <a:tailEnd type="none" w="med" len="med"/>
+                    </a:lnB>
+                    <a:noFill/>
+                  </a:tcPr>
+                </a:tc>
+                <a:tc>
+                  <a:txBody>
+                    <a:bodyPr/>
+                    <a:lstStyle/>
+                    <a:p>
+                      <a:pPr>
+                        <a:buNone/>
+                      </a:pPr>
+                      <a:r>
+                        <a:rPr lang="en-IN" b="1" dirty="0"/>
+                        <a:t>GPT</a:t>
+                      </a:r>
+                      <a:endParaRPr lang="en-IN" dirty="0"/>
+                    </a:p>
+                  </a:txBody>
+                  <a:tcPr anchor="ctr">
+                    <a:lnL w="12700" cap="flat" cmpd="sng" algn="ctr">
+                      <a:solidFill>
+                        <a:schemeClr val="tx1"/>
+                      </a:solidFill>
+                      <a:prstDash val="solid"/>
+                      <a:round/>
+                      <a:headEnd type="none" w="med" len="med"/>
+                      <a:tailEnd type="none" w="med" len="med"/>
+                    </a:lnL>
+                    <a:lnR w="12700" cap="flat" cmpd="sng" algn="ctr">
+                      <a:solidFill>
+                        <a:schemeClr val="tx1"/>
+                      </a:solidFill>
+                      <a:prstDash val="solid"/>
+                      <a:round/>
+                      <a:headEnd type="none" w="med" len="med"/>
+                      <a:tailEnd type="none" w="med" len="med"/>
+                    </a:lnR>
+                    <a:lnT w="12700" cap="flat" cmpd="sng" algn="ctr">
+                      <a:solidFill>
+                        <a:schemeClr val="tx1"/>
+                      </a:solidFill>
+                      <a:prstDash val="solid"/>
+                      <a:round/>
+                      <a:headEnd type="none" w="med" len="med"/>
+                      <a:tailEnd type="none" w="med" len="med"/>
+                    </a:lnT>
+                    <a:lnB w="12700" cap="flat" cmpd="sng" algn="ctr">
+                      <a:solidFill>
+                        <a:schemeClr val="tx1"/>
+                      </a:solidFill>
+                      <a:prstDash val="solid"/>
+                      <a:round/>
+                      <a:headEnd type="none" w="med" len="med"/>
+                      <a:tailEnd type="none" w="med" len="med"/>
+                    </a:lnB>
+                    <a:noFill/>
+                  </a:tcPr>
+                </a:tc>
+                <a:extLst>
+                  <a:ext uri="{0D108BD9-81ED-4DB2-BD59-A6C34878D82A}">
+                    <a16:rowId xmlns:a16="http://schemas.microsoft.com/office/drawing/2014/main" val="1843540615"/>
+                  </a:ext>
+                </a:extLst>
+              </a:tr>
+              <a:tr h="490192">
+                <a:tc>
+                  <a:txBody>
+                    <a:bodyPr/>
+                    <a:lstStyle/>
+                    <a:p>
+                      <a:pPr>
+                        <a:buNone/>
+                      </a:pPr>
+                      <a:r>
+                        <a:rPr lang="en-IN"/>
+                        <a:t>Architecture</a:t>
+                      </a:r>
+                    </a:p>
+                  </a:txBody>
+                  <a:tcPr anchor="ctr">
+                    <a:lnL w="12700" cap="flat" cmpd="sng" algn="ctr">
+                      <a:solidFill>
+                        <a:schemeClr val="tx1"/>
+                      </a:solidFill>
+                      <a:prstDash val="solid"/>
+                      <a:round/>
+                      <a:headEnd type="none" w="med" len="med"/>
+                      <a:tailEnd type="none" w="med" len="med"/>
+                    </a:lnL>
+                    <a:lnR w="12700" cap="flat" cmpd="sng" algn="ctr">
+                      <a:solidFill>
+                        <a:schemeClr val="tx1"/>
+                      </a:solidFill>
+                      <a:prstDash val="solid"/>
+                      <a:round/>
+                      <a:headEnd type="none" w="med" len="med"/>
+                      <a:tailEnd type="none" w="med" len="med"/>
+                    </a:lnR>
+                    <a:lnT w="12700" cap="flat" cmpd="sng" algn="ctr">
+                      <a:solidFill>
+                        <a:schemeClr val="tx1"/>
+                      </a:solidFill>
+                      <a:prstDash val="solid"/>
+                      <a:round/>
+                      <a:headEnd type="none" w="med" len="med"/>
+                      <a:tailEnd type="none" w="med" len="med"/>
+                    </a:lnT>
+                    <a:lnB w="12700" cap="flat" cmpd="sng" algn="ctr">
+                      <a:solidFill>
+                        <a:schemeClr val="tx1"/>
+                      </a:solidFill>
+                      <a:prstDash val="solid"/>
+                      <a:round/>
+                      <a:headEnd type="none" w="med" len="med"/>
+                      <a:tailEnd type="none" w="med" len="med"/>
+                    </a:lnB>
+                    <a:noFill/>
+                  </a:tcPr>
+                </a:tc>
+                <a:tc>
+                  <a:txBody>
+                    <a:bodyPr/>
+                    <a:lstStyle/>
+                    <a:p>
+                      <a:pPr>
+                        <a:buNone/>
+                      </a:pPr>
+                      <a:r>
+                        <a:rPr lang="en-IN"/>
+                        <a:t>Encoder-only</a:t>
+                      </a:r>
+                    </a:p>
+                  </a:txBody>
+                  <a:tcPr anchor="ctr">
+                    <a:lnL w="12700" cap="flat" cmpd="sng" algn="ctr">
+                      <a:solidFill>
+                        <a:schemeClr val="tx1"/>
+                      </a:solidFill>
+                      <a:prstDash val="solid"/>
+                      <a:round/>
+                      <a:headEnd type="none" w="med" len="med"/>
+                      <a:tailEnd type="none" w="med" len="med"/>
+                    </a:lnL>
+                    <a:lnR w="12700" cap="flat" cmpd="sng" algn="ctr">
+                      <a:solidFill>
+                        <a:schemeClr val="tx1"/>
+                      </a:solidFill>
+                      <a:prstDash val="solid"/>
+                      <a:round/>
+                      <a:headEnd type="none" w="med" len="med"/>
+                      <a:tailEnd type="none" w="med" len="med"/>
+                    </a:lnR>
+                    <a:lnT w="12700" cap="flat" cmpd="sng" algn="ctr">
+                      <a:solidFill>
+                        <a:schemeClr val="tx1"/>
+                      </a:solidFill>
+                      <a:prstDash val="solid"/>
+                      <a:round/>
+                      <a:headEnd type="none" w="med" len="med"/>
+                      <a:tailEnd type="none" w="med" len="med"/>
+                    </a:lnT>
+                    <a:lnB w="12700" cap="flat" cmpd="sng" algn="ctr">
+                      <a:solidFill>
+                        <a:schemeClr val="tx1"/>
+                      </a:solidFill>
+                      <a:prstDash val="solid"/>
+                      <a:round/>
+                      <a:headEnd type="none" w="med" len="med"/>
+                      <a:tailEnd type="none" w="med" len="med"/>
+                    </a:lnB>
+                    <a:noFill/>
+                  </a:tcPr>
+                </a:tc>
+                <a:tc>
+                  <a:txBody>
+                    <a:bodyPr/>
+                    <a:lstStyle/>
+                    <a:p>
+                      <a:pPr>
+                        <a:buNone/>
+                      </a:pPr>
+                      <a:r>
+                        <a:rPr lang="en-IN" dirty="0"/>
+                        <a:t>Decoder-only</a:t>
+                      </a:r>
+                    </a:p>
+                  </a:txBody>
+                  <a:tcPr anchor="ctr">
+                    <a:lnL w="12700" cap="flat" cmpd="sng" algn="ctr">
+                      <a:solidFill>
+                        <a:schemeClr val="tx1"/>
+                      </a:solidFill>
+                      <a:prstDash val="solid"/>
+                      <a:round/>
+                      <a:headEnd type="none" w="med" len="med"/>
+                      <a:tailEnd type="none" w="med" len="med"/>
+                    </a:lnL>
+                    <a:lnR w="12700" cap="flat" cmpd="sng" algn="ctr">
+                      <a:solidFill>
+                        <a:schemeClr val="tx1"/>
+                      </a:solidFill>
+                      <a:prstDash val="solid"/>
+                      <a:round/>
+                      <a:headEnd type="none" w="med" len="med"/>
+                      <a:tailEnd type="none" w="med" len="med"/>
+                    </a:lnR>
+                    <a:lnT w="12700" cap="flat" cmpd="sng" algn="ctr">
+                      <a:solidFill>
+                        <a:schemeClr val="tx1"/>
+                      </a:solidFill>
+                      <a:prstDash val="solid"/>
+                      <a:round/>
+                      <a:headEnd type="none" w="med" len="med"/>
+                      <a:tailEnd type="none" w="med" len="med"/>
+                    </a:lnT>
+                    <a:lnB w="12700" cap="flat" cmpd="sng" algn="ctr">
+                      <a:solidFill>
+                        <a:schemeClr val="tx1"/>
+                      </a:solidFill>
+                      <a:prstDash val="solid"/>
+                      <a:round/>
+                      <a:headEnd type="none" w="med" len="med"/>
+                      <a:tailEnd type="none" w="med" len="med"/>
+                    </a:lnB>
+                    <a:noFill/>
+                  </a:tcPr>
+                </a:tc>
+                <a:extLst>
+                  <a:ext uri="{0D108BD9-81ED-4DB2-BD59-A6C34878D82A}">
+                    <a16:rowId xmlns:a16="http://schemas.microsoft.com/office/drawing/2014/main" val="2105108352"/>
+                  </a:ext>
+                </a:extLst>
+              </a:tr>
+              <a:tr h="490192">
+                <a:tc>
+                  <a:txBody>
+                    <a:bodyPr/>
+                    <a:lstStyle/>
+                    <a:p>
+                      <a:pPr>
+                        <a:buNone/>
+                      </a:pPr>
+                      <a:r>
+                        <a:rPr lang="en-IN"/>
+                        <a:t>Attention Type</a:t>
+                      </a:r>
+                    </a:p>
+                  </a:txBody>
+                  <a:tcPr anchor="ctr">
+                    <a:lnL w="12700" cap="flat" cmpd="sng" algn="ctr">
+                      <a:solidFill>
+                        <a:schemeClr val="tx1"/>
+                      </a:solidFill>
+                      <a:prstDash val="solid"/>
+                      <a:round/>
+                      <a:headEnd type="none" w="med" len="med"/>
+                      <a:tailEnd type="none" w="med" len="med"/>
+                    </a:lnL>
+                    <a:lnR w="12700" cap="flat" cmpd="sng" algn="ctr">
+                      <a:solidFill>
+                        <a:schemeClr val="tx1"/>
+                      </a:solidFill>
+                      <a:prstDash val="solid"/>
+                      <a:round/>
+                      <a:headEnd type="none" w="med" len="med"/>
+                      <a:tailEnd type="none" w="med" len="med"/>
+                    </a:lnR>
+                    <a:lnT w="12700" cap="flat" cmpd="sng" algn="ctr">
+                      <a:solidFill>
+                        <a:schemeClr val="tx1"/>
+                      </a:solidFill>
+                      <a:prstDash val="solid"/>
+                      <a:round/>
+                      <a:headEnd type="none" w="med" len="med"/>
+                      <a:tailEnd type="none" w="med" len="med"/>
+                    </a:lnT>
+                    <a:lnB w="12700" cap="flat" cmpd="sng" algn="ctr">
+                      <a:solidFill>
+                        <a:schemeClr val="tx1"/>
+                      </a:solidFill>
+                      <a:prstDash val="solid"/>
+                      <a:round/>
+                      <a:headEnd type="none" w="med" len="med"/>
+                      <a:tailEnd type="none" w="med" len="med"/>
+                    </a:lnB>
+                    <a:noFill/>
+                  </a:tcPr>
+                </a:tc>
+                <a:tc>
+                  <a:txBody>
+                    <a:bodyPr/>
+                    <a:lstStyle/>
+                    <a:p>
+                      <a:pPr>
+                        <a:buNone/>
+                      </a:pPr>
+                      <a:r>
+                        <a:rPr lang="en-IN" dirty="0"/>
+                        <a:t>Bidirectional</a:t>
+                      </a:r>
+                    </a:p>
+                  </a:txBody>
+                  <a:tcPr anchor="ctr">
+                    <a:lnL w="12700" cap="flat" cmpd="sng" algn="ctr">
+                      <a:solidFill>
+                        <a:schemeClr val="tx1"/>
+                      </a:solidFill>
+                      <a:prstDash val="solid"/>
+                      <a:round/>
+                      <a:headEnd type="none" w="med" len="med"/>
+                      <a:tailEnd type="none" w="med" len="med"/>
+                    </a:lnL>
+                    <a:lnR w="12700" cap="flat" cmpd="sng" algn="ctr">
+                      <a:solidFill>
+                        <a:schemeClr val="tx1"/>
+                      </a:solidFill>
+                      <a:prstDash val="solid"/>
+                      <a:round/>
+                      <a:headEnd type="none" w="med" len="med"/>
+                      <a:tailEnd type="none" w="med" len="med"/>
+                    </a:lnR>
+                    <a:lnT w="12700" cap="flat" cmpd="sng" algn="ctr">
+                      <a:solidFill>
+                        <a:schemeClr val="tx1"/>
+                      </a:solidFill>
+                      <a:prstDash val="solid"/>
+                      <a:round/>
+                      <a:headEnd type="none" w="med" len="med"/>
+                      <a:tailEnd type="none" w="med" len="med"/>
+                    </a:lnT>
+                    <a:lnB w="12700" cap="flat" cmpd="sng" algn="ctr">
+                      <a:solidFill>
+                        <a:schemeClr val="tx1"/>
+                      </a:solidFill>
+                      <a:prstDash val="solid"/>
+                      <a:round/>
+                      <a:headEnd type="none" w="med" len="med"/>
+                      <a:tailEnd type="none" w="med" len="med"/>
+                    </a:lnB>
+                    <a:noFill/>
+                  </a:tcPr>
+                </a:tc>
+                <a:tc>
+                  <a:txBody>
+                    <a:bodyPr/>
+                    <a:lstStyle/>
+                    <a:p>
+                      <a:pPr>
+                        <a:buNone/>
+                      </a:pPr>
+                      <a:r>
+                        <a:rPr lang="en-IN" dirty="0"/>
+                        <a:t>Unidirectional (causal)</a:t>
+                      </a:r>
+                    </a:p>
+                  </a:txBody>
+                  <a:tcPr anchor="ctr">
+                    <a:lnL w="12700" cap="flat" cmpd="sng" algn="ctr">
+                      <a:solidFill>
+                        <a:schemeClr val="tx1"/>
+                      </a:solidFill>
+                      <a:prstDash val="solid"/>
+                      <a:round/>
+                      <a:headEnd type="none" w="med" len="med"/>
+                      <a:tailEnd type="none" w="med" len="med"/>
+                    </a:lnL>
+                    <a:lnR w="12700" cap="flat" cmpd="sng" algn="ctr">
+                      <a:solidFill>
+                        <a:schemeClr val="tx1"/>
+                      </a:solidFill>
+                      <a:prstDash val="solid"/>
+                      <a:round/>
+                      <a:headEnd type="none" w="med" len="med"/>
+                      <a:tailEnd type="none" w="med" len="med"/>
+                    </a:lnR>
+                    <a:lnT w="12700" cap="flat" cmpd="sng" algn="ctr">
+                      <a:solidFill>
+                        <a:schemeClr val="tx1"/>
+                      </a:solidFill>
+                      <a:prstDash val="solid"/>
+                      <a:round/>
+                      <a:headEnd type="none" w="med" len="med"/>
+                      <a:tailEnd type="none" w="med" len="med"/>
+                    </a:lnT>
+                    <a:lnB w="12700" cap="flat" cmpd="sng" algn="ctr">
+                      <a:solidFill>
+                        <a:schemeClr val="tx1"/>
+                      </a:solidFill>
+                      <a:prstDash val="solid"/>
+                      <a:round/>
+                      <a:headEnd type="none" w="med" len="med"/>
+                      <a:tailEnd type="none" w="med" len="med"/>
+                    </a:lnB>
+                    <a:noFill/>
+                  </a:tcPr>
+                </a:tc>
+                <a:extLst>
+                  <a:ext uri="{0D108BD9-81ED-4DB2-BD59-A6C34878D82A}">
+                    <a16:rowId xmlns:a16="http://schemas.microsoft.com/office/drawing/2014/main" val="2392700062"/>
+                  </a:ext>
+                </a:extLst>
+              </a:tr>
+              <a:tr h="490192">
+                <a:tc>
+                  <a:txBody>
+                    <a:bodyPr/>
+                    <a:lstStyle/>
+                    <a:p>
+                      <a:pPr>
+                        <a:buNone/>
+                      </a:pPr>
+                      <a:r>
+                        <a:rPr lang="en-IN"/>
+                        <a:t>Training Objective</a:t>
+                      </a:r>
+                    </a:p>
+                  </a:txBody>
+                  <a:tcPr anchor="ctr">
+                    <a:lnL w="12700" cap="flat" cmpd="sng" algn="ctr">
+                      <a:solidFill>
+                        <a:schemeClr val="tx1"/>
+                      </a:solidFill>
+                      <a:prstDash val="solid"/>
+                      <a:round/>
+                      <a:headEnd type="none" w="med" len="med"/>
+                      <a:tailEnd type="none" w="med" len="med"/>
+                    </a:lnL>
+                    <a:lnR w="12700" cap="flat" cmpd="sng" algn="ctr">
+                      <a:solidFill>
+                        <a:schemeClr val="tx1"/>
+                      </a:solidFill>
+                      <a:prstDash val="solid"/>
+                      <a:round/>
+                      <a:headEnd type="none" w="med" len="med"/>
+                      <a:tailEnd type="none" w="med" len="med"/>
+                    </a:lnR>
+                    <a:lnT w="12700" cap="flat" cmpd="sng" algn="ctr">
+                      <a:solidFill>
+                        <a:schemeClr val="tx1"/>
+                      </a:solidFill>
+                      <a:prstDash val="solid"/>
+                      <a:round/>
+                      <a:headEnd type="none" w="med" len="med"/>
+                      <a:tailEnd type="none" w="med" len="med"/>
+                    </a:lnT>
+                    <a:lnB w="12700" cap="flat" cmpd="sng" algn="ctr">
+                      <a:solidFill>
+                        <a:schemeClr val="tx1"/>
+                      </a:solidFill>
+                      <a:prstDash val="solid"/>
+                      <a:round/>
+                      <a:headEnd type="none" w="med" len="med"/>
+                      <a:tailEnd type="none" w="med" len="med"/>
+                    </a:lnB>
+                    <a:noFill/>
+                  </a:tcPr>
+                </a:tc>
+                <a:tc>
+                  <a:txBody>
+                    <a:bodyPr/>
+                    <a:lstStyle/>
+                    <a:p>
+                      <a:pPr>
+                        <a:buNone/>
+                      </a:pPr>
+                      <a:r>
+                        <a:rPr lang="en-IN" dirty="0"/>
+                        <a:t>Masked Language </a:t>
+                      </a:r>
+                      <a:r>
+                        <a:rPr lang="en-IN" dirty="0" err="1"/>
+                        <a:t>Modeling</a:t>
+                      </a:r>
+                      <a:endParaRPr lang="en-IN" dirty="0"/>
+                    </a:p>
+                  </a:txBody>
+                  <a:tcPr anchor="ctr">
+                    <a:lnL w="12700" cap="flat" cmpd="sng" algn="ctr">
+                      <a:solidFill>
+                        <a:schemeClr val="tx1"/>
+                      </a:solidFill>
+                      <a:prstDash val="solid"/>
+                      <a:round/>
+                      <a:headEnd type="none" w="med" len="med"/>
+                      <a:tailEnd type="none" w="med" len="med"/>
+                    </a:lnL>
+                    <a:lnR w="12700" cap="flat" cmpd="sng" algn="ctr">
+                      <a:solidFill>
+                        <a:schemeClr val="tx1"/>
+                      </a:solidFill>
+                      <a:prstDash val="solid"/>
+                      <a:round/>
+                      <a:headEnd type="none" w="med" len="med"/>
+                      <a:tailEnd type="none" w="med" len="med"/>
+                    </a:lnR>
+                    <a:lnT w="12700" cap="flat" cmpd="sng" algn="ctr">
+                      <a:solidFill>
+                        <a:schemeClr val="tx1"/>
+                      </a:solidFill>
+                      <a:prstDash val="solid"/>
+                      <a:round/>
+                      <a:headEnd type="none" w="med" len="med"/>
+                      <a:tailEnd type="none" w="med" len="med"/>
+                    </a:lnT>
+                    <a:lnB w="12700" cap="flat" cmpd="sng" algn="ctr">
+                      <a:solidFill>
+                        <a:schemeClr val="tx1"/>
+                      </a:solidFill>
+                      <a:prstDash val="solid"/>
+                      <a:round/>
+                      <a:headEnd type="none" w="med" len="med"/>
+                      <a:tailEnd type="none" w="med" len="med"/>
+                    </a:lnB>
+                    <a:noFill/>
+                  </a:tcPr>
+                </a:tc>
+                <a:tc>
+                  <a:txBody>
+                    <a:bodyPr/>
+                    <a:lstStyle/>
+                    <a:p>
+                      <a:pPr>
+                        <a:buNone/>
+                      </a:pPr>
+                      <a:r>
+                        <a:rPr lang="en-IN" dirty="0"/>
+                        <a:t>Next Token Prediction</a:t>
+                      </a:r>
+                    </a:p>
+                  </a:txBody>
+                  <a:tcPr anchor="ctr">
+                    <a:lnL w="12700" cap="flat" cmpd="sng" algn="ctr">
+                      <a:solidFill>
+                        <a:schemeClr val="tx1"/>
+                      </a:solidFill>
+                      <a:prstDash val="solid"/>
+                      <a:round/>
+                      <a:headEnd type="none" w="med" len="med"/>
+                      <a:tailEnd type="none" w="med" len="med"/>
+                    </a:lnL>
+                    <a:lnR w="12700" cap="flat" cmpd="sng" algn="ctr">
+                      <a:solidFill>
+                        <a:schemeClr val="tx1"/>
+                      </a:solidFill>
+                      <a:prstDash val="solid"/>
+                      <a:round/>
+                      <a:headEnd type="none" w="med" len="med"/>
+                      <a:tailEnd type="none" w="med" len="med"/>
+                    </a:lnR>
+                    <a:lnT w="12700" cap="flat" cmpd="sng" algn="ctr">
+                      <a:solidFill>
+                        <a:schemeClr val="tx1"/>
+                      </a:solidFill>
+                      <a:prstDash val="solid"/>
+                      <a:round/>
+                      <a:headEnd type="none" w="med" len="med"/>
+                      <a:tailEnd type="none" w="med" len="med"/>
+                    </a:lnT>
+                    <a:lnB w="12700" cap="flat" cmpd="sng" algn="ctr">
+                      <a:solidFill>
+                        <a:schemeClr val="tx1"/>
+                      </a:solidFill>
+                      <a:prstDash val="solid"/>
+                      <a:round/>
+                      <a:headEnd type="none" w="med" len="med"/>
+                      <a:tailEnd type="none" w="med" len="med"/>
+                    </a:lnB>
+                    <a:noFill/>
+                  </a:tcPr>
+                </a:tc>
+                <a:extLst>
+                  <a:ext uri="{0D108BD9-81ED-4DB2-BD59-A6C34878D82A}">
+                    <a16:rowId xmlns:a16="http://schemas.microsoft.com/office/drawing/2014/main" val="1628800355"/>
+                  </a:ext>
+                </a:extLst>
+              </a:tr>
+              <a:tr h="490192">
+                <a:tc>
+                  <a:txBody>
+                    <a:bodyPr/>
+                    <a:lstStyle/>
+                    <a:p>
+                      <a:pPr>
+                        <a:buNone/>
+                      </a:pPr>
+                      <a:r>
+                        <a:rPr lang="en-IN"/>
+                        <a:t>Strength</a:t>
+                      </a:r>
+                    </a:p>
+                  </a:txBody>
+                  <a:tcPr anchor="ctr">
+                    <a:lnL w="12700" cap="flat" cmpd="sng" algn="ctr">
+                      <a:solidFill>
+                        <a:schemeClr val="tx1"/>
+                      </a:solidFill>
+                      <a:prstDash val="solid"/>
+                      <a:round/>
+                      <a:headEnd type="none" w="med" len="med"/>
+                      <a:tailEnd type="none" w="med" len="med"/>
+                    </a:lnL>
+                    <a:lnR w="12700" cap="flat" cmpd="sng" algn="ctr">
+                      <a:solidFill>
+                        <a:schemeClr val="tx1"/>
+                      </a:solidFill>
+                      <a:prstDash val="solid"/>
+                      <a:round/>
+                      <a:headEnd type="none" w="med" len="med"/>
+                      <a:tailEnd type="none" w="med" len="med"/>
+                    </a:lnR>
+                    <a:lnT w="12700" cap="flat" cmpd="sng" algn="ctr">
+                      <a:solidFill>
+                        <a:schemeClr val="tx1"/>
+                      </a:solidFill>
+                      <a:prstDash val="solid"/>
+                      <a:round/>
+                      <a:headEnd type="none" w="med" len="med"/>
+                      <a:tailEnd type="none" w="med" len="med"/>
+                    </a:lnT>
+                    <a:lnB w="12700" cap="flat" cmpd="sng" algn="ctr">
+                      <a:solidFill>
+                        <a:schemeClr val="tx1"/>
+                      </a:solidFill>
+                      <a:prstDash val="solid"/>
+                      <a:round/>
+                      <a:headEnd type="none" w="med" len="med"/>
+                      <a:tailEnd type="none" w="med" len="med"/>
+                    </a:lnB>
+                    <a:noFill/>
+                  </a:tcPr>
+                </a:tc>
+                <a:tc>
+                  <a:txBody>
+                    <a:bodyPr/>
+                    <a:lstStyle/>
+                    <a:p>
+                      <a:pPr>
+                        <a:buNone/>
+                      </a:pPr>
+                      <a:r>
+                        <a:rPr lang="en-IN" dirty="0"/>
+                        <a:t>Language understanding</a:t>
+                      </a:r>
+                    </a:p>
+                  </a:txBody>
+                  <a:tcPr anchor="ctr">
+                    <a:lnL w="12700" cap="flat" cmpd="sng" algn="ctr">
+                      <a:solidFill>
+                        <a:schemeClr val="tx1"/>
+                      </a:solidFill>
+                      <a:prstDash val="solid"/>
+                      <a:round/>
+                      <a:headEnd type="none" w="med" len="med"/>
+                      <a:tailEnd type="none" w="med" len="med"/>
+                    </a:lnL>
+                    <a:lnR w="12700" cap="flat" cmpd="sng" algn="ctr">
+                      <a:solidFill>
+                        <a:schemeClr val="tx1"/>
+                      </a:solidFill>
+                      <a:prstDash val="solid"/>
+                      <a:round/>
+                      <a:headEnd type="none" w="med" len="med"/>
+                      <a:tailEnd type="none" w="med" len="med"/>
+                    </a:lnR>
+                    <a:lnT w="12700" cap="flat" cmpd="sng" algn="ctr">
+                      <a:solidFill>
+                        <a:schemeClr val="tx1"/>
+                      </a:solidFill>
+                      <a:prstDash val="solid"/>
+                      <a:round/>
+                      <a:headEnd type="none" w="med" len="med"/>
+                      <a:tailEnd type="none" w="med" len="med"/>
+                    </a:lnT>
+                    <a:lnB w="12700" cap="flat" cmpd="sng" algn="ctr">
+                      <a:solidFill>
+                        <a:schemeClr val="tx1"/>
+                      </a:solidFill>
+                      <a:prstDash val="solid"/>
+                      <a:round/>
+                      <a:headEnd type="none" w="med" len="med"/>
+                      <a:tailEnd type="none" w="med" len="med"/>
+                    </a:lnB>
+                    <a:noFill/>
+                  </a:tcPr>
+                </a:tc>
+                <a:tc>
+                  <a:txBody>
+                    <a:bodyPr/>
+                    <a:lstStyle/>
+                    <a:p>
+                      <a:pPr>
+                        <a:buNone/>
+                      </a:pPr>
+                      <a:r>
+                        <a:rPr lang="en-IN" dirty="0"/>
+                        <a:t>Language generation</a:t>
+                      </a:r>
+                    </a:p>
+                  </a:txBody>
+                  <a:tcPr anchor="ctr">
+                    <a:lnL w="12700" cap="flat" cmpd="sng" algn="ctr">
+                      <a:solidFill>
+                        <a:schemeClr val="tx1"/>
+                      </a:solidFill>
+                      <a:prstDash val="solid"/>
+                      <a:round/>
+                      <a:headEnd type="none" w="med" len="med"/>
+                      <a:tailEnd type="none" w="med" len="med"/>
+                    </a:lnL>
+                    <a:lnR w="12700" cap="flat" cmpd="sng" algn="ctr">
+                      <a:solidFill>
+                        <a:schemeClr val="tx1"/>
+                      </a:solidFill>
+                      <a:prstDash val="solid"/>
+                      <a:round/>
+                      <a:headEnd type="none" w="med" len="med"/>
+                      <a:tailEnd type="none" w="med" len="med"/>
+                    </a:lnR>
+                    <a:lnT w="12700" cap="flat" cmpd="sng" algn="ctr">
+                      <a:solidFill>
+                        <a:schemeClr val="tx1"/>
+                      </a:solidFill>
+                      <a:prstDash val="solid"/>
+                      <a:round/>
+                      <a:headEnd type="none" w="med" len="med"/>
+                      <a:tailEnd type="none" w="med" len="med"/>
+                    </a:lnT>
+                    <a:lnB w="12700" cap="flat" cmpd="sng" algn="ctr">
+                      <a:solidFill>
+                        <a:schemeClr val="tx1"/>
+                      </a:solidFill>
+                      <a:prstDash val="solid"/>
+                      <a:round/>
+                      <a:headEnd type="none" w="med" len="med"/>
+                      <a:tailEnd type="none" w="med" len="med"/>
+                    </a:lnB>
+                    <a:noFill/>
+                  </a:tcPr>
+                </a:tc>
+                <a:extLst>
+                  <a:ext uri="{0D108BD9-81ED-4DB2-BD59-A6C34878D82A}">
+                    <a16:rowId xmlns:a16="http://schemas.microsoft.com/office/drawing/2014/main" val="4220156177"/>
+                  </a:ext>
+                </a:extLst>
+              </a:tr>
+              <a:tr h="490192">
+                <a:tc>
+                  <a:txBody>
+                    <a:bodyPr/>
+                    <a:lstStyle/>
+                    <a:p>
+                      <a:pPr>
+                        <a:buNone/>
+                      </a:pPr>
+                      <a:r>
+                        <a:rPr lang="en-IN"/>
+                        <a:t>Reads Text</a:t>
+                      </a:r>
+                    </a:p>
+                  </a:txBody>
+                  <a:tcPr anchor="ctr">
+                    <a:lnL w="12700" cap="flat" cmpd="sng" algn="ctr">
+                      <a:solidFill>
+                        <a:schemeClr val="tx1"/>
+                      </a:solidFill>
+                      <a:prstDash val="solid"/>
+                      <a:round/>
+                      <a:headEnd type="none" w="med" len="med"/>
+                      <a:tailEnd type="none" w="med" len="med"/>
+                    </a:lnL>
+                    <a:lnR w="12700" cap="flat" cmpd="sng" algn="ctr">
+                      <a:solidFill>
+                        <a:schemeClr val="tx1"/>
+                      </a:solidFill>
+                      <a:prstDash val="solid"/>
+                      <a:round/>
+                      <a:headEnd type="none" w="med" len="med"/>
+                      <a:tailEnd type="none" w="med" len="med"/>
+                    </a:lnR>
+                    <a:lnT w="12700" cap="flat" cmpd="sng" algn="ctr">
+                      <a:solidFill>
+                        <a:schemeClr val="tx1"/>
+                      </a:solidFill>
+                      <a:prstDash val="solid"/>
+                      <a:round/>
+                      <a:headEnd type="none" w="med" len="med"/>
+                      <a:tailEnd type="none" w="med" len="med"/>
+                    </a:lnT>
+                    <a:lnB w="12700" cap="flat" cmpd="sng" algn="ctr">
+                      <a:solidFill>
+                        <a:schemeClr val="tx1"/>
+                      </a:solidFill>
+                      <a:prstDash val="solid"/>
+                      <a:round/>
+                      <a:headEnd type="none" w="med" len="med"/>
+                      <a:tailEnd type="none" w="med" len="med"/>
+                    </a:lnB>
+                    <a:noFill/>
+                  </a:tcPr>
+                </a:tc>
+                <a:tc>
+                  <a:txBody>
+                    <a:bodyPr/>
+                    <a:lstStyle/>
+                    <a:p>
+                      <a:pPr>
+                        <a:buNone/>
+                      </a:pPr>
+                      <a:r>
+                        <a:rPr lang="en-IN" dirty="0"/>
+                        <a:t>Entire sentence at once</a:t>
+                      </a:r>
+                    </a:p>
+                  </a:txBody>
+                  <a:tcPr anchor="ctr">
+                    <a:lnL w="12700" cap="flat" cmpd="sng" algn="ctr">
+                      <a:solidFill>
+                        <a:schemeClr val="tx1"/>
+                      </a:solidFill>
+                      <a:prstDash val="solid"/>
+                      <a:round/>
+                      <a:headEnd type="none" w="med" len="med"/>
+                      <a:tailEnd type="none" w="med" len="med"/>
+                    </a:lnL>
+                    <a:lnR w="12700" cap="flat" cmpd="sng" algn="ctr">
+                      <a:solidFill>
+                        <a:schemeClr val="tx1"/>
+                      </a:solidFill>
+                      <a:prstDash val="solid"/>
+                      <a:round/>
+                      <a:headEnd type="none" w="med" len="med"/>
+                      <a:tailEnd type="none" w="med" len="med"/>
+                    </a:lnR>
+                    <a:lnT w="12700" cap="flat" cmpd="sng" algn="ctr">
+                      <a:solidFill>
+                        <a:schemeClr val="tx1"/>
+                      </a:solidFill>
+                      <a:prstDash val="solid"/>
+                      <a:round/>
+                      <a:headEnd type="none" w="med" len="med"/>
+                      <a:tailEnd type="none" w="med" len="med"/>
+                    </a:lnT>
+                    <a:lnB w="12700" cap="flat" cmpd="sng" algn="ctr">
+                      <a:solidFill>
+                        <a:schemeClr val="tx1"/>
+                      </a:solidFill>
+                      <a:prstDash val="solid"/>
+                      <a:round/>
+                      <a:headEnd type="none" w="med" len="med"/>
+                      <a:tailEnd type="none" w="med" len="med"/>
+                    </a:lnB>
+                    <a:noFill/>
+                  </a:tcPr>
+                </a:tc>
+                <a:tc>
+                  <a:txBody>
+                    <a:bodyPr/>
+                    <a:lstStyle/>
+                    <a:p>
+                      <a:pPr>
+                        <a:buNone/>
+                      </a:pPr>
+                      <a:r>
+                        <a:rPr lang="en-IN" dirty="0"/>
+                        <a:t>Left-to-right only</a:t>
+                      </a:r>
+                    </a:p>
+                  </a:txBody>
+                  <a:tcPr anchor="ctr">
+                    <a:lnL w="12700" cap="flat" cmpd="sng" algn="ctr">
+                      <a:solidFill>
+                        <a:schemeClr val="tx1"/>
+                      </a:solidFill>
+                      <a:prstDash val="solid"/>
+                      <a:round/>
+                      <a:headEnd type="none" w="med" len="med"/>
+                      <a:tailEnd type="none" w="med" len="med"/>
+                    </a:lnL>
+                    <a:lnR w="12700" cap="flat" cmpd="sng" algn="ctr">
+                      <a:solidFill>
+                        <a:schemeClr val="tx1"/>
+                      </a:solidFill>
+                      <a:prstDash val="solid"/>
+                      <a:round/>
+                      <a:headEnd type="none" w="med" len="med"/>
+                      <a:tailEnd type="none" w="med" len="med"/>
+                    </a:lnR>
+                    <a:lnT w="12700" cap="flat" cmpd="sng" algn="ctr">
+                      <a:solidFill>
+                        <a:schemeClr val="tx1"/>
+                      </a:solidFill>
+                      <a:prstDash val="solid"/>
+                      <a:round/>
+                      <a:headEnd type="none" w="med" len="med"/>
+                      <a:tailEnd type="none" w="med" len="med"/>
+                    </a:lnT>
+                    <a:lnB w="12700" cap="flat" cmpd="sng" algn="ctr">
+                      <a:solidFill>
+                        <a:schemeClr val="tx1"/>
+                      </a:solidFill>
+                      <a:prstDash val="solid"/>
+                      <a:round/>
+                      <a:headEnd type="none" w="med" len="med"/>
+                      <a:tailEnd type="none" w="med" len="med"/>
+                    </a:lnB>
+                    <a:noFill/>
+                  </a:tcPr>
+                </a:tc>
+                <a:extLst>
+                  <a:ext uri="{0D108BD9-81ED-4DB2-BD59-A6C34878D82A}">
+                    <a16:rowId xmlns:a16="http://schemas.microsoft.com/office/drawing/2014/main" val="900558561"/>
+                  </a:ext>
+                </a:extLst>
+              </a:tr>
+              <a:tr h="490192">
+                <a:tc>
+                  <a:txBody>
+                    <a:bodyPr/>
+                    <a:lstStyle/>
+                    <a:p>
+                      <a:pPr>
+                        <a:buNone/>
+                      </a:pPr>
+                      <a:r>
+                        <a:rPr lang="en-IN"/>
+                        <a:t>Typical Tasks</a:t>
+                      </a:r>
+                    </a:p>
+                  </a:txBody>
+                  <a:tcPr anchor="ctr">
+                    <a:lnL w="12700" cap="flat" cmpd="sng" algn="ctr">
+                      <a:solidFill>
+                        <a:schemeClr val="tx1"/>
+                      </a:solidFill>
+                      <a:prstDash val="solid"/>
+                      <a:round/>
+                      <a:headEnd type="none" w="med" len="med"/>
+                      <a:tailEnd type="none" w="med" len="med"/>
+                    </a:lnL>
+                    <a:lnR w="12700" cap="flat" cmpd="sng" algn="ctr">
+                      <a:solidFill>
+                        <a:schemeClr val="tx1"/>
+                      </a:solidFill>
+                      <a:prstDash val="solid"/>
+                      <a:round/>
+                      <a:headEnd type="none" w="med" len="med"/>
+                      <a:tailEnd type="none" w="med" len="med"/>
+                    </a:lnR>
+                    <a:lnT w="12700" cap="flat" cmpd="sng" algn="ctr">
+                      <a:solidFill>
+                        <a:schemeClr val="tx1"/>
+                      </a:solidFill>
+                      <a:prstDash val="solid"/>
+                      <a:round/>
+                      <a:headEnd type="none" w="med" len="med"/>
+                      <a:tailEnd type="none" w="med" len="med"/>
+                    </a:lnT>
+                    <a:lnB w="12700" cap="flat" cmpd="sng" algn="ctr">
+                      <a:solidFill>
+                        <a:schemeClr val="tx1"/>
+                      </a:solidFill>
+                      <a:prstDash val="solid"/>
+                      <a:round/>
+                      <a:headEnd type="none" w="med" len="med"/>
+                      <a:tailEnd type="none" w="med" len="med"/>
+                    </a:lnB>
+                    <a:noFill/>
+                  </a:tcPr>
+                </a:tc>
+                <a:tc>
+                  <a:txBody>
+                    <a:bodyPr/>
+                    <a:lstStyle/>
+                    <a:p>
+                      <a:pPr>
+                        <a:buNone/>
+                      </a:pPr>
+                      <a:r>
+                        <a:rPr lang="en-IN" dirty="0"/>
+                        <a:t>Classification, NER, Search</a:t>
+                      </a:r>
+                    </a:p>
+                  </a:txBody>
+                  <a:tcPr anchor="ctr">
+                    <a:lnL w="12700" cap="flat" cmpd="sng" algn="ctr">
+                      <a:solidFill>
+                        <a:schemeClr val="tx1"/>
+                      </a:solidFill>
+                      <a:prstDash val="solid"/>
+                      <a:round/>
+                      <a:headEnd type="none" w="med" len="med"/>
+                      <a:tailEnd type="none" w="med" len="med"/>
+                    </a:lnL>
+                    <a:lnR w="12700" cap="flat" cmpd="sng" algn="ctr">
+                      <a:solidFill>
+                        <a:schemeClr val="tx1"/>
+                      </a:solidFill>
+                      <a:prstDash val="solid"/>
+                      <a:round/>
+                      <a:headEnd type="none" w="med" len="med"/>
+                      <a:tailEnd type="none" w="med" len="med"/>
+                    </a:lnR>
+                    <a:lnT w="12700" cap="flat" cmpd="sng" algn="ctr">
+                      <a:solidFill>
+                        <a:schemeClr val="tx1"/>
+                      </a:solidFill>
+                      <a:prstDash val="solid"/>
+                      <a:round/>
+                      <a:headEnd type="none" w="med" len="med"/>
+                      <a:tailEnd type="none" w="med" len="med"/>
+                    </a:lnT>
+                    <a:lnB w="12700" cap="flat" cmpd="sng" algn="ctr">
+                      <a:solidFill>
+                        <a:schemeClr val="tx1"/>
+                      </a:solidFill>
+                      <a:prstDash val="solid"/>
+                      <a:round/>
+                      <a:headEnd type="none" w="med" len="med"/>
+                      <a:tailEnd type="none" w="med" len="med"/>
+                    </a:lnB>
+                    <a:noFill/>
+                  </a:tcPr>
+                </a:tc>
+                <a:tc>
+                  <a:txBody>
+                    <a:bodyPr/>
+                    <a:lstStyle/>
+                    <a:p>
+                      <a:pPr>
+                        <a:buNone/>
+                      </a:pPr>
+                      <a:r>
+                        <a:rPr lang="en-IN" dirty="0"/>
+                        <a:t>Chat, Writing, Code</a:t>
+                      </a:r>
+                    </a:p>
+                  </a:txBody>
+                  <a:tcPr anchor="ctr">
+                    <a:lnL w="12700" cap="flat" cmpd="sng" algn="ctr">
+                      <a:solidFill>
+                        <a:schemeClr val="tx1"/>
+                      </a:solidFill>
+                      <a:prstDash val="solid"/>
+                      <a:round/>
+                      <a:headEnd type="none" w="med" len="med"/>
+                      <a:tailEnd type="none" w="med" len="med"/>
+                    </a:lnL>
+                    <a:lnR w="12700" cap="flat" cmpd="sng" algn="ctr">
+                      <a:solidFill>
+                        <a:schemeClr val="tx1"/>
+                      </a:solidFill>
+                      <a:prstDash val="solid"/>
+                      <a:round/>
+                      <a:headEnd type="none" w="med" len="med"/>
+                      <a:tailEnd type="none" w="med" len="med"/>
+                    </a:lnR>
+                    <a:lnT w="12700" cap="flat" cmpd="sng" algn="ctr">
+                      <a:solidFill>
+                        <a:schemeClr val="tx1"/>
+                      </a:solidFill>
+                      <a:prstDash val="solid"/>
+                      <a:round/>
+                      <a:headEnd type="none" w="med" len="med"/>
+                      <a:tailEnd type="none" w="med" len="med"/>
+                    </a:lnT>
+                    <a:lnB w="12700" cap="flat" cmpd="sng" algn="ctr">
+                      <a:solidFill>
+                        <a:schemeClr val="tx1"/>
+                      </a:solidFill>
+                      <a:prstDash val="solid"/>
+                      <a:round/>
+                      <a:headEnd type="none" w="med" len="med"/>
+                      <a:tailEnd type="none" w="med" len="med"/>
+                    </a:lnB>
+                    <a:noFill/>
+                  </a:tcPr>
+                </a:tc>
+                <a:extLst>
+                  <a:ext uri="{0D108BD9-81ED-4DB2-BD59-A6C34878D82A}">
+                    <a16:rowId xmlns:a16="http://schemas.microsoft.com/office/drawing/2014/main" val="1669889623"/>
+                  </a:ext>
+                </a:extLst>
+              </a:tr>
+              <a:tr h="490192">
+                <a:tc>
+                  <a:txBody>
+                    <a:bodyPr/>
+                    <a:lstStyle/>
+                    <a:p>
+                      <a:pPr>
+                        <a:buNone/>
+                      </a:pPr>
+                      <a:r>
+                        <a:rPr lang="en-IN"/>
+                        <a:t>Output Style</a:t>
+                      </a:r>
+                    </a:p>
+                  </a:txBody>
+                  <a:tcPr anchor="ctr">
+                    <a:lnL w="12700" cap="flat" cmpd="sng" algn="ctr">
+                      <a:solidFill>
+                        <a:schemeClr val="tx1"/>
+                      </a:solidFill>
+                      <a:prstDash val="solid"/>
+                      <a:round/>
+                      <a:headEnd type="none" w="med" len="med"/>
+                      <a:tailEnd type="none" w="med" len="med"/>
+                    </a:lnL>
+                    <a:lnR w="12700" cap="flat" cmpd="sng" algn="ctr">
+                      <a:solidFill>
+                        <a:schemeClr val="tx1"/>
+                      </a:solidFill>
+                      <a:prstDash val="solid"/>
+                      <a:round/>
+                      <a:headEnd type="none" w="med" len="med"/>
+                      <a:tailEnd type="none" w="med" len="med"/>
+                    </a:lnR>
+                    <a:lnT w="12700" cap="flat" cmpd="sng" algn="ctr">
+                      <a:solidFill>
+                        <a:schemeClr val="tx1"/>
+                      </a:solidFill>
+                      <a:prstDash val="solid"/>
+                      <a:round/>
+                      <a:headEnd type="none" w="med" len="med"/>
+                      <a:tailEnd type="none" w="med" len="med"/>
+                    </a:lnT>
+                    <a:lnB w="12700" cap="flat" cmpd="sng" algn="ctr">
+                      <a:solidFill>
+                        <a:schemeClr val="tx1"/>
+                      </a:solidFill>
+                      <a:prstDash val="solid"/>
+                      <a:round/>
+                      <a:headEnd type="none" w="med" len="med"/>
+                      <a:tailEnd type="none" w="med" len="med"/>
+                    </a:lnB>
+                    <a:noFill/>
+                  </a:tcPr>
+                </a:tc>
+                <a:tc>
+                  <a:txBody>
+                    <a:bodyPr/>
+                    <a:lstStyle/>
+                    <a:p>
+                      <a:pPr>
+                        <a:buNone/>
+                      </a:pPr>
+                      <a:r>
+                        <a:rPr lang="en-IN" dirty="0"/>
+                        <a:t>Embeddings</a:t>
+                      </a:r>
+                    </a:p>
+                  </a:txBody>
+                  <a:tcPr anchor="ctr">
+                    <a:lnL w="12700" cap="flat" cmpd="sng" algn="ctr">
+                      <a:solidFill>
+                        <a:schemeClr val="tx1"/>
+                      </a:solidFill>
+                      <a:prstDash val="solid"/>
+                      <a:round/>
+                      <a:headEnd type="none" w="med" len="med"/>
+                      <a:tailEnd type="none" w="med" len="med"/>
+                    </a:lnL>
+                    <a:lnR w="12700" cap="flat" cmpd="sng" algn="ctr">
+                      <a:solidFill>
+                        <a:schemeClr val="tx1"/>
+                      </a:solidFill>
+                      <a:prstDash val="solid"/>
+                      <a:round/>
+                      <a:headEnd type="none" w="med" len="med"/>
+                      <a:tailEnd type="none" w="med" len="med"/>
+                    </a:lnR>
+                    <a:lnT w="12700" cap="flat" cmpd="sng" algn="ctr">
+                      <a:solidFill>
+                        <a:schemeClr val="tx1"/>
+                      </a:solidFill>
+                      <a:prstDash val="solid"/>
+                      <a:round/>
+                      <a:headEnd type="none" w="med" len="med"/>
+                      <a:tailEnd type="none" w="med" len="med"/>
+                    </a:lnT>
+                    <a:lnB w="12700" cap="flat" cmpd="sng" algn="ctr">
+                      <a:solidFill>
+                        <a:schemeClr val="tx1"/>
+                      </a:solidFill>
+                      <a:prstDash val="solid"/>
+                      <a:round/>
+                      <a:headEnd type="none" w="med" len="med"/>
+                      <a:tailEnd type="none" w="med" len="med"/>
+                    </a:lnB>
+                    <a:noFill/>
+                  </a:tcPr>
+                </a:tc>
+                <a:tc>
+                  <a:txBody>
+                    <a:bodyPr/>
+                    <a:lstStyle/>
+                    <a:p>
+                      <a:pPr>
+                        <a:buNone/>
+                      </a:pPr>
+                      <a:r>
+                        <a:rPr lang="en-IN" dirty="0"/>
+                        <a:t>Generated text</a:t>
+                      </a:r>
+                    </a:p>
+                  </a:txBody>
+                  <a:tcPr anchor="ctr">
+                    <a:lnL w="12700" cap="flat" cmpd="sng" algn="ctr">
+                      <a:solidFill>
+                        <a:schemeClr val="tx1"/>
+                      </a:solidFill>
+                      <a:prstDash val="solid"/>
+                      <a:round/>
+                      <a:headEnd type="none" w="med" len="med"/>
+                      <a:tailEnd type="none" w="med" len="med"/>
+                    </a:lnL>
+                    <a:lnR w="12700" cap="flat" cmpd="sng" algn="ctr">
+                      <a:solidFill>
+                        <a:schemeClr val="tx1"/>
+                      </a:solidFill>
+                      <a:prstDash val="solid"/>
+                      <a:round/>
+                      <a:headEnd type="none" w="med" len="med"/>
+                      <a:tailEnd type="none" w="med" len="med"/>
+                    </a:lnR>
+                    <a:lnT w="12700" cap="flat" cmpd="sng" algn="ctr">
+                      <a:solidFill>
+                        <a:schemeClr val="tx1"/>
+                      </a:solidFill>
+                      <a:prstDash val="solid"/>
+                      <a:round/>
+                      <a:headEnd type="none" w="med" len="med"/>
+                      <a:tailEnd type="none" w="med" len="med"/>
+                    </a:lnT>
+                    <a:lnB w="12700" cap="flat" cmpd="sng" algn="ctr">
+                      <a:solidFill>
+                        <a:schemeClr val="tx1"/>
+                      </a:solidFill>
+                      <a:prstDash val="solid"/>
+                      <a:round/>
+                      <a:headEnd type="none" w="med" len="med"/>
+                      <a:tailEnd type="none" w="med" len="med"/>
+                    </a:lnB>
+                    <a:noFill/>
+                  </a:tcPr>
+                </a:tc>
+                <a:extLst>
+                  <a:ext uri="{0D108BD9-81ED-4DB2-BD59-A6C34878D82A}">
+                    <a16:rowId xmlns:a16="http://schemas.microsoft.com/office/drawing/2014/main" val="1949944753"/>
+                  </a:ext>
+                </a:extLst>
+              </a:tr>
+            </a:tbl>
+          </a:graphicData>
+        </a:graphic>
+      </p:graphicFrame>
+      <p:sp>
+        <p:nvSpPr>
+          <p:cNvPr id="3" name="TextBox 2">
+            <a:extLst>
+              <a:ext uri="{FF2B5EF4-FFF2-40B4-BE49-F238E27FC236}">
+                <a16:creationId xmlns:a16="http://schemas.microsoft.com/office/drawing/2014/main" id="{F4C42AAC-F751-84D9-E56A-16F812C95C13}"/>
+              </a:ext>
+            </a:extLst>
+          </p:cNvPr>
+          <p:cNvSpPr txBox="1"/>
+          <p:nvPr/>
+        </p:nvSpPr>
+        <p:spPr>
+          <a:xfrm>
+            <a:off x="4250479" y="313417"/>
+            <a:ext cx="4313417" cy="461665"/>
+          </a:xfrm>
+          <a:prstGeom prst="rect">
+            <a:avLst/>
+          </a:prstGeom>
+          <a:noFill/>
+        </p:spPr>
+        <p:txBody>
+          <a:bodyPr wrap="square" rtlCol="0">
+            <a:spAutoFit/>
+          </a:bodyPr>
+          <a:lstStyle/>
+          <a:p>
+            <a:r>
+              <a:rPr lang="en-IN" sz="2400" dirty="0"/>
+              <a:t>BERT vs GPT</a:t>
+            </a:r>
+          </a:p>
+        </p:txBody>
+      </p:sp>
+    </p:spTree>
+    <p:extLst>
+      <p:ext uri="{BB962C8B-B14F-4D97-AF65-F5344CB8AC3E}">
+        <p14:creationId xmlns:p14="http://schemas.microsoft.com/office/powerpoint/2010/main" val="1091532124"/>
+      </p:ext>
+    </p:extLst>
+  </p:cSld>
+  <p:clrMapOvr>
+    <a:masterClrMapping/>
+  </p:clrMapOvr>
+</p:sld>
+</file>
+
+<file path=ppt/slides/slide15.xml><?xml version="1.0" encoding="utf-8"?>
+<p:sld xmlns:a="http://schemas.openxmlformats.org/drawingml/2006/main" xmlns:r="http://schemas.openxmlformats.org/officeDocument/2006/relationships" xmlns:p="http://schemas.openxmlformats.org/presentationml/2006/main">
+  <p:cSld>
+    <p:spTree>
+      <p:nvGrpSpPr>
+        <p:cNvPr id="1" name="">
+          <a:extLst>
+            <a:ext uri="{FF2B5EF4-FFF2-40B4-BE49-F238E27FC236}">
+              <a16:creationId xmlns:a16="http://schemas.microsoft.com/office/drawing/2014/main" id="{89399C84-06FC-BECC-A988-4C9091050B8D}"/>
+            </a:ext>
+          </a:extLst>
+        </p:cNvPr>
+        <p:cNvGrpSpPr/>
+        <p:nvPr/>
+      </p:nvGrpSpPr>
+      <p:grpSpPr>
+        <a:xfrm>
+          <a:off x="0" y="0"/>
+          <a:ext cx="0" cy="0"/>
+          <a:chOff x="0" y="0"/>
+          <a:chExt cx="0" cy="0"/>
+        </a:xfrm>
+      </p:grpSpPr>
+      <p:sp>
+        <p:nvSpPr>
+          <p:cNvPr id="2" name="TextBox 1">
+            <a:extLst>
+              <a:ext uri="{FF2B5EF4-FFF2-40B4-BE49-F238E27FC236}">
+                <a16:creationId xmlns:a16="http://schemas.microsoft.com/office/drawing/2014/main" id="{5F7DC11F-4209-A9E2-2175-8CB8833A55DE}"/>
+              </a:ext>
+            </a:extLst>
+          </p:cNvPr>
+          <p:cNvSpPr txBox="1"/>
+          <p:nvPr/>
+        </p:nvSpPr>
+        <p:spPr>
+          <a:xfrm>
+            <a:off x="4354227" y="275969"/>
+            <a:ext cx="5025747" cy="461665"/>
+          </a:xfrm>
+          <a:prstGeom prst="rect">
+            <a:avLst/>
+          </a:prstGeom>
+          <a:noFill/>
+        </p:spPr>
+        <p:txBody>
+          <a:bodyPr wrap="square" rtlCol="0">
+            <a:spAutoFit/>
+          </a:bodyPr>
+          <a:lstStyle/>
+          <a:p>
+            <a:r>
+              <a:rPr lang="en-IN" sz="2400" dirty="0"/>
+              <a:t>Forward Pass Overview</a:t>
+            </a:r>
+          </a:p>
+        </p:txBody>
+      </p:sp>
+      <p:sp>
+        <p:nvSpPr>
+          <p:cNvPr id="3" name="TextBox 2">
+            <a:extLst>
+              <a:ext uri="{FF2B5EF4-FFF2-40B4-BE49-F238E27FC236}">
+                <a16:creationId xmlns:a16="http://schemas.microsoft.com/office/drawing/2014/main" id="{8FC816B1-68DC-5F21-3B41-F4666867C51A}"/>
+              </a:ext>
+            </a:extLst>
+          </p:cNvPr>
+          <p:cNvSpPr txBox="1"/>
+          <p:nvPr/>
+        </p:nvSpPr>
+        <p:spPr>
+          <a:xfrm>
+            <a:off x="139648" y="1326811"/>
+            <a:ext cx="5588176" cy="3970318"/>
+          </a:xfrm>
+          <a:prstGeom prst="rect">
+            <a:avLst/>
+          </a:prstGeom>
+          <a:noFill/>
+        </p:spPr>
+        <p:txBody>
+          <a:bodyPr wrap="square" rtlCol="0">
+            <a:spAutoFit/>
+          </a:bodyPr>
+          <a:lstStyle/>
+          <a:p>
+            <a:pPr marL="285750" indent="-285750">
+              <a:buFont typeface="Arial" panose="020B0604020202020204" pitchFamily="34" charset="0"/>
+              <a:buChar char="•"/>
+            </a:pPr>
+            <a:r>
+              <a:rPr lang="en-US" dirty="0"/>
+              <a:t>The forward pass is the complete journey of data from input tokens to output scores inside the Transformer.</a:t>
+            </a:r>
+          </a:p>
+          <a:p>
+            <a:pPr marL="285750" indent="-285750">
+              <a:buFont typeface="Arial" panose="020B0604020202020204" pitchFamily="34" charset="0"/>
+              <a:buChar char="•"/>
+            </a:pPr>
+            <a:endParaRPr lang="en-US" dirty="0"/>
+          </a:p>
+          <a:p>
+            <a:pPr marL="285750" indent="-285750">
+              <a:buFont typeface="Arial" panose="020B0604020202020204" pitchFamily="34" charset="0"/>
+              <a:buChar char="•"/>
+            </a:pPr>
+            <a:r>
+              <a:rPr lang="en-US" dirty="0"/>
+              <a:t>Tokens are first converted into embeddings so that the model can work with numbers instead of text.</a:t>
+            </a:r>
+          </a:p>
+          <a:p>
+            <a:pPr marL="285750" indent="-285750">
+              <a:buFont typeface="Arial" panose="020B0604020202020204" pitchFamily="34" charset="0"/>
+              <a:buChar char="•"/>
+            </a:pPr>
+            <a:endParaRPr lang="en-US" dirty="0"/>
+          </a:p>
+          <a:p>
+            <a:pPr marL="285750" indent="-285750">
+              <a:buFont typeface="Arial" panose="020B0604020202020204" pitchFamily="34" charset="0"/>
+              <a:buChar char="•"/>
+            </a:pPr>
+            <a:r>
+              <a:rPr lang="en-US" dirty="0"/>
+              <a:t>These embeddings pass through multiple layers that gradually refine the information.</a:t>
+            </a:r>
+          </a:p>
+          <a:p>
+            <a:pPr marL="285750" indent="-285750">
+              <a:buFont typeface="Arial" panose="020B0604020202020204" pitchFamily="34" charset="0"/>
+              <a:buChar char="•"/>
+            </a:pPr>
+            <a:endParaRPr lang="en-US" dirty="0"/>
+          </a:p>
+          <a:p>
+            <a:pPr marL="285750" indent="-285750">
+              <a:buFont typeface="Arial" panose="020B0604020202020204" pitchFamily="34" charset="0"/>
+              <a:buChar char="•"/>
+            </a:pPr>
+            <a:r>
+              <a:rPr lang="en-US" dirty="0"/>
+              <a:t>Each layer improves the model’s understanding of context and relationships between words.</a:t>
+            </a:r>
+          </a:p>
+          <a:p>
+            <a:pPr marL="285750" indent="-285750">
+              <a:buFont typeface="Arial" panose="020B0604020202020204" pitchFamily="34" charset="0"/>
+              <a:buChar char="•"/>
+            </a:pPr>
+            <a:endParaRPr lang="en-US" dirty="0"/>
+          </a:p>
+          <a:p>
+            <a:pPr marL="285750" indent="-285750">
+              <a:buFont typeface="Arial" panose="020B0604020202020204" pitchFamily="34" charset="0"/>
+              <a:buChar char="•"/>
+            </a:pPr>
+            <a:r>
+              <a:rPr lang="en-US" dirty="0"/>
+              <a:t>The final output of the forward pass is a set of raw scores called logits.</a:t>
+            </a:r>
+            <a:endParaRPr lang="en-IN" dirty="0"/>
+          </a:p>
+        </p:txBody>
+      </p:sp>
+      <p:pic>
+        <p:nvPicPr>
+          <p:cNvPr id="6146" name="Picture 2" descr="Journey of a single token through the LLM Architecture">
+            <a:extLst>
+              <a:ext uri="{FF2B5EF4-FFF2-40B4-BE49-F238E27FC236}">
+                <a16:creationId xmlns:a16="http://schemas.microsoft.com/office/drawing/2014/main" id="{B9DD8D4F-3E95-27E7-777E-F0634A150DEB}"/>
+              </a:ext>
+            </a:extLst>
+          </p:cNvPr>
+          <p:cNvPicPr>
+            <a:picLocks noChangeAspect="1" noChangeArrowheads="1"/>
+          </p:cNvPicPr>
+          <p:nvPr/>
+        </p:nvPicPr>
+        <p:blipFill>
+          <a:blip r:embed="rId2">
+            <a:extLst>
+              <a:ext uri="{28A0092B-C50C-407E-A947-70E740481C1C}">
+                <a14:useLocalDpi xmlns:a14="http://schemas.microsoft.com/office/drawing/2010/main" val="0"/>
+              </a:ext>
+            </a:extLst>
+          </a:blip>
+          <a:srcRect/>
+          <a:stretch>
+            <a:fillRect/>
+          </a:stretch>
+        </p:blipFill>
+        <p:spPr bwMode="auto">
+          <a:xfrm>
+            <a:off x="6464176" y="1304688"/>
+            <a:ext cx="5588176" cy="3970318"/>
+          </a:xfrm>
+          <a:prstGeom prst="rect">
+            <a:avLst/>
+          </a:prstGeom>
+          <a:noFill/>
+          <a:extLst>
+            <a:ext uri="{909E8E84-426E-40DD-AFC4-6F175D3DCCD1}">
+              <a14:hiddenFill xmlns:a14="http://schemas.microsoft.com/office/drawing/2010/main">
+                <a:solidFill>
+                  <a:srgbClr val="FFFFFF"/>
+                </a:solidFill>
+              </a14:hiddenFill>
+            </a:ext>
+          </a:extLst>
+        </p:spPr>
+      </p:pic>
+    </p:spTree>
+    <p:extLst>
+      <p:ext uri="{BB962C8B-B14F-4D97-AF65-F5344CB8AC3E}">
+        <p14:creationId xmlns:p14="http://schemas.microsoft.com/office/powerpoint/2010/main" val="1690261862"/>
+      </p:ext>
+    </p:extLst>
+  </p:cSld>
+  <p:clrMapOvr>
+    <a:masterClrMapping/>
+  </p:clrMapOvr>
+</p:sld>
+</file>
+
+<file path=ppt/slides/slide16.xml><?xml version="1.0" encoding="utf-8"?>
+<p:sld xmlns:a="http://schemas.openxmlformats.org/drawingml/2006/main" xmlns:r="http://schemas.openxmlformats.org/officeDocument/2006/relationships" xmlns:p="http://schemas.openxmlformats.org/presentationml/2006/main">
+  <p:cSld>
+    <p:spTree>
+      <p:nvGrpSpPr>
+        <p:cNvPr id="1" name="">
+          <a:extLst>
+            <a:ext uri="{FF2B5EF4-FFF2-40B4-BE49-F238E27FC236}">
+              <a16:creationId xmlns:a16="http://schemas.microsoft.com/office/drawing/2014/main" id="{91718231-E9B2-1D84-0986-92537F121540}"/>
+            </a:ext>
+          </a:extLst>
+        </p:cNvPr>
+        <p:cNvGrpSpPr/>
+        <p:nvPr/>
+      </p:nvGrpSpPr>
+      <p:grpSpPr>
+        <a:xfrm>
+          <a:off x="0" y="0"/>
+          <a:ext cx="0" cy="0"/>
+          <a:chOff x="0" y="0"/>
+          <a:chExt cx="0" cy="0"/>
+        </a:xfrm>
+      </p:grpSpPr>
+      <p:sp>
+        <p:nvSpPr>
+          <p:cNvPr id="2" name="TextBox 1">
+            <a:extLst>
+              <a:ext uri="{FF2B5EF4-FFF2-40B4-BE49-F238E27FC236}">
+                <a16:creationId xmlns:a16="http://schemas.microsoft.com/office/drawing/2014/main" id="{AACC3119-37D9-3940-6EC7-BB29B6B9B6CE}"/>
+              </a:ext>
+            </a:extLst>
+          </p:cNvPr>
+          <p:cNvSpPr txBox="1"/>
+          <p:nvPr/>
+        </p:nvSpPr>
+        <p:spPr>
+          <a:xfrm>
+            <a:off x="4354227" y="275969"/>
+            <a:ext cx="5025747" cy="461665"/>
+          </a:xfrm>
+          <a:prstGeom prst="rect">
+            <a:avLst/>
+          </a:prstGeom>
+          <a:noFill/>
+        </p:spPr>
+        <p:txBody>
+          <a:bodyPr wrap="square" rtlCol="0">
+            <a:spAutoFit/>
+          </a:bodyPr>
+          <a:lstStyle/>
+          <a:p>
+            <a:r>
+              <a:rPr lang="en-US" sz="2400" dirty="0"/>
+              <a:t>Logits and Next Token Prediction</a:t>
+            </a:r>
+            <a:endParaRPr lang="en-IN" sz="2400" dirty="0"/>
+          </a:p>
+        </p:txBody>
+      </p:sp>
+      <p:sp>
+        <p:nvSpPr>
+          <p:cNvPr id="3" name="TextBox 2">
+            <a:extLst>
+              <a:ext uri="{FF2B5EF4-FFF2-40B4-BE49-F238E27FC236}">
+                <a16:creationId xmlns:a16="http://schemas.microsoft.com/office/drawing/2014/main" id="{1B5A62CF-4D45-4099-D83A-35885C21F6F8}"/>
+              </a:ext>
+            </a:extLst>
+          </p:cNvPr>
+          <p:cNvSpPr txBox="1"/>
+          <p:nvPr/>
+        </p:nvSpPr>
+        <p:spPr>
+          <a:xfrm>
+            <a:off x="1353400" y="1641986"/>
+            <a:ext cx="10838600" cy="2585323"/>
+          </a:xfrm>
+          <a:prstGeom prst="rect">
+            <a:avLst/>
+          </a:prstGeom>
+          <a:noFill/>
+        </p:spPr>
+        <p:txBody>
+          <a:bodyPr wrap="square" rtlCol="0">
+            <a:spAutoFit/>
+          </a:bodyPr>
+          <a:lstStyle/>
+          <a:p>
+            <a:pPr marL="285750" indent="-285750">
+              <a:buFont typeface="Arial" panose="020B0604020202020204" pitchFamily="34" charset="0"/>
+              <a:buChar char="•"/>
+            </a:pPr>
+            <a:r>
+              <a:rPr lang="en-US" dirty="0"/>
+              <a:t>Logits are numerical scores produced by the model for every possible token in the vocabulary.</a:t>
+            </a:r>
+          </a:p>
+          <a:p>
+            <a:pPr marL="285750" indent="-285750">
+              <a:buFont typeface="Arial" panose="020B0604020202020204" pitchFamily="34" charset="0"/>
+              <a:buChar char="•"/>
+            </a:pPr>
+            <a:endParaRPr lang="en-US" dirty="0"/>
+          </a:p>
+          <a:p>
+            <a:pPr marL="285750" indent="-285750">
+              <a:buFont typeface="Arial" panose="020B0604020202020204" pitchFamily="34" charset="0"/>
+              <a:buChar char="•"/>
+            </a:pPr>
+            <a:r>
+              <a:rPr lang="en-US" dirty="0"/>
+              <a:t>A higher logit value means the model believes that token is more likely to come next.</a:t>
+            </a:r>
+          </a:p>
+          <a:p>
+            <a:pPr marL="285750" indent="-285750">
+              <a:buFont typeface="Arial" panose="020B0604020202020204" pitchFamily="34" charset="0"/>
+              <a:buChar char="•"/>
+            </a:pPr>
+            <a:endParaRPr lang="en-US" dirty="0"/>
+          </a:p>
+          <a:p>
+            <a:pPr marL="285750" indent="-285750">
+              <a:buFont typeface="Arial" panose="020B0604020202020204" pitchFamily="34" charset="0"/>
+              <a:buChar char="•"/>
+            </a:pPr>
+            <a:r>
+              <a:rPr lang="en-US" dirty="0"/>
+              <a:t>Logits are not probabilities and cannot be interpreted directly by humans.</a:t>
+            </a:r>
+          </a:p>
+          <a:p>
+            <a:pPr marL="285750" indent="-285750">
+              <a:buFont typeface="Arial" panose="020B0604020202020204" pitchFamily="34" charset="0"/>
+              <a:buChar char="•"/>
+            </a:pPr>
+            <a:endParaRPr lang="en-US" dirty="0"/>
+          </a:p>
+          <a:p>
+            <a:pPr marL="285750" indent="-285750">
+              <a:buFont typeface="Arial" panose="020B0604020202020204" pitchFamily="34" charset="0"/>
+              <a:buChar char="•"/>
+            </a:pPr>
+            <a:r>
+              <a:rPr lang="en-US" dirty="0"/>
+              <a:t>A </a:t>
+            </a:r>
+            <a:r>
+              <a:rPr lang="en-US" dirty="0" err="1"/>
+              <a:t>softmax</a:t>
+            </a:r>
+            <a:r>
+              <a:rPr lang="en-US" dirty="0"/>
+              <a:t> function converts logits into probabilities that sum to one.</a:t>
+            </a:r>
+          </a:p>
+          <a:p>
+            <a:pPr marL="285750" indent="-285750">
+              <a:buFont typeface="Arial" panose="020B0604020202020204" pitchFamily="34" charset="0"/>
+              <a:buChar char="•"/>
+            </a:pPr>
+            <a:endParaRPr lang="en-US" dirty="0"/>
+          </a:p>
+          <a:p>
+            <a:pPr marL="285750" indent="-285750">
+              <a:buFont typeface="Arial" panose="020B0604020202020204" pitchFamily="34" charset="0"/>
+              <a:buChar char="•"/>
+            </a:pPr>
+            <a:r>
+              <a:rPr lang="en-US" dirty="0"/>
+              <a:t>The model uses these probabilities to choose the next token.</a:t>
+            </a:r>
+            <a:endParaRPr lang="en-IN" dirty="0"/>
+          </a:p>
+        </p:txBody>
+      </p:sp>
+    </p:spTree>
+    <p:extLst>
+      <p:ext uri="{BB962C8B-B14F-4D97-AF65-F5344CB8AC3E}">
+        <p14:creationId xmlns:p14="http://schemas.microsoft.com/office/powerpoint/2010/main" val="3050409315"/>
+      </p:ext>
+    </p:extLst>
+  </p:cSld>
+  <p:clrMapOvr>
+    <a:masterClrMapping/>
+  </p:clrMapOvr>
+</p:sld>
+</file>
+
+<file path=ppt/slides/slide17.xml><?xml version="1.0" encoding="utf-8"?>
+<p:sld xmlns:a="http://schemas.openxmlformats.org/drawingml/2006/main" xmlns:r="http://schemas.openxmlformats.org/officeDocument/2006/relationships" xmlns:p="http://schemas.openxmlformats.org/presentationml/2006/main">
+  <p:cSld>
+    <p:spTree>
+      <p:nvGrpSpPr>
+        <p:cNvPr id="1" name="">
+          <a:extLst>
+            <a:ext uri="{FF2B5EF4-FFF2-40B4-BE49-F238E27FC236}">
               <a16:creationId xmlns:a16="http://schemas.microsoft.com/office/drawing/2014/main" id="{AF0271CF-0FCE-300B-B0CD-C0AF70B7CBAD}"/>
             </a:ext>
           </a:extLst>
@@ -3629,7 +6650,7 @@
 </p:sld>
 </file>
 
-<file path=ppt/slides/slide11.xml><?xml version="1.0" encoding="utf-8"?>
+<file path=ppt/slides/slide18.xml><?xml version="1.0" encoding="utf-8"?>
 <p:sld xmlns:a="http://schemas.openxmlformats.org/drawingml/2006/main" xmlns:r="http://schemas.openxmlformats.org/officeDocument/2006/relationships" xmlns:p="http://schemas.openxmlformats.org/presentationml/2006/main">
   <p:cSld>
     <p:spTree>
@@ -3808,7 +6829,1511 @@
 </p:sld>
 </file>
 
-<file path=ppt/slides/slide12.xml><?xml version="1.0" encoding="utf-8"?>
+<file path=ppt/slides/slide19.xml><?xml version="1.0" encoding="utf-8"?>
+<p:sld xmlns:a="http://schemas.openxmlformats.org/drawingml/2006/main" xmlns:r="http://schemas.openxmlformats.org/officeDocument/2006/relationships" xmlns:p="http://schemas.openxmlformats.org/presentationml/2006/main">
+  <p:cSld>
+    <p:spTree>
+      <p:nvGrpSpPr>
+        <p:cNvPr id="1" name="">
+          <a:extLst>
+            <a:ext uri="{FF2B5EF4-FFF2-40B4-BE49-F238E27FC236}">
+              <a16:creationId xmlns:a16="http://schemas.microsoft.com/office/drawing/2014/main" id="{6A5213AE-3D88-56DA-23A5-6B0DB05D2FE3}"/>
+            </a:ext>
+          </a:extLst>
+        </p:cNvPr>
+        <p:cNvGrpSpPr/>
+        <p:nvPr/>
+      </p:nvGrpSpPr>
+      <p:grpSpPr>
+        <a:xfrm>
+          <a:off x="0" y="0"/>
+          <a:ext cx="0" cy="0"/>
+          <a:chOff x="0" y="0"/>
+          <a:chExt cx="0" cy="0"/>
+        </a:xfrm>
+      </p:grpSpPr>
+      <p:sp>
+        <p:nvSpPr>
+          <p:cNvPr id="11" name="TextBox 10">
+            <a:extLst>
+              <a:ext uri="{FF2B5EF4-FFF2-40B4-BE49-F238E27FC236}">
+                <a16:creationId xmlns:a16="http://schemas.microsoft.com/office/drawing/2014/main" id="{C49F1046-71E8-C6BD-6D39-EE5939BDFF28}"/>
+              </a:ext>
+            </a:extLst>
+          </p:cNvPr>
+          <p:cNvSpPr txBox="1"/>
+          <p:nvPr/>
+        </p:nvSpPr>
+        <p:spPr>
+          <a:xfrm>
+            <a:off x="924233" y="235626"/>
+            <a:ext cx="9891251" cy="523220"/>
+          </a:xfrm>
+          <a:prstGeom prst="rect">
+            <a:avLst/>
+          </a:prstGeom>
+          <a:noFill/>
+        </p:spPr>
+        <p:txBody>
+          <a:bodyPr wrap="square" rtlCol="0">
+            <a:spAutoFit/>
+          </a:bodyPr>
+          <a:lstStyle/>
+          <a:p>
+            <a:pPr algn="ctr"/>
+            <a:r>
+              <a:rPr lang="en-IN" sz="2800" dirty="0"/>
+              <a:t>Text data : Through </a:t>
+            </a:r>
+            <a:r>
+              <a:rPr lang="en-IN" sz="2800" dirty="0" err="1"/>
+              <a:t>lense</a:t>
+            </a:r>
+            <a:r>
+              <a:rPr lang="en-IN" sz="2800" dirty="0"/>
+              <a:t> of LLM</a:t>
+            </a:r>
+          </a:p>
+        </p:txBody>
+      </p:sp>
+      <p:sp>
+        <p:nvSpPr>
+          <p:cNvPr id="3" name="TextBox 2">
+            <a:extLst>
+              <a:ext uri="{FF2B5EF4-FFF2-40B4-BE49-F238E27FC236}">
+                <a16:creationId xmlns:a16="http://schemas.microsoft.com/office/drawing/2014/main" id="{2AC68FD2-87ED-7418-9499-BE2F642533A3}"/>
+              </a:ext>
+            </a:extLst>
+          </p:cNvPr>
+          <p:cNvSpPr txBox="1"/>
+          <p:nvPr/>
+        </p:nvSpPr>
+        <p:spPr>
+          <a:xfrm>
+            <a:off x="216311" y="1305341"/>
+            <a:ext cx="6145161" cy="3693319"/>
+          </a:xfrm>
+          <a:prstGeom prst="rect">
+            <a:avLst/>
+          </a:prstGeom>
+          <a:noFill/>
+        </p:spPr>
+        <p:txBody>
+          <a:bodyPr wrap="square" rtlCol="0">
+            <a:spAutoFit/>
+          </a:bodyPr>
+          <a:lstStyle/>
+          <a:p>
+            <a:pPr marL="285750" indent="-285750">
+              <a:buFont typeface="Arial" panose="020B0604020202020204" pitchFamily="34" charset="0"/>
+              <a:buChar char="•"/>
+            </a:pPr>
+            <a:r>
+              <a:rPr lang="en-US" dirty="0"/>
+              <a:t>Text is unstructured — no fixed format or schema</a:t>
+            </a:r>
+          </a:p>
+          <a:p>
+            <a:pPr marL="285750" indent="-285750">
+              <a:buFont typeface="Arial" panose="020B0604020202020204" pitchFamily="34" charset="0"/>
+              <a:buChar char="•"/>
+            </a:pPr>
+            <a:endParaRPr lang="en-US" dirty="0"/>
+          </a:p>
+          <a:p>
+            <a:pPr marL="285750" indent="-285750">
+              <a:buFont typeface="Arial" panose="020B0604020202020204" pitchFamily="34" charset="0"/>
+              <a:buChar char="•"/>
+            </a:pPr>
+            <a:r>
+              <a:rPr lang="en-US" dirty="0"/>
+              <a:t>LLMs don’t "read" text like humans do</a:t>
+            </a:r>
+          </a:p>
+          <a:p>
+            <a:pPr marL="285750" indent="-285750">
+              <a:buFont typeface="Arial" panose="020B0604020202020204" pitchFamily="34" charset="0"/>
+              <a:buChar char="•"/>
+            </a:pPr>
+            <a:endParaRPr lang="en-US" dirty="0"/>
+          </a:p>
+          <a:p>
+            <a:pPr marL="285750" indent="-285750">
+              <a:buFont typeface="Arial" panose="020B0604020202020204" pitchFamily="34" charset="0"/>
+              <a:buChar char="•"/>
+            </a:pPr>
+            <a:r>
+              <a:rPr lang="en-US" dirty="0"/>
+              <a:t>Text is first tokenized into smaller units (words, </a:t>
+            </a:r>
+            <a:r>
+              <a:rPr lang="en-US" dirty="0" err="1"/>
+              <a:t>subwords</a:t>
+            </a:r>
+            <a:r>
+              <a:rPr lang="en-US" dirty="0"/>
+              <a:t>)</a:t>
+            </a:r>
+          </a:p>
+          <a:p>
+            <a:pPr marL="285750" indent="-285750">
+              <a:buFont typeface="Arial" panose="020B0604020202020204" pitchFamily="34" charset="0"/>
+              <a:buChar char="•"/>
+            </a:pPr>
+            <a:endParaRPr lang="en-US" dirty="0"/>
+          </a:p>
+          <a:p>
+            <a:pPr marL="285750" indent="-285750">
+              <a:buFont typeface="Arial" panose="020B0604020202020204" pitchFamily="34" charset="0"/>
+              <a:buChar char="•"/>
+            </a:pPr>
+            <a:r>
+              <a:rPr lang="en-US" dirty="0"/>
+              <a:t>Each token is converted into vectors (numerical form)</a:t>
+            </a:r>
+          </a:p>
+          <a:p>
+            <a:pPr marL="285750" indent="-285750">
+              <a:buFont typeface="Arial" panose="020B0604020202020204" pitchFamily="34" charset="0"/>
+              <a:buChar char="•"/>
+            </a:pPr>
+            <a:endParaRPr lang="en-US" dirty="0"/>
+          </a:p>
+          <a:p>
+            <a:pPr marL="285750" indent="-285750">
+              <a:buFont typeface="Arial" panose="020B0604020202020204" pitchFamily="34" charset="0"/>
+              <a:buChar char="•"/>
+            </a:pPr>
+            <a:r>
+              <a:rPr lang="en-US" dirty="0"/>
+              <a:t>These vectors capture semantic meaning and context</a:t>
+            </a:r>
+          </a:p>
+          <a:p>
+            <a:pPr marL="285750" indent="-285750">
+              <a:buFont typeface="Arial" panose="020B0604020202020204" pitchFamily="34" charset="0"/>
+              <a:buChar char="•"/>
+            </a:pPr>
+            <a:endParaRPr lang="en-US" dirty="0"/>
+          </a:p>
+          <a:p>
+            <a:pPr marL="285750" indent="-285750">
+              <a:buFont typeface="Arial" panose="020B0604020202020204" pitchFamily="34" charset="0"/>
+              <a:buChar char="•"/>
+            </a:pPr>
+            <a:r>
+              <a:rPr lang="en-US" dirty="0"/>
+              <a:t>Vectors flow through multiple layers in the model</a:t>
+            </a:r>
+          </a:p>
+          <a:p>
+            <a:pPr marL="285750" indent="-285750">
+              <a:buFont typeface="Arial" panose="020B0604020202020204" pitchFamily="34" charset="0"/>
+              <a:buChar char="•"/>
+            </a:pPr>
+            <a:endParaRPr lang="en-US" dirty="0"/>
+          </a:p>
+          <a:p>
+            <a:pPr marL="285750" indent="-285750">
+              <a:buFont typeface="Arial" panose="020B0604020202020204" pitchFamily="34" charset="0"/>
+              <a:buChar char="•"/>
+            </a:pPr>
+            <a:r>
+              <a:rPr lang="en-US" dirty="0"/>
+              <a:t>Final output is based on pattern recognition in vector space</a:t>
+            </a:r>
+          </a:p>
+        </p:txBody>
+      </p:sp>
+      <p:pic>
+        <p:nvPicPr>
+          <p:cNvPr id="7" name="Picture 6">
+            <a:extLst>
+              <a:ext uri="{FF2B5EF4-FFF2-40B4-BE49-F238E27FC236}">
+                <a16:creationId xmlns:a16="http://schemas.microsoft.com/office/drawing/2014/main" id="{B4B51BB0-F04F-1AE7-C9F7-07E25258094E}"/>
+              </a:ext>
+            </a:extLst>
+          </p:cNvPr>
+          <p:cNvPicPr>
+            <a:picLocks noChangeAspect="1"/>
+          </p:cNvPicPr>
+          <p:nvPr/>
+        </p:nvPicPr>
+        <p:blipFill>
+          <a:blip r:embed="rId2"/>
+          <a:stretch>
+            <a:fillRect/>
+          </a:stretch>
+        </p:blipFill>
+        <p:spPr>
+          <a:xfrm>
+            <a:off x="6440130" y="1708040"/>
+            <a:ext cx="5535559" cy="2887919"/>
+          </a:xfrm>
+          <a:prstGeom prst="rect">
+            <a:avLst/>
+          </a:prstGeom>
+        </p:spPr>
+      </p:pic>
+    </p:spTree>
+    <p:extLst>
+      <p:ext uri="{BB962C8B-B14F-4D97-AF65-F5344CB8AC3E}">
+        <p14:creationId xmlns:p14="http://schemas.microsoft.com/office/powerpoint/2010/main" val="2667372767"/>
+      </p:ext>
+    </p:extLst>
+  </p:cSld>
+  <p:clrMapOvr>
+    <a:masterClrMapping/>
+  </p:clrMapOvr>
+</p:sld>
+</file>
+
+<file path=ppt/slides/slide2.xml><?xml version="1.0" encoding="utf-8"?>
+<p:sld xmlns:a="http://schemas.openxmlformats.org/drawingml/2006/main" xmlns:r="http://schemas.openxmlformats.org/officeDocument/2006/relationships" xmlns:p="http://schemas.openxmlformats.org/presentationml/2006/main">
+  <p:cSld>
+    <p:spTree>
+      <p:nvGrpSpPr>
+        <p:cNvPr id="1" name=""/>
+        <p:cNvGrpSpPr/>
+        <p:nvPr/>
+      </p:nvGrpSpPr>
+      <p:grpSpPr>
+        <a:xfrm>
+          <a:off x="0" y="0"/>
+          <a:ext cx="0" cy="0"/>
+          <a:chOff x="0" y="0"/>
+          <a:chExt cx="0" cy="0"/>
+        </a:xfrm>
+      </p:grpSpPr>
+      <p:sp>
+        <p:nvSpPr>
+          <p:cNvPr id="2" name="TextBox 1">
+            <a:extLst>
+              <a:ext uri="{FF2B5EF4-FFF2-40B4-BE49-F238E27FC236}">
+                <a16:creationId xmlns:a16="http://schemas.microsoft.com/office/drawing/2014/main" id="{093CFB65-AD3B-69A3-09F9-880509FF0929}"/>
+              </a:ext>
+            </a:extLst>
+          </p:cNvPr>
+          <p:cNvSpPr txBox="1"/>
+          <p:nvPr/>
+        </p:nvSpPr>
+        <p:spPr>
+          <a:xfrm>
+            <a:off x="3195484" y="285135"/>
+            <a:ext cx="4807974" cy="461665"/>
+          </a:xfrm>
+          <a:prstGeom prst="rect">
+            <a:avLst/>
+          </a:prstGeom>
+          <a:noFill/>
+        </p:spPr>
+        <p:txBody>
+          <a:bodyPr wrap="square" rtlCol="0">
+            <a:spAutoFit/>
+          </a:bodyPr>
+          <a:lstStyle/>
+          <a:p>
+            <a:r>
+              <a:rPr lang="en-US" sz="2400" dirty="0"/>
+              <a:t>What is NLP and Why Text Is Hard</a:t>
+            </a:r>
+            <a:endParaRPr lang="en-IN" sz="2400" dirty="0"/>
+          </a:p>
+        </p:txBody>
+      </p:sp>
+      <p:sp>
+        <p:nvSpPr>
+          <p:cNvPr id="3" name="TextBox 2">
+            <a:extLst>
+              <a:ext uri="{FF2B5EF4-FFF2-40B4-BE49-F238E27FC236}">
+                <a16:creationId xmlns:a16="http://schemas.microsoft.com/office/drawing/2014/main" id="{8820AA4A-97FD-A1D3-C599-625B7D4CBEA4}"/>
+              </a:ext>
+            </a:extLst>
+          </p:cNvPr>
+          <p:cNvSpPr txBox="1"/>
+          <p:nvPr/>
+        </p:nvSpPr>
+        <p:spPr>
+          <a:xfrm>
+            <a:off x="507825" y="2222090"/>
+            <a:ext cx="5375318" cy="2862322"/>
+          </a:xfrm>
+          <a:prstGeom prst="rect">
+            <a:avLst/>
+          </a:prstGeom>
+          <a:noFill/>
+        </p:spPr>
+        <p:txBody>
+          <a:bodyPr wrap="square" rtlCol="0">
+            <a:spAutoFit/>
+          </a:bodyPr>
+          <a:lstStyle/>
+          <a:p>
+            <a:pPr marL="285750" indent="-285750">
+              <a:buFont typeface="Arial" panose="020B0604020202020204" pitchFamily="34" charset="0"/>
+              <a:buChar char="•"/>
+            </a:pPr>
+            <a:r>
+              <a:rPr lang="en-US" dirty="0"/>
+              <a:t>NLP teaches computers to work with human language</a:t>
+            </a:r>
+          </a:p>
+          <a:p>
+            <a:pPr marL="285750" indent="-285750">
+              <a:buFont typeface="Arial" panose="020B0604020202020204" pitchFamily="34" charset="0"/>
+              <a:buChar char="•"/>
+            </a:pPr>
+            <a:endParaRPr lang="en-US" dirty="0"/>
+          </a:p>
+          <a:p>
+            <a:pPr marL="285750" indent="-285750">
+              <a:buFont typeface="Arial" panose="020B0604020202020204" pitchFamily="34" charset="0"/>
+              <a:buChar char="•"/>
+            </a:pPr>
+            <a:r>
+              <a:rPr lang="en-US" dirty="0"/>
+              <a:t>Humans understand meaning naturally</a:t>
+            </a:r>
+          </a:p>
+          <a:p>
+            <a:pPr marL="285750" indent="-285750">
+              <a:buFont typeface="Arial" panose="020B0604020202020204" pitchFamily="34" charset="0"/>
+              <a:buChar char="•"/>
+            </a:pPr>
+            <a:endParaRPr lang="en-US" dirty="0"/>
+          </a:p>
+          <a:p>
+            <a:pPr marL="285750" indent="-285750">
+              <a:buFont typeface="Arial" panose="020B0604020202020204" pitchFamily="34" charset="0"/>
+              <a:buChar char="•"/>
+            </a:pPr>
+            <a:r>
+              <a:rPr lang="en-US" dirty="0"/>
+              <a:t>Computers only understand numbers</a:t>
+            </a:r>
+          </a:p>
+          <a:p>
+            <a:pPr marL="285750" indent="-285750">
+              <a:buFont typeface="Arial" panose="020B0604020202020204" pitchFamily="34" charset="0"/>
+              <a:buChar char="•"/>
+            </a:pPr>
+            <a:endParaRPr lang="en-US" dirty="0"/>
+          </a:p>
+          <a:p>
+            <a:pPr marL="285750" indent="-285750">
+              <a:buFont typeface="Arial" panose="020B0604020202020204" pitchFamily="34" charset="0"/>
+              <a:buChar char="•"/>
+            </a:pPr>
+            <a:r>
+              <a:rPr lang="en-US" dirty="0"/>
+              <a:t>Language has ambiguity and context</a:t>
+            </a:r>
+          </a:p>
+          <a:p>
+            <a:pPr marL="285750" indent="-285750">
+              <a:buFont typeface="Arial" panose="020B0604020202020204" pitchFamily="34" charset="0"/>
+              <a:buChar char="•"/>
+            </a:pPr>
+            <a:endParaRPr lang="en-US" dirty="0"/>
+          </a:p>
+          <a:p>
+            <a:pPr marL="285750" indent="-285750">
+              <a:buFont typeface="Arial" panose="020B0604020202020204" pitchFamily="34" charset="0"/>
+              <a:buChar char="•"/>
+            </a:pPr>
+            <a:r>
+              <a:rPr lang="en-US" dirty="0"/>
+              <a:t>Same word can have many meanings</a:t>
+            </a:r>
+            <a:endParaRPr lang="en-IN" dirty="0"/>
+          </a:p>
+        </p:txBody>
+      </p:sp>
+      <p:pic>
+        <p:nvPicPr>
+          <p:cNvPr id="1027" name="Picture 3" descr="Natural Language Processing to Analyze Growing Data">
+            <a:extLst>
+              <a:ext uri="{FF2B5EF4-FFF2-40B4-BE49-F238E27FC236}">
+                <a16:creationId xmlns:a16="http://schemas.microsoft.com/office/drawing/2014/main" id="{8040ECEF-7E4E-569E-22B2-CE3533370DE2}"/>
+              </a:ext>
+            </a:extLst>
+          </p:cNvPr>
+          <p:cNvPicPr>
+            <a:picLocks noChangeAspect="1" noChangeArrowheads="1"/>
+          </p:cNvPicPr>
+          <p:nvPr/>
+        </p:nvPicPr>
+        <p:blipFill>
+          <a:blip r:embed="rId2">
+            <a:extLst>
+              <a:ext uri="{28A0092B-C50C-407E-A947-70E740481C1C}">
+                <a14:useLocalDpi xmlns:a14="http://schemas.microsoft.com/office/drawing/2010/main" val="0"/>
+              </a:ext>
+            </a:extLst>
+          </a:blip>
+          <a:srcRect/>
+          <a:stretch>
+            <a:fillRect/>
+          </a:stretch>
+        </p:blipFill>
+        <p:spPr bwMode="auto">
+          <a:xfrm>
+            <a:off x="6371303" y="2222090"/>
+            <a:ext cx="5699586" cy="3016617"/>
+          </a:xfrm>
+          <a:prstGeom prst="rect">
+            <a:avLst/>
+          </a:prstGeom>
+          <a:noFill/>
+          <a:extLst>
+            <a:ext uri="{909E8E84-426E-40DD-AFC4-6F175D3DCCD1}">
+              <a14:hiddenFill xmlns:a14="http://schemas.microsoft.com/office/drawing/2010/main">
+                <a:solidFill>
+                  <a:srgbClr val="FFFFFF"/>
+                </a:solidFill>
+              </a14:hiddenFill>
+            </a:ext>
+          </a:extLst>
+        </p:spPr>
+      </p:pic>
+    </p:spTree>
+    <p:extLst>
+      <p:ext uri="{BB962C8B-B14F-4D97-AF65-F5344CB8AC3E}">
+        <p14:creationId xmlns:p14="http://schemas.microsoft.com/office/powerpoint/2010/main" val="700818455"/>
+      </p:ext>
+    </p:extLst>
+  </p:cSld>
+  <p:clrMapOvr>
+    <a:masterClrMapping/>
+  </p:clrMapOvr>
+</p:sld>
+</file>
+
+<file path=ppt/slides/slide20.xml><?xml version="1.0" encoding="utf-8"?>
+<p:sld xmlns:a="http://schemas.openxmlformats.org/drawingml/2006/main" xmlns:r="http://schemas.openxmlformats.org/officeDocument/2006/relationships" xmlns:p="http://schemas.openxmlformats.org/presentationml/2006/main">
+  <p:cSld>
+    <p:spTree>
+      <p:nvGrpSpPr>
+        <p:cNvPr id="1" name="">
+          <a:extLst>
+            <a:ext uri="{FF2B5EF4-FFF2-40B4-BE49-F238E27FC236}">
+              <a16:creationId xmlns:a16="http://schemas.microsoft.com/office/drawing/2014/main" id="{8B1E0855-5E4B-6F7F-3B73-C2F3ED07F26F}"/>
+            </a:ext>
+          </a:extLst>
+        </p:cNvPr>
+        <p:cNvGrpSpPr/>
+        <p:nvPr/>
+      </p:nvGrpSpPr>
+      <p:grpSpPr>
+        <a:xfrm>
+          <a:off x="0" y="0"/>
+          <a:ext cx="0" cy="0"/>
+          <a:chOff x="0" y="0"/>
+          <a:chExt cx="0" cy="0"/>
+        </a:xfrm>
+      </p:grpSpPr>
+      <p:sp>
+        <p:nvSpPr>
+          <p:cNvPr id="2" name="TextBox 1">
+            <a:extLst>
+              <a:ext uri="{FF2B5EF4-FFF2-40B4-BE49-F238E27FC236}">
+                <a16:creationId xmlns:a16="http://schemas.microsoft.com/office/drawing/2014/main" id="{45D61777-B84A-6499-F83A-5DB5F77C4D9C}"/>
+              </a:ext>
+            </a:extLst>
+          </p:cNvPr>
+          <p:cNvSpPr txBox="1"/>
+          <p:nvPr/>
+        </p:nvSpPr>
+        <p:spPr>
+          <a:xfrm>
+            <a:off x="1150374" y="0"/>
+            <a:ext cx="9891251" cy="523220"/>
+          </a:xfrm>
+          <a:prstGeom prst="rect">
+            <a:avLst/>
+          </a:prstGeom>
+          <a:noFill/>
+        </p:spPr>
+        <p:txBody>
+          <a:bodyPr wrap="square" rtlCol="0">
+            <a:spAutoFit/>
+          </a:bodyPr>
+          <a:lstStyle/>
+          <a:p>
+            <a:pPr algn="ctr"/>
+            <a:r>
+              <a:rPr lang="en-IN" sz="2800" dirty="0"/>
+              <a:t>LLM Internals</a:t>
+            </a:r>
+          </a:p>
+        </p:txBody>
+      </p:sp>
+      <p:pic>
+        <p:nvPicPr>
+          <p:cNvPr id="5" name="Picture 4">
+            <a:extLst>
+              <a:ext uri="{FF2B5EF4-FFF2-40B4-BE49-F238E27FC236}">
+                <a16:creationId xmlns:a16="http://schemas.microsoft.com/office/drawing/2014/main" id="{AF8145BB-2C9C-99EE-9EC0-64F22404CB54}"/>
+              </a:ext>
+            </a:extLst>
+          </p:cNvPr>
+          <p:cNvPicPr>
+            <a:picLocks noChangeAspect="1"/>
+          </p:cNvPicPr>
+          <p:nvPr/>
+        </p:nvPicPr>
+        <p:blipFill>
+          <a:blip r:embed="rId2"/>
+          <a:stretch>
+            <a:fillRect/>
+          </a:stretch>
+        </p:blipFill>
+        <p:spPr>
+          <a:xfrm>
+            <a:off x="1439786" y="523220"/>
+            <a:ext cx="9312425" cy="3136655"/>
+          </a:xfrm>
+          <a:prstGeom prst="rect">
+            <a:avLst/>
+          </a:prstGeom>
+        </p:spPr>
+      </p:pic>
+      <p:pic>
+        <p:nvPicPr>
+          <p:cNvPr id="8" name="Picture 7">
+            <a:extLst>
+              <a:ext uri="{FF2B5EF4-FFF2-40B4-BE49-F238E27FC236}">
+                <a16:creationId xmlns:a16="http://schemas.microsoft.com/office/drawing/2014/main" id="{1F8062C9-98DF-8D20-FE4F-E1AF6F86C1E6}"/>
+              </a:ext>
+            </a:extLst>
+          </p:cNvPr>
+          <p:cNvPicPr>
+            <a:picLocks noChangeAspect="1"/>
+          </p:cNvPicPr>
+          <p:nvPr/>
+        </p:nvPicPr>
+        <p:blipFill>
+          <a:blip r:embed="rId3"/>
+          <a:stretch>
+            <a:fillRect/>
+          </a:stretch>
+        </p:blipFill>
+        <p:spPr>
+          <a:xfrm>
+            <a:off x="1042219" y="3766617"/>
+            <a:ext cx="5464013" cy="2568163"/>
+          </a:xfrm>
+          <a:prstGeom prst="rect">
+            <a:avLst/>
+          </a:prstGeom>
+        </p:spPr>
+      </p:pic>
+      <p:pic>
+        <p:nvPicPr>
+          <p:cNvPr id="10" name="Picture 9">
+            <a:extLst>
+              <a:ext uri="{FF2B5EF4-FFF2-40B4-BE49-F238E27FC236}">
+                <a16:creationId xmlns:a16="http://schemas.microsoft.com/office/drawing/2014/main" id="{43FCB600-A564-4C5C-10A4-553D10BA2118}"/>
+              </a:ext>
+            </a:extLst>
+          </p:cNvPr>
+          <p:cNvPicPr>
+            <a:picLocks noChangeAspect="1"/>
+          </p:cNvPicPr>
+          <p:nvPr/>
+        </p:nvPicPr>
+        <p:blipFill>
+          <a:blip r:embed="rId4"/>
+          <a:stretch>
+            <a:fillRect/>
+          </a:stretch>
+        </p:blipFill>
+        <p:spPr>
+          <a:xfrm>
+            <a:off x="6990735" y="3871634"/>
+            <a:ext cx="4672232" cy="2638757"/>
+          </a:xfrm>
+          <a:prstGeom prst="rect">
+            <a:avLst/>
+          </a:prstGeom>
+        </p:spPr>
+      </p:pic>
+      <p:sp>
+        <p:nvSpPr>
+          <p:cNvPr id="11" name="TextBox 10">
+            <a:extLst>
+              <a:ext uri="{FF2B5EF4-FFF2-40B4-BE49-F238E27FC236}">
+                <a16:creationId xmlns:a16="http://schemas.microsoft.com/office/drawing/2014/main" id="{4071D484-84E9-7117-1D8D-8B2026CCC32E}"/>
+              </a:ext>
+            </a:extLst>
+          </p:cNvPr>
+          <p:cNvSpPr txBox="1"/>
+          <p:nvPr/>
+        </p:nvSpPr>
+        <p:spPr>
+          <a:xfrm>
+            <a:off x="10568315" y="6531492"/>
+            <a:ext cx="1623685" cy="215444"/>
+          </a:xfrm>
+          <a:prstGeom prst="rect">
+            <a:avLst/>
+          </a:prstGeom>
+          <a:noFill/>
+        </p:spPr>
+        <p:txBody>
+          <a:bodyPr wrap="square" rtlCol="0">
+            <a:spAutoFit/>
+          </a:bodyPr>
+          <a:lstStyle/>
+          <a:p>
+            <a:r>
+              <a:rPr lang="en-IN" sz="800" dirty="0"/>
+              <a:t>Source : </a:t>
+            </a:r>
+            <a:r>
+              <a:rPr lang="en-IN" sz="800" b="0" i="0" u="none" strike="noStrike" dirty="0">
+                <a:effectLst/>
+                <a:latin typeface="Roboto" panose="02000000000000000000" pitchFamily="2" charset="0"/>
+                <a:hlinkClick r:id="rId5"/>
+              </a:rPr>
+              <a:t>https://karpathy.ai/</a:t>
+            </a:r>
+            <a:endParaRPr lang="en-IN" sz="800" dirty="0"/>
+          </a:p>
+        </p:txBody>
+      </p:sp>
+    </p:spTree>
+    <p:extLst>
+      <p:ext uri="{BB962C8B-B14F-4D97-AF65-F5344CB8AC3E}">
+        <p14:creationId xmlns:p14="http://schemas.microsoft.com/office/powerpoint/2010/main" val="3268008745"/>
+      </p:ext>
+    </p:extLst>
+  </p:cSld>
+  <p:clrMapOvr>
+    <a:masterClrMapping/>
+  </p:clrMapOvr>
+</p:sld>
+</file>
+
+<file path=ppt/slides/slide21.xml><?xml version="1.0" encoding="utf-8"?>
+<p:sld xmlns:a="http://schemas.openxmlformats.org/drawingml/2006/main" xmlns:r="http://schemas.openxmlformats.org/officeDocument/2006/relationships" xmlns:p="http://schemas.openxmlformats.org/presentationml/2006/main">
+  <p:cSld>
+    <p:spTree>
+      <p:nvGrpSpPr>
+        <p:cNvPr id="1" name="">
+          <a:extLst>
+            <a:ext uri="{FF2B5EF4-FFF2-40B4-BE49-F238E27FC236}">
+              <a16:creationId xmlns:a16="http://schemas.microsoft.com/office/drawing/2014/main" id="{BB6A06EB-3D85-B7C5-4CDD-16DC64A5A404}"/>
+            </a:ext>
+          </a:extLst>
+        </p:cNvPr>
+        <p:cNvGrpSpPr/>
+        <p:nvPr/>
+      </p:nvGrpSpPr>
+      <p:grpSpPr>
+        <a:xfrm>
+          <a:off x="0" y="0"/>
+          <a:ext cx="0" cy="0"/>
+          <a:chOff x="0" y="0"/>
+          <a:chExt cx="0" cy="0"/>
+        </a:xfrm>
+      </p:grpSpPr>
+      <p:sp>
+        <p:nvSpPr>
+          <p:cNvPr id="2" name="TextBox 1">
+            <a:extLst>
+              <a:ext uri="{FF2B5EF4-FFF2-40B4-BE49-F238E27FC236}">
+                <a16:creationId xmlns:a16="http://schemas.microsoft.com/office/drawing/2014/main" id="{A47A7406-14CF-54F8-3FC9-FE4C7CA24D78}"/>
+              </a:ext>
+            </a:extLst>
+          </p:cNvPr>
+          <p:cNvSpPr txBox="1"/>
+          <p:nvPr/>
+        </p:nvSpPr>
+        <p:spPr>
+          <a:xfrm>
+            <a:off x="924233" y="235626"/>
+            <a:ext cx="9891251" cy="523220"/>
+          </a:xfrm>
+          <a:prstGeom prst="rect">
+            <a:avLst/>
+          </a:prstGeom>
+          <a:noFill/>
+        </p:spPr>
+        <p:txBody>
+          <a:bodyPr wrap="square" rtlCol="0">
+            <a:spAutoFit/>
+          </a:bodyPr>
+          <a:lstStyle/>
+          <a:p>
+            <a:pPr algn="ctr"/>
+            <a:r>
+              <a:rPr lang="en-IN" sz="2800" dirty="0"/>
+              <a:t>Interesting Facts about LLM</a:t>
+            </a:r>
+          </a:p>
+        </p:txBody>
+      </p:sp>
+      <p:sp>
+        <p:nvSpPr>
+          <p:cNvPr id="3" name="TextBox 2">
+            <a:extLst>
+              <a:ext uri="{FF2B5EF4-FFF2-40B4-BE49-F238E27FC236}">
+                <a16:creationId xmlns:a16="http://schemas.microsoft.com/office/drawing/2014/main" id="{255D3231-5E82-9DD8-4770-D13573C581FF}"/>
+              </a:ext>
+            </a:extLst>
+          </p:cNvPr>
+          <p:cNvSpPr txBox="1"/>
+          <p:nvPr/>
+        </p:nvSpPr>
+        <p:spPr>
+          <a:xfrm>
+            <a:off x="117987" y="1582340"/>
+            <a:ext cx="7128387" cy="3693319"/>
+          </a:xfrm>
+          <a:prstGeom prst="rect">
+            <a:avLst/>
+          </a:prstGeom>
+          <a:noFill/>
+        </p:spPr>
+        <p:txBody>
+          <a:bodyPr wrap="square" rtlCol="0">
+            <a:spAutoFit/>
+          </a:bodyPr>
+          <a:lstStyle/>
+          <a:p>
+            <a:pPr marL="285750" indent="-285750">
+              <a:buFont typeface="Arial" panose="020B0604020202020204" pitchFamily="34" charset="0"/>
+              <a:buChar char="•"/>
+            </a:pPr>
+            <a:r>
+              <a:rPr lang="en-US" dirty="0"/>
+              <a:t>🧠 LLMs are not fact-checkers — they generate, not verify</a:t>
+            </a:r>
+          </a:p>
+          <a:p>
+            <a:pPr marL="285750" indent="-285750">
+              <a:buFont typeface="Arial" panose="020B0604020202020204" pitchFamily="34" charset="0"/>
+              <a:buChar char="•"/>
+            </a:pPr>
+            <a:endParaRPr lang="en-US" dirty="0"/>
+          </a:p>
+          <a:p>
+            <a:pPr marL="285750" indent="-285750">
+              <a:buFont typeface="Arial" panose="020B0604020202020204" pitchFamily="34" charset="0"/>
+              <a:buChar char="•"/>
+            </a:pPr>
+            <a:r>
+              <a:rPr lang="en-US" dirty="0"/>
+              <a:t>🔁 Every response is unique — no fixed output for same input</a:t>
+            </a:r>
+          </a:p>
+          <a:p>
+            <a:pPr marL="285750" indent="-285750">
+              <a:buFont typeface="Arial" panose="020B0604020202020204" pitchFamily="34" charset="0"/>
+              <a:buChar char="•"/>
+            </a:pPr>
+            <a:endParaRPr lang="en-US" dirty="0"/>
+          </a:p>
+          <a:p>
+            <a:pPr marL="285750" indent="-285750">
+              <a:buFont typeface="Arial" panose="020B0604020202020204" pitchFamily="34" charset="0"/>
+              <a:buChar char="•"/>
+            </a:pPr>
+            <a:r>
+              <a:rPr lang="en-US" dirty="0"/>
+              <a:t>🎭 They can hallucinate — may create fake info with confidence</a:t>
+            </a:r>
+          </a:p>
+          <a:p>
+            <a:pPr marL="285750" indent="-285750">
+              <a:buFont typeface="Arial" panose="020B0604020202020204" pitchFamily="34" charset="0"/>
+              <a:buChar char="•"/>
+            </a:pPr>
+            <a:endParaRPr lang="en-US" dirty="0"/>
+          </a:p>
+          <a:p>
+            <a:pPr marL="285750" indent="-285750">
+              <a:buFont typeface="Arial" panose="020B0604020202020204" pitchFamily="34" charset="0"/>
+              <a:buChar char="•"/>
+            </a:pPr>
+            <a:r>
+              <a:rPr lang="en-US" dirty="0"/>
+              <a:t>➗ Don’t “calculate” like a calculator — rely on pattern memory</a:t>
+            </a:r>
+          </a:p>
+          <a:p>
+            <a:pPr marL="285750" indent="-285750">
+              <a:buFont typeface="Arial" panose="020B0604020202020204" pitchFamily="34" charset="0"/>
+              <a:buChar char="•"/>
+            </a:pPr>
+            <a:endParaRPr lang="en-US" dirty="0"/>
+          </a:p>
+          <a:p>
+            <a:pPr marL="285750" indent="-285750">
+              <a:buFont typeface="Arial" panose="020B0604020202020204" pitchFamily="34" charset="0"/>
+              <a:buChar char="•"/>
+            </a:pPr>
+            <a:r>
+              <a:rPr lang="en-US" dirty="0"/>
+              <a:t>📚 Learn from massive data, not real-time experiences</a:t>
+            </a:r>
+          </a:p>
+          <a:p>
+            <a:pPr marL="285750" indent="-285750">
+              <a:buFont typeface="Arial" panose="020B0604020202020204" pitchFamily="34" charset="0"/>
+              <a:buChar char="•"/>
+            </a:pPr>
+            <a:endParaRPr lang="en-US" dirty="0"/>
+          </a:p>
+          <a:p>
+            <a:pPr marL="285750" indent="-285750">
+              <a:buFont typeface="Arial" panose="020B0604020202020204" pitchFamily="34" charset="0"/>
+              <a:buChar char="•"/>
+            </a:pPr>
+            <a:r>
+              <a:rPr lang="en-US" dirty="0"/>
+              <a:t>🧮 Use statistical correlations, not reasoning or logic</a:t>
+            </a:r>
+          </a:p>
+          <a:p>
+            <a:pPr marL="285750" indent="-285750">
+              <a:buFont typeface="Arial" panose="020B0604020202020204" pitchFamily="34" charset="0"/>
+              <a:buChar char="•"/>
+            </a:pPr>
+            <a:endParaRPr lang="en-US" dirty="0"/>
+          </a:p>
+          <a:p>
+            <a:pPr marL="285750" indent="-285750">
+              <a:buFont typeface="Arial" panose="020B0604020202020204" pitchFamily="34" charset="0"/>
+              <a:buChar char="•"/>
+            </a:pPr>
+            <a:r>
+              <a:rPr lang="en-US" dirty="0"/>
+              <a:t>🔧 Not intelligent by nature — just rigorously trained models</a:t>
+            </a:r>
+            <a:endParaRPr lang="en-IN" dirty="0"/>
+          </a:p>
+        </p:txBody>
+      </p:sp>
+      <p:pic>
+        <p:nvPicPr>
+          <p:cNvPr id="6146" name="Picture 2" descr="LLMs Are Dumb. | Medium">
+            <a:extLst>
+              <a:ext uri="{FF2B5EF4-FFF2-40B4-BE49-F238E27FC236}">
+                <a16:creationId xmlns:a16="http://schemas.microsoft.com/office/drawing/2014/main" id="{44EF6119-1DBB-068A-8ABC-EDFC41FE2988}"/>
+              </a:ext>
+            </a:extLst>
+          </p:cNvPr>
+          <p:cNvPicPr>
+            <a:picLocks noChangeAspect="1" noChangeArrowheads="1"/>
+          </p:cNvPicPr>
+          <p:nvPr/>
+        </p:nvPicPr>
+        <p:blipFill>
+          <a:blip r:embed="rId2">
+            <a:extLst>
+              <a:ext uri="{28A0092B-C50C-407E-A947-70E740481C1C}">
+                <a14:useLocalDpi xmlns:a14="http://schemas.microsoft.com/office/drawing/2010/main" val="0"/>
+              </a:ext>
+            </a:extLst>
+          </a:blip>
+          <a:srcRect/>
+          <a:stretch>
+            <a:fillRect/>
+          </a:stretch>
+        </p:blipFill>
+        <p:spPr bwMode="auto">
+          <a:xfrm>
+            <a:off x="7334864" y="1827407"/>
+            <a:ext cx="4316362" cy="3203186"/>
+          </a:xfrm>
+          <a:prstGeom prst="rect">
+            <a:avLst/>
+          </a:prstGeom>
+          <a:noFill/>
+          <a:extLst>
+            <a:ext uri="{909E8E84-426E-40DD-AFC4-6F175D3DCCD1}">
+              <a14:hiddenFill xmlns:a14="http://schemas.microsoft.com/office/drawing/2010/main">
+                <a:solidFill>
+                  <a:srgbClr val="FFFFFF"/>
+                </a:solidFill>
+              </a14:hiddenFill>
+            </a:ext>
+          </a:extLst>
+        </p:spPr>
+      </p:pic>
+    </p:spTree>
+    <p:extLst>
+      <p:ext uri="{BB962C8B-B14F-4D97-AF65-F5344CB8AC3E}">
+        <p14:creationId xmlns:p14="http://schemas.microsoft.com/office/powerpoint/2010/main" val="856422875"/>
+      </p:ext>
+    </p:extLst>
+  </p:cSld>
+  <p:clrMapOvr>
+    <a:masterClrMapping/>
+  </p:clrMapOvr>
+</p:sld>
+</file>
+
+<file path=ppt/slides/slide22.xml><?xml version="1.0" encoding="utf-8"?>
+<p:sld xmlns:a="http://schemas.openxmlformats.org/drawingml/2006/main" xmlns:r="http://schemas.openxmlformats.org/officeDocument/2006/relationships" xmlns:p="http://schemas.openxmlformats.org/presentationml/2006/main">
+  <p:cSld>
+    <p:spTree>
+      <p:nvGrpSpPr>
+        <p:cNvPr id="1" name="">
+          <a:extLst>
+            <a:ext uri="{FF2B5EF4-FFF2-40B4-BE49-F238E27FC236}">
+              <a16:creationId xmlns:a16="http://schemas.microsoft.com/office/drawing/2014/main" id="{62BB62D6-76EA-88C0-896B-1DAAD8528D8A}"/>
+            </a:ext>
+          </a:extLst>
+        </p:cNvPr>
+        <p:cNvGrpSpPr/>
+        <p:nvPr/>
+      </p:nvGrpSpPr>
+      <p:grpSpPr>
+        <a:xfrm>
+          <a:off x="0" y="0"/>
+          <a:ext cx="0" cy="0"/>
+          <a:chOff x="0" y="0"/>
+          <a:chExt cx="0" cy="0"/>
+        </a:xfrm>
+      </p:grpSpPr>
+      <p:sp>
+        <p:nvSpPr>
+          <p:cNvPr id="2" name="TextBox 1">
+            <a:extLst>
+              <a:ext uri="{FF2B5EF4-FFF2-40B4-BE49-F238E27FC236}">
+                <a16:creationId xmlns:a16="http://schemas.microsoft.com/office/drawing/2014/main" id="{5566635E-C749-F5E5-C946-DF803778D0B0}"/>
+              </a:ext>
+            </a:extLst>
+          </p:cNvPr>
+          <p:cNvSpPr txBox="1"/>
+          <p:nvPr/>
+        </p:nvSpPr>
+        <p:spPr>
+          <a:xfrm>
+            <a:off x="530942" y="235626"/>
+            <a:ext cx="9891251" cy="523220"/>
+          </a:xfrm>
+          <a:prstGeom prst="rect">
+            <a:avLst/>
+          </a:prstGeom>
+          <a:noFill/>
+        </p:spPr>
+        <p:txBody>
+          <a:bodyPr wrap="square" rtlCol="0">
+            <a:spAutoFit/>
+          </a:bodyPr>
+          <a:lstStyle/>
+          <a:p>
+            <a:pPr algn="ctr"/>
+            <a:r>
+              <a:rPr lang="en-IN" sz="2800" dirty="0"/>
+              <a:t>Prompt Engineering </a:t>
+            </a:r>
+          </a:p>
+        </p:txBody>
+      </p:sp>
+      <p:sp>
+        <p:nvSpPr>
+          <p:cNvPr id="3" name="TextBox 2">
+            <a:extLst>
+              <a:ext uri="{FF2B5EF4-FFF2-40B4-BE49-F238E27FC236}">
+                <a16:creationId xmlns:a16="http://schemas.microsoft.com/office/drawing/2014/main" id="{206413D0-8341-7DE8-9289-7AD4B9E6AA9A}"/>
+              </a:ext>
+            </a:extLst>
+          </p:cNvPr>
+          <p:cNvSpPr txBox="1"/>
+          <p:nvPr/>
+        </p:nvSpPr>
+        <p:spPr>
+          <a:xfrm>
+            <a:off x="117987" y="1582340"/>
+            <a:ext cx="7128387" cy="3693319"/>
+          </a:xfrm>
+          <a:prstGeom prst="rect">
+            <a:avLst/>
+          </a:prstGeom>
+          <a:noFill/>
+        </p:spPr>
+        <p:txBody>
+          <a:bodyPr wrap="square" rtlCol="0">
+            <a:spAutoFit/>
+          </a:bodyPr>
+          <a:lstStyle/>
+          <a:p>
+            <a:pPr marL="285750" indent="-285750">
+              <a:buFont typeface="Arial" panose="020B0604020202020204" pitchFamily="34" charset="0"/>
+              <a:buChar char="•"/>
+            </a:pPr>
+            <a:r>
+              <a:rPr lang="en-US" dirty="0"/>
+              <a:t>🛠️ Acts as the instruction manual for LLMs</a:t>
+            </a:r>
+          </a:p>
+          <a:p>
+            <a:pPr marL="285750" indent="-285750">
+              <a:buFont typeface="Arial" panose="020B0604020202020204" pitchFamily="34" charset="0"/>
+              <a:buChar char="•"/>
+            </a:pPr>
+            <a:endParaRPr lang="en-US" dirty="0"/>
+          </a:p>
+          <a:p>
+            <a:pPr marL="285750" indent="-285750">
+              <a:buFont typeface="Arial" panose="020B0604020202020204" pitchFamily="34" charset="0"/>
+              <a:buChar char="•"/>
+            </a:pPr>
+            <a:r>
+              <a:rPr lang="en-US" dirty="0"/>
+              <a:t>🎯 Helps steer output toward desired goals</a:t>
+            </a:r>
+          </a:p>
+          <a:p>
+            <a:pPr marL="285750" indent="-285750">
+              <a:buFont typeface="Arial" panose="020B0604020202020204" pitchFamily="34" charset="0"/>
+              <a:buChar char="•"/>
+            </a:pPr>
+            <a:endParaRPr lang="en-US" dirty="0"/>
+          </a:p>
+          <a:p>
+            <a:pPr marL="285750" indent="-285750">
+              <a:buFont typeface="Arial" panose="020B0604020202020204" pitchFamily="34" charset="0"/>
+              <a:buChar char="•"/>
+            </a:pPr>
+            <a:r>
+              <a:rPr lang="en-US" dirty="0"/>
+              <a:t>📈 Boosts accuracy, relevance, and reliability of responses</a:t>
+            </a:r>
+          </a:p>
+          <a:p>
+            <a:pPr marL="285750" indent="-285750">
+              <a:buFont typeface="Arial" panose="020B0604020202020204" pitchFamily="34" charset="0"/>
+              <a:buChar char="•"/>
+            </a:pPr>
+            <a:endParaRPr lang="en-US" dirty="0"/>
+          </a:p>
+          <a:p>
+            <a:pPr marL="285750" indent="-285750">
+              <a:buFont typeface="Arial" panose="020B0604020202020204" pitchFamily="34" charset="0"/>
+              <a:buChar char="•"/>
+            </a:pPr>
+            <a:r>
+              <a:rPr lang="en-US" dirty="0"/>
+              <a:t>🧩 Enables complex tasks like summarization, coding, Q&amp;A</a:t>
+            </a:r>
+          </a:p>
+          <a:p>
+            <a:pPr marL="285750" indent="-285750">
+              <a:buFont typeface="Arial" panose="020B0604020202020204" pitchFamily="34" charset="0"/>
+              <a:buChar char="•"/>
+            </a:pPr>
+            <a:endParaRPr lang="en-US" dirty="0"/>
+          </a:p>
+          <a:p>
+            <a:pPr marL="285750" indent="-285750">
+              <a:buFont typeface="Arial" panose="020B0604020202020204" pitchFamily="34" charset="0"/>
+              <a:buChar char="•"/>
+            </a:pPr>
+            <a:r>
+              <a:rPr lang="en-US" dirty="0"/>
+              <a:t>🔍 Small changes in prompts can lead to big output differences</a:t>
+            </a:r>
+          </a:p>
+          <a:p>
+            <a:pPr marL="285750" indent="-285750">
+              <a:buFont typeface="Arial" panose="020B0604020202020204" pitchFamily="34" charset="0"/>
+              <a:buChar char="•"/>
+            </a:pPr>
+            <a:endParaRPr lang="en-US" dirty="0"/>
+          </a:p>
+          <a:p>
+            <a:pPr marL="285750" indent="-285750">
+              <a:buFont typeface="Arial" panose="020B0604020202020204" pitchFamily="34" charset="0"/>
+              <a:buChar char="•"/>
+            </a:pPr>
+            <a:r>
+              <a:rPr lang="en-US" dirty="0"/>
+              <a:t>🧠 Bridges human intent with model interpretation</a:t>
+            </a:r>
+          </a:p>
+          <a:p>
+            <a:pPr marL="285750" indent="-285750">
+              <a:buFont typeface="Arial" panose="020B0604020202020204" pitchFamily="34" charset="0"/>
+              <a:buChar char="•"/>
+            </a:pPr>
+            <a:endParaRPr lang="en-US" dirty="0"/>
+          </a:p>
+          <a:p>
+            <a:pPr marL="285750" indent="-285750">
+              <a:buFont typeface="Arial" panose="020B0604020202020204" pitchFamily="34" charset="0"/>
+              <a:buChar char="•"/>
+            </a:pPr>
+            <a:r>
+              <a:rPr lang="en-US" dirty="0"/>
+              <a:t>⚙️ Foundation for building apps with LLMs (RAG, agents, etc.)</a:t>
+            </a:r>
+            <a:endParaRPr lang="en-IN" dirty="0"/>
+          </a:p>
+        </p:txBody>
+      </p:sp>
+      <p:pic>
+        <p:nvPicPr>
+          <p:cNvPr id="7170" name="Picture 2" descr="Prompt Engineering: Some Prompts Are More Equal Than Others ...">
+            <a:extLst>
+              <a:ext uri="{FF2B5EF4-FFF2-40B4-BE49-F238E27FC236}">
+                <a16:creationId xmlns:a16="http://schemas.microsoft.com/office/drawing/2014/main" id="{6282CDF3-F5CD-184E-5DD6-803E5D44AC15}"/>
+              </a:ext>
+            </a:extLst>
+          </p:cNvPr>
+          <p:cNvPicPr>
+            <a:picLocks noChangeAspect="1" noChangeArrowheads="1"/>
+          </p:cNvPicPr>
+          <p:nvPr/>
+        </p:nvPicPr>
+        <p:blipFill>
+          <a:blip r:embed="rId2">
+            <a:extLst>
+              <a:ext uri="{28A0092B-C50C-407E-A947-70E740481C1C}">
+                <a14:useLocalDpi xmlns:a14="http://schemas.microsoft.com/office/drawing/2010/main" val="0"/>
+              </a:ext>
+            </a:extLst>
+          </a:blip>
+          <a:srcRect/>
+          <a:stretch>
+            <a:fillRect/>
+          </a:stretch>
+        </p:blipFill>
+        <p:spPr bwMode="auto">
+          <a:xfrm>
+            <a:off x="6971071" y="1698828"/>
+            <a:ext cx="4442338" cy="3236965"/>
+          </a:xfrm>
+          <a:prstGeom prst="rect">
+            <a:avLst/>
+          </a:prstGeom>
+          <a:noFill/>
+          <a:extLst>
+            <a:ext uri="{909E8E84-426E-40DD-AFC4-6F175D3DCCD1}">
+              <a14:hiddenFill xmlns:a14="http://schemas.microsoft.com/office/drawing/2010/main">
+                <a:solidFill>
+                  <a:srgbClr val="FFFFFF"/>
+                </a:solidFill>
+              </a14:hiddenFill>
+            </a:ext>
+          </a:extLst>
+        </p:spPr>
+      </p:pic>
+    </p:spTree>
+    <p:extLst>
+      <p:ext uri="{BB962C8B-B14F-4D97-AF65-F5344CB8AC3E}">
+        <p14:creationId xmlns:p14="http://schemas.microsoft.com/office/powerpoint/2010/main" val="2555399400"/>
+      </p:ext>
+    </p:extLst>
+  </p:cSld>
+  <p:clrMapOvr>
+    <a:masterClrMapping/>
+  </p:clrMapOvr>
+</p:sld>
+</file>
+
+<file path=ppt/slides/slide23.xml><?xml version="1.0" encoding="utf-8"?>
+<p:sld xmlns:a="http://schemas.openxmlformats.org/drawingml/2006/main" xmlns:r="http://schemas.openxmlformats.org/officeDocument/2006/relationships" xmlns:p="http://schemas.openxmlformats.org/presentationml/2006/main">
+  <p:cSld>
+    <p:spTree>
+      <p:nvGrpSpPr>
+        <p:cNvPr id="1" name="">
+          <a:extLst>
+            <a:ext uri="{FF2B5EF4-FFF2-40B4-BE49-F238E27FC236}">
+              <a16:creationId xmlns:a16="http://schemas.microsoft.com/office/drawing/2014/main" id="{7E25DA26-3BF8-1584-5392-08CE8471E929}"/>
+            </a:ext>
+          </a:extLst>
+        </p:cNvPr>
+        <p:cNvGrpSpPr/>
+        <p:nvPr/>
+      </p:nvGrpSpPr>
+      <p:grpSpPr>
+        <a:xfrm>
+          <a:off x="0" y="0"/>
+          <a:ext cx="0" cy="0"/>
+          <a:chOff x="0" y="0"/>
+          <a:chExt cx="0" cy="0"/>
+        </a:xfrm>
+      </p:grpSpPr>
+      <p:sp>
+        <p:nvSpPr>
+          <p:cNvPr id="2" name="TextBox 1">
+            <a:extLst>
+              <a:ext uri="{FF2B5EF4-FFF2-40B4-BE49-F238E27FC236}">
+                <a16:creationId xmlns:a16="http://schemas.microsoft.com/office/drawing/2014/main" id="{91EDE103-5DB8-282C-175C-40A0FA3635B8}"/>
+              </a:ext>
+            </a:extLst>
+          </p:cNvPr>
+          <p:cNvSpPr txBox="1"/>
+          <p:nvPr/>
+        </p:nvSpPr>
+        <p:spPr>
+          <a:xfrm>
+            <a:off x="1268361" y="235626"/>
+            <a:ext cx="9891251" cy="523220"/>
+          </a:xfrm>
+          <a:prstGeom prst="rect">
+            <a:avLst/>
+          </a:prstGeom>
+          <a:noFill/>
+        </p:spPr>
+        <p:txBody>
+          <a:bodyPr wrap="square" rtlCol="0">
+            <a:spAutoFit/>
+          </a:bodyPr>
+          <a:lstStyle/>
+          <a:p>
+            <a:pPr algn="ctr"/>
+            <a:r>
+              <a:rPr lang="en-IN" sz="2800" dirty="0"/>
+              <a:t>Prompt Drift </a:t>
+            </a:r>
+          </a:p>
+        </p:txBody>
+      </p:sp>
+      <p:sp>
+        <p:nvSpPr>
+          <p:cNvPr id="3" name="TextBox 2">
+            <a:extLst>
+              <a:ext uri="{FF2B5EF4-FFF2-40B4-BE49-F238E27FC236}">
+                <a16:creationId xmlns:a16="http://schemas.microsoft.com/office/drawing/2014/main" id="{62E6D7AF-DED9-17D7-1BD0-AC6FFB52215F}"/>
+              </a:ext>
+            </a:extLst>
+          </p:cNvPr>
+          <p:cNvSpPr txBox="1"/>
+          <p:nvPr/>
+        </p:nvSpPr>
+        <p:spPr>
+          <a:xfrm>
+            <a:off x="117987" y="1582340"/>
+            <a:ext cx="7128387" cy="3693319"/>
+          </a:xfrm>
+          <a:prstGeom prst="rect">
+            <a:avLst/>
+          </a:prstGeom>
+          <a:noFill/>
+        </p:spPr>
+        <p:txBody>
+          <a:bodyPr wrap="square" rtlCol="0">
+            <a:spAutoFit/>
+          </a:bodyPr>
+          <a:lstStyle/>
+          <a:p>
+            <a:pPr marL="285750" indent="-285750">
+              <a:buFont typeface="Arial" panose="020B0604020202020204" pitchFamily="34" charset="0"/>
+              <a:buChar char="•"/>
+            </a:pPr>
+            <a:r>
+              <a:rPr lang="en-US" dirty="0"/>
+              <a:t>🔄 Prompt drift happens when model responses slowly go off-topic</a:t>
+            </a:r>
+          </a:p>
+          <a:p>
+            <a:pPr marL="285750" indent="-285750">
+              <a:buFont typeface="Arial" panose="020B0604020202020204" pitchFamily="34" charset="0"/>
+              <a:buChar char="•"/>
+            </a:pPr>
+            <a:endParaRPr lang="en-US" dirty="0"/>
+          </a:p>
+          <a:p>
+            <a:pPr marL="285750" indent="-285750">
+              <a:buFont typeface="Arial" panose="020B0604020202020204" pitchFamily="34" charset="0"/>
+              <a:buChar char="•"/>
+            </a:pPr>
+            <a:r>
+              <a:rPr lang="en-US" dirty="0"/>
+              <a:t>🧠 LLM loses focus from the original instruction over long interactions</a:t>
+            </a:r>
+          </a:p>
+          <a:p>
+            <a:pPr marL="285750" indent="-285750">
+              <a:buFont typeface="Arial" panose="020B0604020202020204" pitchFamily="34" charset="0"/>
+              <a:buChar char="•"/>
+            </a:pPr>
+            <a:endParaRPr lang="en-US" dirty="0"/>
+          </a:p>
+          <a:p>
+            <a:pPr marL="285750" indent="-285750">
+              <a:buFont typeface="Arial" panose="020B0604020202020204" pitchFamily="34" charset="0"/>
+              <a:buChar char="•"/>
+            </a:pPr>
+            <a:r>
+              <a:rPr lang="en-US" dirty="0"/>
+              <a:t>📉 Reduces output quality, accuracy, and coherence</a:t>
+            </a:r>
+          </a:p>
+          <a:p>
+            <a:pPr marL="285750" indent="-285750">
+              <a:buFont typeface="Arial" panose="020B0604020202020204" pitchFamily="34" charset="0"/>
+              <a:buChar char="•"/>
+            </a:pPr>
+            <a:endParaRPr lang="en-US" dirty="0"/>
+          </a:p>
+          <a:p>
+            <a:pPr marL="285750" indent="-285750">
+              <a:buFont typeface="Arial" panose="020B0604020202020204" pitchFamily="34" charset="0"/>
+              <a:buChar char="•"/>
+            </a:pPr>
+            <a:r>
+              <a:rPr lang="en-US" dirty="0"/>
+              <a:t>📝 Caused by unclear prompts or extended dialogues</a:t>
+            </a:r>
+          </a:p>
+          <a:p>
+            <a:pPr marL="285750" indent="-285750">
+              <a:buFont typeface="Arial" panose="020B0604020202020204" pitchFamily="34" charset="0"/>
+              <a:buChar char="•"/>
+            </a:pPr>
+            <a:endParaRPr lang="en-US" dirty="0"/>
+          </a:p>
+          <a:p>
+            <a:pPr marL="285750" indent="-285750">
+              <a:buFont typeface="Arial" panose="020B0604020202020204" pitchFamily="34" charset="0"/>
+              <a:buChar char="•"/>
+            </a:pPr>
+            <a:r>
+              <a:rPr lang="en-US" dirty="0"/>
+              <a:t>✅ Use few-shot examples, system prompts, or re-anchoring to fix it</a:t>
+            </a:r>
+          </a:p>
+          <a:p>
+            <a:pPr marL="285750" indent="-285750">
+              <a:buFont typeface="Arial" panose="020B0604020202020204" pitchFamily="34" charset="0"/>
+              <a:buChar char="•"/>
+            </a:pPr>
+            <a:endParaRPr lang="en-US" dirty="0"/>
+          </a:p>
+          <a:p>
+            <a:pPr marL="285750" indent="-285750">
+              <a:buFont typeface="Arial" panose="020B0604020202020204" pitchFamily="34" charset="0"/>
+              <a:buChar char="•"/>
+            </a:pPr>
+            <a:r>
+              <a:rPr lang="en-US" dirty="0"/>
+              <a:t>🧩 Important in long-form chats, coding, and content generation</a:t>
+            </a:r>
+          </a:p>
+          <a:p>
+            <a:pPr marL="285750" indent="-285750">
+              <a:buFont typeface="Arial" panose="020B0604020202020204" pitchFamily="34" charset="0"/>
+              <a:buChar char="•"/>
+            </a:pPr>
+            <a:endParaRPr lang="en-US" dirty="0"/>
+          </a:p>
+          <a:p>
+            <a:pPr marL="285750" indent="-285750">
+              <a:buFont typeface="Arial" panose="020B0604020202020204" pitchFamily="34" charset="0"/>
+              <a:buChar char="•"/>
+            </a:pPr>
+            <a:r>
+              <a:rPr lang="en-US" dirty="0"/>
+              <a:t>🔁 Reset or reframe the prompt periodically to regain control</a:t>
+            </a:r>
+            <a:endParaRPr lang="en-IN" dirty="0"/>
+          </a:p>
+        </p:txBody>
+      </p:sp>
+      <p:pic>
+        <p:nvPicPr>
+          <p:cNvPr id="8194" name="Picture 2" descr="Prompt Drift. The notion to create ...">
+            <a:extLst>
+              <a:ext uri="{FF2B5EF4-FFF2-40B4-BE49-F238E27FC236}">
+                <a16:creationId xmlns:a16="http://schemas.microsoft.com/office/drawing/2014/main" id="{211063BF-3DCC-D7BB-9730-98C744F12561}"/>
+              </a:ext>
+            </a:extLst>
+          </p:cNvPr>
+          <p:cNvPicPr>
+            <a:picLocks noChangeAspect="1" noChangeArrowheads="1"/>
+          </p:cNvPicPr>
+          <p:nvPr/>
+        </p:nvPicPr>
+        <p:blipFill>
+          <a:blip r:embed="rId2">
+            <a:extLst>
+              <a:ext uri="{28A0092B-C50C-407E-A947-70E740481C1C}">
+                <a14:useLocalDpi xmlns:a14="http://schemas.microsoft.com/office/drawing/2010/main" val="0"/>
+              </a:ext>
+            </a:extLst>
+          </a:blip>
+          <a:srcRect/>
+          <a:stretch>
+            <a:fillRect/>
+          </a:stretch>
+        </p:blipFill>
+        <p:spPr bwMode="auto">
+          <a:xfrm>
+            <a:off x="7567613" y="2091082"/>
+            <a:ext cx="3985290" cy="2675833"/>
+          </a:xfrm>
+          <a:prstGeom prst="rect">
+            <a:avLst/>
+          </a:prstGeom>
+          <a:noFill/>
+          <a:extLst>
+            <a:ext uri="{909E8E84-426E-40DD-AFC4-6F175D3DCCD1}">
+              <a14:hiddenFill xmlns:a14="http://schemas.microsoft.com/office/drawing/2010/main">
+                <a:solidFill>
+                  <a:srgbClr val="FFFFFF"/>
+                </a:solidFill>
+              </a14:hiddenFill>
+            </a:ext>
+          </a:extLst>
+        </p:spPr>
+      </p:pic>
+      <p:sp>
+        <p:nvSpPr>
+          <p:cNvPr id="5" name="TextBox 4">
+            <a:extLst>
+              <a:ext uri="{FF2B5EF4-FFF2-40B4-BE49-F238E27FC236}">
+                <a16:creationId xmlns:a16="http://schemas.microsoft.com/office/drawing/2014/main" id="{C75AEB59-61A6-9D3F-1EA5-229D6526E149}"/>
+              </a:ext>
+            </a:extLst>
+          </p:cNvPr>
+          <p:cNvSpPr txBox="1"/>
+          <p:nvPr/>
+        </p:nvSpPr>
+        <p:spPr>
+          <a:xfrm>
+            <a:off x="7826477" y="5218357"/>
+            <a:ext cx="4090219" cy="230832"/>
+          </a:xfrm>
+          <a:prstGeom prst="rect">
+            <a:avLst/>
+          </a:prstGeom>
+          <a:noFill/>
+        </p:spPr>
+        <p:txBody>
+          <a:bodyPr wrap="square" rtlCol="0">
+            <a:spAutoFit/>
+          </a:bodyPr>
+          <a:lstStyle/>
+          <a:p>
+            <a:r>
+              <a:rPr lang="en-IN" sz="900" dirty="0"/>
+              <a:t>Source : https://cobusgreyling.medium.com/prompt-drift-4873f37c43c8</a:t>
+            </a:r>
+          </a:p>
+        </p:txBody>
+      </p:sp>
+    </p:spTree>
+    <p:extLst>
+      <p:ext uri="{BB962C8B-B14F-4D97-AF65-F5344CB8AC3E}">
+        <p14:creationId xmlns:p14="http://schemas.microsoft.com/office/powerpoint/2010/main" val="1047442167"/>
+      </p:ext>
+    </p:extLst>
+  </p:cSld>
+  <p:clrMapOvr>
+    <a:masterClrMapping/>
+  </p:clrMapOvr>
+</p:sld>
+</file>
+
+<file path=ppt/slides/slide24.xml><?xml version="1.0" encoding="utf-8"?>
 <p:sld xmlns:a="http://schemas.openxmlformats.org/drawingml/2006/main" xmlns:r="http://schemas.openxmlformats.org/officeDocument/2006/relationships" xmlns:p="http://schemas.openxmlformats.org/presentationml/2006/main">
   <p:cSld>
     <p:spTree>
@@ -3986,7 +8511,7 @@
 </p:sld>
 </file>
 
-<file path=ppt/slides/slide13.xml><?xml version="1.0" encoding="utf-8"?>
+<file path=ppt/slides/slide25.xml><?xml version="1.0" encoding="utf-8"?>
 <p:sld xmlns:a="http://schemas.openxmlformats.org/drawingml/2006/main" xmlns:r="http://schemas.openxmlformats.org/officeDocument/2006/relationships" xmlns:p="http://schemas.openxmlformats.org/presentationml/2006/main">
   <p:cSld>
     <p:spTree>
@@ -4104,7 +8629,7 @@
 </p:sld>
 </file>
 
-<file path=ppt/slides/slide14.xml><?xml version="1.0" encoding="utf-8"?>
+<file path=ppt/slides/slide26.xml><?xml version="1.0" encoding="utf-8"?>
 <p:sld xmlns:a="http://schemas.openxmlformats.org/drawingml/2006/main" xmlns:r="http://schemas.openxmlformats.org/officeDocument/2006/relationships" xmlns:p="http://schemas.openxmlformats.org/presentationml/2006/main">
   <p:cSld>
     <p:spTree>
@@ -4333,7 +8858,7 @@
 </p:sld>
 </file>
 
-<file path=ppt/slides/slide15.xml><?xml version="1.0" encoding="utf-8"?>
+<file path=ppt/slides/slide27.xml><?xml version="1.0" encoding="utf-8"?>
 <p:sld xmlns:a="http://schemas.openxmlformats.org/drawingml/2006/main" xmlns:r="http://schemas.openxmlformats.org/officeDocument/2006/relationships" xmlns:p="http://schemas.openxmlformats.org/presentationml/2006/main">
   <p:cSld>
     <p:spTree>
@@ -4549,227 +9074,6 @@
     <p:extLst>
       <p:ext uri="{BB962C8B-B14F-4D97-AF65-F5344CB8AC3E}">
         <p14:creationId xmlns:p14="http://schemas.microsoft.com/office/powerpoint/2010/main" val="297725172"/>
-      </p:ext>
-    </p:extLst>
-  </p:cSld>
-  <p:clrMapOvr>
-    <a:masterClrMapping/>
-  </p:clrMapOvr>
-</p:sld>
-</file>
-
-<file path=ppt/slides/slide2.xml><?xml version="1.0" encoding="utf-8"?>
-<p:sld xmlns:a="http://schemas.openxmlformats.org/drawingml/2006/main" xmlns:r="http://schemas.openxmlformats.org/officeDocument/2006/relationships" xmlns:p="http://schemas.openxmlformats.org/presentationml/2006/main">
-  <p:cSld>
-    <p:spTree>
-      <p:nvGrpSpPr>
-        <p:cNvPr id="1" name=""/>
-        <p:cNvGrpSpPr/>
-        <p:nvPr/>
-      </p:nvGrpSpPr>
-      <p:grpSpPr>
-        <a:xfrm>
-          <a:off x="0" y="0"/>
-          <a:ext cx="0" cy="0"/>
-          <a:chOff x="0" y="0"/>
-          <a:chExt cx="0" cy="0"/>
-        </a:xfrm>
-      </p:grpSpPr>
-      <p:sp>
-        <p:nvSpPr>
-          <p:cNvPr id="2" name="TextBox 1">
-            <a:extLst>
-              <a:ext uri="{FF2B5EF4-FFF2-40B4-BE49-F238E27FC236}">
-                <a16:creationId xmlns:a16="http://schemas.microsoft.com/office/drawing/2014/main" id="{093CFB65-AD3B-69A3-09F9-880509FF0929}"/>
-              </a:ext>
-            </a:extLst>
-          </p:cNvPr>
-          <p:cNvSpPr txBox="1"/>
-          <p:nvPr/>
-        </p:nvSpPr>
-        <p:spPr>
-          <a:xfrm>
-            <a:off x="3195484" y="285135"/>
-            <a:ext cx="4807974" cy="461665"/>
-          </a:xfrm>
-          <a:prstGeom prst="rect">
-            <a:avLst/>
-          </a:prstGeom>
-          <a:noFill/>
-        </p:spPr>
-        <p:txBody>
-          <a:bodyPr wrap="square" rtlCol="0">
-            <a:spAutoFit/>
-          </a:bodyPr>
-          <a:lstStyle/>
-          <a:p>
-            <a:r>
-              <a:rPr lang="en-US" sz="2400" dirty="0"/>
-              <a:t>What is NLP and Why Text Is Hard</a:t>
-            </a:r>
-            <a:endParaRPr lang="en-IN" sz="2400" dirty="0"/>
-          </a:p>
-        </p:txBody>
-      </p:sp>
-      <p:sp>
-        <p:nvSpPr>
-          <p:cNvPr id="3" name="TextBox 2">
-            <a:extLst>
-              <a:ext uri="{FF2B5EF4-FFF2-40B4-BE49-F238E27FC236}">
-                <a16:creationId xmlns:a16="http://schemas.microsoft.com/office/drawing/2014/main" id="{8820AA4A-97FD-A1D3-C599-625B7D4CBEA4}"/>
-              </a:ext>
-            </a:extLst>
-          </p:cNvPr>
-          <p:cNvSpPr txBox="1"/>
-          <p:nvPr/>
-        </p:nvSpPr>
-        <p:spPr>
-          <a:xfrm>
-            <a:off x="507825" y="2222090"/>
-            <a:ext cx="5375318" cy="2862322"/>
-          </a:xfrm>
-          <a:prstGeom prst="rect">
-            <a:avLst/>
-          </a:prstGeom>
-          <a:noFill/>
-        </p:spPr>
-        <p:txBody>
-          <a:bodyPr wrap="square" rtlCol="0">
-            <a:spAutoFit/>
-          </a:bodyPr>
-          <a:lstStyle/>
-          <a:p>
-            <a:pPr marL="285750" indent="-285750">
-              <a:buFont typeface="Arial" panose="020B0604020202020204" pitchFamily="34" charset="0"/>
-              <a:buChar char="•"/>
-            </a:pPr>
-            <a:r>
-              <a:rPr lang="en-US" dirty="0"/>
-              <a:t>NLP teaches computers to work with human language</a:t>
-            </a:r>
-          </a:p>
-          <a:p>
-            <a:pPr marL="285750" indent="-285750">
-              <a:buFont typeface="Arial" panose="020B0604020202020204" pitchFamily="34" charset="0"/>
-              <a:buChar char="•"/>
-            </a:pPr>
-            <a:endParaRPr lang="en-US" dirty="0"/>
-          </a:p>
-          <a:p>
-            <a:pPr marL="285750" indent="-285750">
-              <a:buFont typeface="Arial" panose="020B0604020202020204" pitchFamily="34" charset="0"/>
-              <a:buChar char="•"/>
-            </a:pPr>
-            <a:r>
-              <a:rPr lang="en-US" dirty="0"/>
-              <a:t>Humans understand meaning naturally</a:t>
-            </a:r>
-          </a:p>
-          <a:p>
-            <a:pPr marL="285750" indent="-285750">
-              <a:buFont typeface="Arial" panose="020B0604020202020204" pitchFamily="34" charset="0"/>
-              <a:buChar char="•"/>
-            </a:pPr>
-            <a:endParaRPr lang="en-US" dirty="0"/>
-          </a:p>
-          <a:p>
-            <a:pPr marL="285750" indent="-285750">
-              <a:buFont typeface="Arial" panose="020B0604020202020204" pitchFamily="34" charset="0"/>
-              <a:buChar char="•"/>
-            </a:pPr>
-            <a:r>
-              <a:rPr lang="en-US" dirty="0"/>
-              <a:t>Computers only understand numbers</a:t>
-            </a:r>
-          </a:p>
-          <a:p>
-            <a:pPr marL="285750" indent="-285750">
-              <a:buFont typeface="Arial" panose="020B0604020202020204" pitchFamily="34" charset="0"/>
-              <a:buChar char="•"/>
-            </a:pPr>
-            <a:endParaRPr lang="en-US" dirty="0"/>
-          </a:p>
-          <a:p>
-            <a:pPr marL="285750" indent="-285750">
-              <a:buFont typeface="Arial" panose="020B0604020202020204" pitchFamily="34" charset="0"/>
-              <a:buChar char="•"/>
-            </a:pPr>
-            <a:r>
-              <a:rPr lang="en-US" dirty="0"/>
-              <a:t>Language has ambiguity and context</a:t>
-            </a:r>
-          </a:p>
-          <a:p>
-            <a:pPr marL="285750" indent="-285750">
-              <a:buFont typeface="Arial" panose="020B0604020202020204" pitchFamily="34" charset="0"/>
-              <a:buChar char="•"/>
-            </a:pPr>
-            <a:endParaRPr lang="en-US" dirty="0"/>
-          </a:p>
-          <a:p>
-            <a:pPr marL="285750" indent="-285750">
-              <a:buFont typeface="Arial" panose="020B0604020202020204" pitchFamily="34" charset="0"/>
-              <a:buChar char="•"/>
-            </a:pPr>
-            <a:r>
-              <a:rPr lang="en-US" dirty="0"/>
-              <a:t>Same word can have many meanings</a:t>
-            </a:r>
-            <a:endParaRPr lang="en-IN" dirty="0"/>
-          </a:p>
-        </p:txBody>
-      </p:sp>
-      <p:pic>
-        <p:nvPicPr>
-          <p:cNvPr id="1027" name="Picture 3" descr="Natural Language Processing to Analyze Growing Data">
-            <a:extLst>
-              <a:ext uri="{FF2B5EF4-FFF2-40B4-BE49-F238E27FC236}">
-                <a16:creationId xmlns:a16="http://schemas.microsoft.com/office/drawing/2014/main" id="{8040ECEF-7E4E-569E-22B2-CE3533370DE2}"/>
-              </a:ext>
-            </a:extLst>
-          </p:cNvPr>
-          <p:cNvPicPr>
-            <a:picLocks noChangeAspect="1" noChangeArrowheads="1"/>
-          </p:cNvPicPr>
-          <p:nvPr/>
-        </p:nvPicPr>
-        <p:blipFill>
-          <a:blip r:embed="rId2">
-            <a:extLst>
-              <a:ext uri="{28A0092B-C50C-407E-A947-70E740481C1C}">
-                <a14:useLocalDpi xmlns:a14="http://schemas.microsoft.com/office/drawing/2010/main" val="0"/>
-              </a:ext>
-            </a:extLst>
-          </a:blip>
-          <a:srcRect/>
-          <a:stretch>
-            <a:fillRect/>
-          </a:stretch>
-        </p:blipFill>
-        <p:spPr bwMode="auto">
-          <a:xfrm>
-            <a:off x="6371303" y="2222090"/>
-            <a:ext cx="5699586" cy="3016617"/>
-          </a:xfrm>
-          <a:prstGeom prst="rect">
-            <a:avLst/>
-          </a:prstGeom>
-          <a:noFill/>
-          <a:extLst>
-            <a:ext uri="{909E8E84-426E-40DD-AFC4-6F175D3DCCD1}">
-              <a14:hiddenFill xmlns:a14="http://schemas.microsoft.com/office/drawing/2010/main">
-                <a:solidFill>
-                  <a:srgbClr val="FFFFFF"/>
-                </a:solidFill>
-              </a14:hiddenFill>
-            </a:ext>
-          </a:extLst>
-        </p:spPr>
-      </p:pic>
-    </p:spTree>
-    <p:extLst>
-      <p:ext uri="{BB962C8B-B14F-4D97-AF65-F5344CB8AC3E}">
-        <p14:creationId xmlns:p14="http://schemas.microsoft.com/office/powerpoint/2010/main" val="700818455"/>
       </p:ext>
     </p:extLst>
   </p:cSld>
@@ -6056,7 +10360,7 @@
         <p:cNvPr id="1" name="">
           <a:extLst>
             <a:ext uri="{FF2B5EF4-FFF2-40B4-BE49-F238E27FC236}">
-              <a16:creationId xmlns:a16="http://schemas.microsoft.com/office/drawing/2014/main" id="{89399C84-06FC-BECC-A988-4C9091050B8D}"/>
+              <a16:creationId xmlns:a16="http://schemas.microsoft.com/office/drawing/2014/main" id="{699109E6-34D7-B3C9-2057-2AE987507C8E}"/>
             </a:ext>
           </a:extLst>
         </p:cNvPr>
@@ -6076,7 +10380,7 @@
           <p:cNvPr id="2" name="TextBox 1">
             <a:extLst>
               <a:ext uri="{FF2B5EF4-FFF2-40B4-BE49-F238E27FC236}">
-                <a16:creationId xmlns:a16="http://schemas.microsoft.com/office/drawing/2014/main" id="{5F7DC11F-4209-A9E2-2175-8CB8833A55DE}"/>
+                <a16:creationId xmlns:a16="http://schemas.microsoft.com/office/drawing/2014/main" id="{E46101F3-BD96-A68F-1297-062E59722ADD}"/>
               </a:ext>
             </a:extLst>
           </p:cNvPr>
@@ -6085,8 +10389,8 @@
         </p:nvSpPr>
         <p:spPr>
           <a:xfrm>
-            <a:off x="4354227" y="275969"/>
-            <a:ext cx="5025747" cy="461665"/>
+            <a:off x="3833117" y="360213"/>
+            <a:ext cx="5375318" cy="461665"/>
           </a:xfrm>
           <a:prstGeom prst="rect">
             <a:avLst/>
@@ -6101,17 +10405,17 @@
           <a:p>
             <a:r>
               <a:rPr lang="en-IN" sz="2400" dirty="0"/>
-              <a:t>Forward Pass Overview</a:t>
-            </a:r>
-          </a:p>
-        </p:txBody>
-      </p:sp>
-      <p:sp>
-        <p:nvSpPr>
-          <p:cNvPr id="3" name="TextBox 2">
-            <a:extLst>
-              <a:ext uri="{FF2B5EF4-FFF2-40B4-BE49-F238E27FC236}">
-                <a16:creationId xmlns:a16="http://schemas.microsoft.com/office/drawing/2014/main" id="{8FC816B1-68DC-5F21-3B41-F4666867C51A}"/>
+              <a:t>Key Value &amp; Query matrix</a:t>
+            </a:r>
+          </a:p>
+        </p:txBody>
+      </p:sp>
+      <p:sp>
+        <p:nvSpPr>
+          <p:cNvPr id="4" name="TextBox 3">
+            <a:extLst>
+              <a:ext uri="{FF2B5EF4-FFF2-40B4-BE49-F238E27FC236}">
+                <a16:creationId xmlns:a16="http://schemas.microsoft.com/office/drawing/2014/main" id="{A347910F-C7ED-C680-E287-7261070CAE22}"/>
               </a:ext>
             </a:extLst>
           </p:cNvPr>
@@ -6120,8 +10424,8 @@
         </p:nvSpPr>
         <p:spPr>
           <a:xfrm>
-            <a:off x="139648" y="1326811"/>
-            <a:ext cx="5588176" cy="3970318"/>
+            <a:off x="7649496" y="6061454"/>
+            <a:ext cx="3785419" cy="369332"/>
           </a:xfrm>
           <a:prstGeom prst="rect">
             <a:avLst/>
@@ -6134,81 +10438,11 @@
           </a:bodyPr>
           <a:lstStyle/>
           <a:p>
-            <a:pPr marL="285750" indent="-285750">
-              <a:buFont typeface="Arial" panose="020B0604020202020204" pitchFamily="34" charset="0"/>
-              <a:buChar char="•"/>
-            </a:pPr>
-            <a:r>
-              <a:rPr lang="en-US" dirty="0"/>
-              <a:t>The forward pass is the complete journey of data from input tokens to output scores inside the Transformer.</a:t>
-            </a:r>
-          </a:p>
-          <a:p>
-            <a:pPr marL="285750" indent="-285750">
-              <a:buFont typeface="Arial" panose="020B0604020202020204" pitchFamily="34" charset="0"/>
-              <a:buChar char="•"/>
-            </a:pPr>
-            <a:endParaRPr lang="en-US" dirty="0"/>
-          </a:p>
-          <a:p>
-            <a:pPr marL="285750" indent="-285750">
-              <a:buFont typeface="Arial" panose="020B0604020202020204" pitchFamily="34" charset="0"/>
-              <a:buChar char="•"/>
-            </a:pPr>
-            <a:r>
-              <a:rPr lang="en-US" dirty="0"/>
-              <a:t>Tokens are first converted into embeddings so that the model can work with numbers instead of text.</a:t>
-            </a:r>
-          </a:p>
-          <a:p>
-            <a:pPr marL="285750" indent="-285750">
-              <a:buFont typeface="Arial" panose="020B0604020202020204" pitchFamily="34" charset="0"/>
-              <a:buChar char="•"/>
-            </a:pPr>
-            <a:endParaRPr lang="en-US" dirty="0"/>
-          </a:p>
-          <a:p>
-            <a:pPr marL="285750" indent="-285750">
-              <a:buFont typeface="Arial" panose="020B0604020202020204" pitchFamily="34" charset="0"/>
-              <a:buChar char="•"/>
-            </a:pPr>
-            <a:r>
-              <a:rPr lang="en-US" dirty="0"/>
-              <a:t>These embeddings pass through multiple layers that gradually refine the information.</a:t>
-            </a:r>
-          </a:p>
-          <a:p>
-            <a:pPr marL="285750" indent="-285750">
-              <a:buFont typeface="Arial" panose="020B0604020202020204" pitchFamily="34" charset="0"/>
-              <a:buChar char="•"/>
-            </a:pPr>
-            <a:endParaRPr lang="en-US" dirty="0"/>
-          </a:p>
-          <a:p>
-            <a:pPr marL="285750" indent="-285750">
-              <a:buFont typeface="Arial" panose="020B0604020202020204" pitchFamily="34" charset="0"/>
-              <a:buChar char="•"/>
-            </a:pPr>
-            <a:r>
-              <a:rPr lang="en-US" dirty="0"/>
-              <a:t>Each layer improves the model’s understanding of context and relationships between words.</a:t>
-            </a:r>
-          </a:p>
-          <a:p>
-            <a:pPr marL="285750" indent="-285750">
-              <a:buFont typeface="Arial" panose="020B0604020202020204" pitchFamily="34" charset="0"/>
-              <a:buChar char="•"/>
-            </a:pPr>
-            <a:endParaRPr lang="en-US" dirty="0"/>
-          </a:p>
-          <a:p>
-            <a:pPr marL="285750" indent="-285750">
-              <a:buFont typeface="Arial" panose="020B0604020202020204" pitchFamily="34" charset="0"/>
-              <a:buChar char="•"/>
-            </a:pPr>
-            <a:r>
-              <a:rPr lang="en-US" dirty="0"/>
-              <a:t>The final output of the forward pass is a set of raw scores called logits.</a:t>
+            <a:r>
+              <a:rPr lang="en-IN" dirty="0">
+                <a:hlinkClick r:id="rId2"/>
+              </a:rPr>
+              <a:t>Transformer_demo_v1</a:t>
             </a:r>
             <a:endParaRPr lang="en-IN" dirty="0"/>
           </a:p>
@@ -6216,10 +10450,10 @@
       </p:sp>
       <p:pic>
         <p:nvPicPr>
-          <p:cNvPr id="6146" name="Picture 2" descr="Journey of a single token through the LLM Architecture">
-            <a:extLst>
-              <a:ext uri="{FF2B5EF4-FFF2-40B4-BE49-F238E27FC236}">
-                <a16:creationId xmlns:a16="http://schemas.microsoft.com/office/drawing/2014/main" id="{B9DD8D4F-3E95-27E7-777E-F0634A150DEB}"/>
+          <p:cNvPr id="5122" name="Picture 2" descr="Diagram of the query, key, value, and self-attention ...">
+            <a:extLst>
+              <a:ext uri="{FF2B5EF4-FFF2-40B4-BE49-F238E27FC236}">
+                <a16:creationId xmlns:a16="http://schemas.microsoft.com/office/drawing/2014/main" id="{E4BC62BE-6FBA-CA79-5A8D-592B2BE67619}"/>
               </a:ext>
             </a:extLst>
           </p:cNvPr>
@@ -6229,7 +10463,7 @@
           <p:nvPr/>
         </p:nvPicPr>
         <p:blipFill>
-          <a:blip r:embed="rId2">
+          <a:blip r:embed="rId3">
             <a:extLst>
               <a:ext uri="{28A0092B-C50C-407E-A947-70E740481C1C}">
                 <a14:useLocalDpi xmlns:a14="http://schemas.microsoft.com/office/drawing/2010/main" val="0"/>
@@ -6243,8 +10477,8 @@
         </p:blipFill>
         <p:spPr bwMode="auto">
           <a:xfrm>
-            <a:off x="6464176" y="1304688"/>
-            <a:ext cx="5588176" cy="3970318"/>
+            <a:off x="7369116" y="983226"/>
+            <a:ext cx="4346178" cy="4632492"/>
           </a:xfrm>
           <a:prstGeom prst="rect">
             <a:avLst/>
@@ -6261,10 +10495,355 @@
           </a:extLst>
         </p:spPr>
       </p:pic>
+      <p:sp>
+        <p:nvSpPr>
+          <p:cNvPr id="5" name="TextBox 4">
+            <a:extLst>
+              <a:ext uri="{FF2B5EF4-FFF2-40B4-BE49-F238E27FC236}">
+                <a16:creationId xmlns:a16="http://schemas.microsoft.com/office/drawing/2014/main" id="{5480E3C3-1EFF-1654-B3BF-E819E95EF30D}"/>
+              </a:ext>
+            </a:extLst>
+          </p:cNvPr>
+          <p:cNvSpPr txBox="1"/>
+          <p:nvPr/>
+        </p:nvSpPr>
+        <p:spPr>
+          <a:xfrm>
+            <a:off x="297118" y="1268360"/>
+            <a:ext cx="3067665" cy="1600438"/>
+          </a:xfrm>
+          <a:prstGeom prst="rect">
+            <a:avLst/>
+          </a:prstGeom>
+          <a:noFill/>
+          <a:ln>
+            <a:solidFill>
+              <a:schemeClr val="tx1"/>
+            </a:solidFill>
+          </a:ln>
+        </p:spPr>
+        <p:txBody>
+          <a:bodyPr wrap="square" rtlCol="0">
+            <a:spAutoFit/>
+          </a:bodyPr>
+          <a:lstStyle/>
+          <a:p>
+            <a:r>
+              <a:rPr lang="en-US" sz="1400" dirty="0"/>
+              <a:t>🟦 </a:t>
+            </a:r>
+            <a:r>
+              <a:rPr lang="en-US" sz="1400" b="1" dirty="0"/>
+              <a:t>Query (Q)</a:t>
+            </a:r>
+          </a:p>
+          <a:p>
+            <a:endParaRPr lang="en-US" sz="1400" dirty="0"/>
+          </a:p>
+          <a:p>
+            <a:pPr marL="285750" indent="-285750">
+              <a:buFont typeface="Arial" panose="020B0604020202020204" pitchFamily="34" charset="0"/>
+              <a:buChar char="•"/>
+            </a:pPr>
+            <a:r>
+              <a:rPr lang="en-US" sz="1400" dirty="0"/>
+              <a:t>Generated from the current word.</a:t>
+            </a:r>
+          </a:p>
+          <a:p>
+            <a:pPr marL="285750" indent="-285750">
+              <a:buFont typeface="Arial" panose="020B0604020202020204" pitchFamily="34" charset="0"/>
+              <a:buChar char="•"/>
+            </a:pPr>
+            <a:r>
+              <a:rPr lang="en-US" sz="1400" dirty="0"/>
+              <a:t>Represents the information this word wants.</a:t>
+            </a:r>
+          </a:p>
+          <a:p>
+            <a:pPr marL="285750" indent="-285750">
+              <a:buFont typeface="Arial" panose="020B0604020202020204" pitchFamily="34" charset="0"/>
+              <a:buChar char="•"/>
+            </a:pPr>
+            <a:r>
+              <a:rPr lang="en-US" sz="1400" dirty="0"/>
+              <a:t>Used to compare against all Keys.</a:t>
+            </a:r>
+          </a:p>
+          <a:p>
+            <a:pPr marL="285750" indent="-285750">
+              <a:buFont typeface="Arial" panose="020B0604020202020204" pitchFamily="34" charset="0"/>
+              <a:buChar char="•"/>
+            </a:pPr>
+            <a:r>
+              <a:rPr lang="en-US" sz="1400" dirty="0"/>
+              <a:t>Acts like a search request.</a:t>
+            </a:r>
+            <a:endParaRPr lang="en-IN" sz="1400" dirty="0"/>
+          </a:p>
+        </p:txBody>
+      </p:sp>
+      <p:sp>
+        <p:nvSpPr>
+          <p:cNvPr id="6" name="TextBox 5">
+            <a:extLst>
+              <a:ext uri="{FF2B5EF4-FFF2-40B4-BE49-F238E27FC236}">
+                <a16:creationId xmlns:a16="http://schemas.microsoft.com/office/drawing/2014/main" id="{4415967B-7F88-43A2-404E-EA1E64DFCD06}"/>
+              </a:ext>
+            </a:extLst>
+          </p:cNvPr>
+          <p:cNvSpPr txBox="1"/>
+          <p:nvPr/>
+        </p:nvSpPr>
+        <p:spPr>
+          <a:xfrm>
+            <a:off x="3833117" y="1268360"/>
+            <a:ext cx="3265773" cy="1815882"/>
+          </a:xfrm>
+          <a:prstGeom prst="rect">
+            <a:avLst/>
+          </a:prstGeom>
+          <a:noFill/>
+          <a:ln>
+            <a:solidFill>
+              <a:schemeClr val="tx1"/>
+            </a:solidFill>
+          </a:ln>
+        </p:spPr>
+        <p:txBody>
+          <a:bodyPr wrap="square" rtlCol="0">
+            <a:spAutoFit/>
+          </a:bodyPr>
+          <a:lstStyle/>
+          <a:p>
+            <a:r>
+              <a:rPr lang="en-US" sz="1400" b="1" dirty="0"/>
+              <a:t>🟩 Key (K)</a:t>
+            </a:r>
+          </a:p>
+          <a:p>
+            <a:endParaRPr lang="en-US" sz="1400" b="1" dirty="0"/>
+          </a:p>
+          <a:p>
+            <a:pPr marL="285750" indent="-285750">
+              <a:buFont typeface="Arial" panose="020B0604020202020204" pitchFamily="34" charset="0"/>
+              <a:buChar char="•"/>
+            </a:pPr>
+            <a:r>
+              <a:rPr lang="en-US" sz="1400" dirty="0"/>
+              <a:t>Generated from every word in the sentence.</a:t>
+            </a:r>
+          </a:p>
+          <a:p>
+            <a:pPr marL="285750" indent="-285750">
+              <a:buFont typeface="Arial" panose="020B0604020202020204" pitchFamily="34" charset="0"/>
+              <a:buChar char="•"/>
+            </a:pPr>
+            <a:r>
+              <a:rPr lang="en-US" sz="1400" dirty="0"/>
+              <a:t>Describes what information each word contains.</a:t>
+            </a:r>
+          </a:p>
+          <a:p>
+            <a:pPr marL="285750" indent="-285750">
+              <a:buFont typeface="Arial" panose="020B0604020202020204" pitchFamily="34" charset="0"/>
+              <a:buChar char="•"/>
+            </a:pPr>
+            <a:r>
+              <a:rPr lang="en-US" sz="1400" dirty="0"/>
+              <a:t>Queries are matched against Keys.</a:t>
+            </a:r>
+          </a:p>
+          <a:p>
+            <a:pPr marL="285750" indent="-285750">
+              <a:buFont typeface="Arial" panose="020B0604020202020204" pitchFamily="34" charset="0"/>
+              <a:buChar char="•"/>
+            </a:pPr>
+            <a:r>
+              <a:rPr lang="en-US" sz="1400" dirty="0"/>
+              <a:t>Determines relevance.</a:t>
+            </a:r>
+          </a:p>
+        </p:txBody>
+      </p:sp>
+      <p:sp>
+        <p:nvSpPr>
+          <p:cNvPr id="7" name="TextBox 6">
+            <a:extLst>
+              <a:ext uri="{FF2B5EF4-FFF2-40B4-BE49-F238E27FC236}">
+                <a16:creationId xmlns:a16="http://schemas.microsoft.com/office/drawing/2014/main" id="{F7CA2812-8E02-09A6-C457-26020F99E7B8}"/>
+              </a:ext>
+            </a:extLst>
+          </p:cNvPr>
+          <p:cNvSpPr txBox="1"/>
+          <p:nvPr/>
+        </p:nvSpPr>
+        <p:spPr>
+          <a:xfrm>
+            <a:off x="297118" y="3802059"/>
+            <a:ext cx="3067665" cy="1815882"/>
+          </a:xfrm>
+          <a:prstGeom prst="rect">
+            <a:avLst/>
+          </a:prstGeom>
+          <a:noFill/>
+          <a:ln>
+            <a:solidFill>
+              <a:schemeClr val="tx1"/>
+            </a:solidFill>
+          </a:ln>
+        </p:spPr>
+        <p:txBody>
+          <a:bodyPr wrap="square" rtlCol="0">
+            <a:spAutoFit/>
+          </a:bodyPr>
+          <a:lstStyle/>
+          <a:p>
+            <a:r>
+              <a:rPr lang="en-US" sz="1400" b="1" dirty="0"/>
+              <a:t>🟥 Value (V)</a:t>
+            </a:r>
+          </a:p>
+          <a:p>
+            <a:endParaRPr lang="en-US" sz="1400" b="1" dirty="0"/>
+          </a:p>
+          <a:p>
+            <a:pPr marL="285750" indent="-285750">
+              <a:buFont typeface="Arial" panose="020B0604020202020204" pitchFamily="34" charset="0"/>
+              <a:buChar char="•"/>
+            </a:pPr>
+            <a:r>
+              <a:rPr lang="en-US" sz="1400" dirty="0"/>
+              <a:t>Contains the actual information to be shared.</a:t>
+            </a:r>
+          </a:p>
+          <a:p>
+            <a:pPr marL="285750" indent="-285750">
+              <a:buFont typeface="Arial" panose="020B0604020202020204" pitchFamily="34" charset="0"/>
+              <a:buChar char="•"/>
+            </a:pPr>
+            <a:r>
+              <a:rPr lang="en-US" sz="1400" dirty="0"/>
+              <a:t>Combined using attention weights.</a:t>
+            </a:r>
+          </a:p>
+          <a:p>
+            <a:pPr marL="285750" indent="-285750">
+              <a:buFont typeface="Arial" panose="020B0604020202020204" pitchFamily="34" charset="0"/>
+              <a:buChar char="•"/>
+            </a:pPr>
+            <a:r>
+              <a:rPr lang="en-US" sz="1400" dirty="0"/>
+              <a:t>Values form the final output.</a:t>
+            </a:r>
+          </a:p>
+          <a:p>
+            <a:pPr marL="285750" indent="-285750">
+              <a:buFont typeface="Arial" panose="020B0604020202020204" pitchFamily="34" charset="0"/>
+              <a:buChar char="•"/>
+            </a:pPr>
+            <a:r>
+              <a:rPr lang="en-US" sz="1400" dirty="0"/>
+              <a:t>Not used for matching, only for aggregation.</a:t>
+            </a:r>
+          </a:p>
+        </p:txBody>
+      </p:sp>
+      <p:sp>
+        <p:nvSpPr>
+          <p:cNvPr id="8" name="TextBox 7">
+            <a:extLst>
+              <a:ext uri="{FF2B5EF4-FFF2-40B4-BE49-F238E27FC236}">
+                <a16:creationId xmlns:a16="http://schemas.microsoft.com/office/drawing/2014/main" id="{922AAC9F-C5FC-92BE-3D5C-C749657BDCFB}"/>
+              </a:ext>
+            </a:extLst>
+          </p:cNvPr>
+          <p:cNvSpPr txBox="1"/>
+          <p:nvPr/>
+        </p:nvSpPr>
+        <p:spPr>
+          <a:xfrm>
+            <a:off x="3833116" y="3783907"/>
+            <a:ext cx="3265774" cy="1815882"/>
+          </a:xfrm>
+          <a:prstGeom prst="rect">
+            <a:avLst/>
+          </a:prstGeom>
+          <a:noFill/>
+          <a:ln>
+            <a:solidFill>
+              <a:schemeClr val="tx1"/>
+            </a:solidFill>
+          </a:ln>
+        </p:spPr>
+        <p:txBody>
+          <a:bodyPr wrap="square" rtlCol="0">
+            <a:spAutoFit/>
+          </a:bodyPr>
+          <a:lstStyle/>
+          <a:p>
+            <a:r>
+              <a:rPr lang="en-US" sz="1400" b="1" dirty="0"/>
+              <a:t>⚙️ How Attention is Computed</a:t>
+            </a:r>
+          </a:p>
+          <a:p>
+            <a:endParaRPr lang="en-US" sz="1400" b="1" dirty="0"/>
+          </a:p>
+          <a:p>
+            <a:pPr marL="285750" indent="-285750">
+              <a:buFont typeface="Arial" panose="020B0604020202020204" pitchFamily="34" charset="0"/>
+              <a:buChar char="•"/>
+            </a:pPr>
+            <a:r>
+              <a:rPr lang="en-US" sz="1400" dirty="0"/>
+              <a:t>Query is compared with all Keys using dot product.</a:t>
+            </a:r>
+          </a:p>
+          <a:p>
+            <a:pPr marL="285750" indent="-285750">
+              <a:buFont typeface="Arial" panose="020B0604020202020204" pitchFamily="34" charset="0"/>
+              <a:buChar char="•"/>
+            </a:pPr>
+            <a:r>
+              <a:rPr lang="en-US" sz="1400" dirty="0"/>
+              <a:t>Scores are normalized using </a:t>
+            </a:r>
+            <a:r>
+              <a:rPr lang="en-US" sz="1400" dirty="0" err="1"/>
+              <a:t>softmax</a:t>
+            </a:r>
+            <a:r>
+              <a:rPr lang="en-US" sz="1400" dirty="0"/>
+              <a:t>.</a:t>
+            </a:r>
+          </a:p>
+          <a:p>
+            <a:pPr marL="285750" indent="-285750">
+              <a:buFont typeface="Arial" panose="020B0604020202020204" pitchFamily="34" charset="0"/>
+              <a:buChar char="•"/>
+            </a:pPr>
+            <a:r>
+              <a:rPr lang="en-US" sz="1400" dirty="0"/>
+              <a:t>Values are weighted and summed.</a:t>
+            </a:r>
+          </a:p>
+          <a:p>
+            <a:pPr marL="285750" indent="-285750">
+              <a:buFont typeface="Arial" panose="020B0604020202020204" pitchFamily="34" charset="0"/>
+              <a:buChar char="•"/>
+            </a:pPr>
+            <a:r>
+              <a:rPr lang="en-US" sz="1400" dirty="0"/>
+              <a:t>Output is a context-aware word representation.</a:t>
+            </a:r>
+          </a:p>
+        </p:txBody>
+      </p:sp>
     </p:spTree>
     <p:extLst>
       <p:ext uri="{BB962C8B-B14F-4D97-AF65-F5344CB8AC3E}">
-        <p14:creationId xmlns:p14="http://schemas.microsoft.com/office/powerpoint/2010/main" val="1690261862"/>
+        <p14:creationId xmlns:p14="http://schemas.microsoft.com/office/powerpoint/2010/main" val="1209078175"/>
       </p:ext>
     </p:extLst>
   </p:cSld>
@@ -6282,7 +10861,7 @@
         <p:cNvPr id="1" name="">
           <a:extLst>
             <a:ext uri="{FF2B5EF4-FFF2-40B4-BE49-F238E27FC236}">
-              <a16:creationId xmlns:a16="http://schemas.microsoft.com/office/drawing/2014/main" id="{91718231-E9B2-1D84-0986-92537F121540}"/>
+              <a16:creationId xmlns:a16="http://schemas.microsoft.com/office/drawing/2014/main" id="{6083A0C0-BE9F-2D30-DED5-F3A0098488EF}"/>
             </a:ext>
           </a:extLst>
         </p:cNvPr>
@@ -6302,7 +10881,7 @@
           <p:cNvPr id="2" name="TextBox 1">
             <a:extLst>
               <a:ext uri="{FF2B5EF4-FFF2-40B4-BE49-F238E27FC236}">
-                <a16:creationId xmlns:a16="http://schemas.microsoft.com/office/drawing/2014/main" id="{AACC3119-37D9-3940-6EC7-BB29B6B9B6CE}"/>
+                <a16:creationId xmlns:a16="http://schemas.microsoft.com/office/drawing/2014/main" id="{FDA97A1E-5A78-D752-085C-EA8ACD369B8C}"/>
               </a:ext>
             </a:extLst>
           </p:cNvPr>
@@ -6311,8 +10890,8 @@
         </p:nvSpPr>
         <p:spPr>
           <a:xfrm>
-            <a:off x="4354227" y="275969"/>
-            <a:ext cx="5025747" cy="461665"/>
+            <a:off x="3833117" y="360213"/>
+            <a:ext cx="5375318" cy="461665"/>
           </a:xfrm>
           <a:prstGeom prst="rect">
             <a:avLst/>
@@ -6326,10 +10905,9 @@
           <a:lstStyle/>
           <a:p>
             <a:r>
-              <a:rPr lang="en-US" sz="2400" dirty="0"/>
-              <a:t>Logits and Next Token Prediction</a:t>
-            </a:r>
-            <a:endParaRPr lang="en-IN" sz="2400" dirty="0"/>
+              <a:rPr lang="en-IN" sz="2400" dirty="0"/>
+              <a:t>Multi-Head attention</a:t>
+            </a:r>
           </a:p>
         </p:txBody>
       </p:sp>
@@ -6338,7 +10916,7 @@
           <p:cNvPr id="3" name="TextBox 2">
             <a:extLst>
               <a:ext uri="{FF2B5EF4-FFF2-40B4-BE49-F238E27FC236}">
-                <a16:creationId xmlns:a16="http://schemas.microsoft.com/office/drawing/2014/main" id="{1B5A62CF-4D45-4099-D83A-35885C21F6F8}"/>
+                <a16:creationId xmlns:a16="http://schemas.microsoft.com/office/drawing/2014/main" id="{7D498A8A-8C2F-EA3B-ED7B-6FA62C1B662B}"/>
               </a:ext>
             </a:extLst>
           </p:cNvPr>
@@ -6347,8 +10925,8 @@
         </p:nvSpPr>
         <p:spPr>
           <a:xfrm>
-            <a:off x="1353400" y="1641986"/>
-            <a:ext cx="10838600" cy="2585323"/>
+            <a:off x="301349" y="1533831"/>
+            <a:ext cx="6355090" cy="3970318"/>
           </a:xfrm>
           <a:prstGeom prst="rect">
             <a:avLst/>
@@ -6367,7 +10945,7 @@
             </a:pPr>
             <a:r>
               <a:rPr lang="en-US" dirty="0"/>
-              <a:t>Logits are numerical scores produced by the model for every possible token in the vocabulary.</a:t>
+              <a:t>Multi-Head Attention allows the model to focus on different parts of the sentence simultaneously.</a:t>
             </a:r>
           </a:p>
           <a:p>
@@ -6384,7 +10962,7 @@
             </a:pPr>
             <a:r>
               <a:rPr lang="en-US" dirty="0"/>
-              <a:t>A higher logit value means the model believes that token is more likely to come next.</a:t>
+              <a:t>Instead of a single attention operation, multiple attention “heads” run in parallel.</a:t>
             </a:r>
           </a:p>
           <a:p>
@@ -6401,7 +10979,7 @@
             </a:pPr>
             <a:r>
               <a:rPr lang="en-US" dirty="0"/>
-              <a:t>Logits are not probabilities and cannot be interpreted directly by humans.</a:t>
+              <a:t>Each head learns a different type of relationship such as syntax, semantics, or long-range dependency.</a:t>
             </a:r>
           </a:p>
           <a:p>
@@ -6418,15 +10996,7 @@
             </a:pPr>
             <a:r>
               <a:rPr lang="en-US" dirty="0"/>
-              <a:t>A </a:t>
-            </a:r>
-            <a:r>
-              <a:rPr lang="en-US" dirty="0" err="1"/>
-              <a:t>softmax</a:t>
-            </a:r>
-            <a:r>
-              <a:rPr lang="en-US" dirty="0"/>
-              <a:t> function converts logits into probabilities that sum to one.</a:t>
+              <a:t>Outputs from all heads are concatenated and projected back to a single representation.</a:t>
             </a:r>
           </a:p>
           <a:p>
@@ -6443,16 +11013,84 @@
             </a:pPr>
             <a:r>
               <a:rPr lang="en-US" dirty="0"/>
-              <a:t>The model uses these probabilities to choose the next token.</a:t>
+              <a:t>This improves expressiveness without increasing sequence length</a:t>
             </a:r>
             <a:endParaRPr lang="en-IN" dirty="0"/>
           </a:p>
         </p:txBody>
       </p:sp>
+      <p:sp>
+        <p:nvSpPr>
+          <p:cNvPr id="4" name="TextBox 3">
+            <a:extLst>
+              <a:ext uri="{FF2B5EF4-FFF2-40B4-BE49-F238E27FC236}">
+                <a16:creationId xmlns:a16="http://schemas.microsoft.com/office/drawing/2014/main" id="{E98FFDBD-6875-59C2-882C-D176DA1E6AFE}"/>
+              </a:ext>
+            </a:extLst>
+          </p:cNvPr>
+          <p:cNvSpPr txBox="1"/>
+          <p:nvPr/>
+        </p:nvSpPr>
+        <p:spPr>
+          <a:xfrm>
+            <a:off x="7649496" y="6061454"/>
+            <a:ext cx="3785419" cy="369332"/>
+          </a:xfrm>
+          <a:prstGeom prst="rect">
+            <a:avLst/>
+          </a:prstGeom>
+          <a:noFill/>
+        </p:spPr>
+        <p:txBody>
+          <a:bodyPr wrap="square" rtlCol="0">
+            <a:spAutoFit/>
+          </a:bodyPr>
+          <a:lstStyle/>
+          <a:p>
+            <a:r>
+              <a:rPr lang="en-IN" dirty="0" err="1">
+                <a:hlinkClick r:id="rId2"/>
+              </a:rPr>
+              <a:t>transformer_demo</a:t>
+            </a:r>
+            <a:endParaRPr lang="en-IN" dirty="0"/>
+          </a:p>
+        </p:txBody>
+      </p:sp>
+      <p:pic>
+        <p:nvPicPr>
+          <p:cNvPr id="7" name="Picture 6">
+            <a:extLst>
+              <a:ext uri="{FF2B5EF4-FFF2-40B4-BE49-F238E27FC236}">
+                <a16:creationId xmlns:a16="http://schemas.microsoft.com/office/drawing/2014/main" id="{23BE3C89-68EB-4D41-1F48-572B0FC1AF07}"/>
+              </a:ext>
+            </a:extLst>
+          </p:cNvPr>
+          <p:cNvPicPr>
+            <a:picLocks noChangeAspect="1"/>
+          </p:cNvPicPr>
+          <p:nvPr/>
+        </p:nvPicPr>
+        <p:blipFill>
+          <a:blip r:embed="rId3"/>
+          <a:stretch>
+            <a:fillRect/>
+          </a:stretch>
+        </p:blipFill>
+        <p:spPr>
+          <a:xfrm>
+            <a:off x="7464757" y="1876118"/>
+            <a:ext cx="4154896" cy="2774540"/>
+          </a:xfrm>
+          <a:prstGeom prst="rect">
+            <a:avLst/>
+          </a:prstGeom>
+        </p:spPr>
+      </p:pic>
     </p:spTree>
     <p:extLst>
       <p:ext uri="{BB962C8B-B14F-4D97-AF65-F5344CB8AC3E}">
-        <p14:creationId xmlns:p14="http://schemas.microsoft.com/office/powerpoint/2010/main" val="3050409315"/>
+        <p14:creationId xmlns:p14="http://schemas.microsoft.com/office/powerpoint/2010/main" val="601187584"/>
       </p:ext>
     </p:extLst>
   </p:cSld>
